--- a/ECE 411 Presentation/T08Presentation.pptx
+++ b/ECE 411 Presentation/T08Presentation.pptx
@@ -5,7 +5,7 @@
     <p:sldMasterId id="2147483650" r:id="rId2"/>
   </p:sldMasterIdLst>
   <p:notesMasterIdLst>
-    <p:notesMasterId r:id="rId19"/>
+    <p:notesMasterId r:id="rId21"/>
   </p:notesMasterIdLst>
   <p:sldIdLst>
     <p:sldId id="257" r:id="rId3"/>
@@ -13,17 +13,19 @@
     <p:sldId id="261" r:id="rId5"/>
     <p:sldId id="262" r:id="rId6"/>
     <p:sldId id="270" r:id="rId7"/>
-    <p:sldId id="271" r:id="rId8"/>
-    <p:sldId id="272" r:id="rId9"/>
-    <p:sldId id="263" r:id="rId10"/>
-    <p:sldId id="266" r:id="rId11"/>
-    <p:sldId id="267" r:id="rId12"/>
-    <p:sldId id="264" r:id="rId13"/>
-    <p:sldId id="274" r:id="rId14"/>
-    <p:sldId id="275" r:id="rId15"/>
-    <p:sldId id="273" r:id="rId16"/>
-    <p:sldId id="260" r:id="rId17"/>
-    <p:sldId id="269" r:id="rId18"/>
+    <p:sldId id="263" r:id="rId8"/>
+    <p:sldId id="279" r:id="rId9"/>
+    <p:sldId id="272" r:id="rId10"/>
+    <p:sldId id="277" r:id="rId11"/>
+    <p:sldId id="278" r:id="rId12"/>
+    <p:sldId id="266" r:id="rId13"/>
+    <p:sldId id="267" r:id="rId14"/>
+    <p:sldId id="280" r:id="rId15"/>
+    <p:sldId id="264" r:id="rId16"/>
+    <p:sldId id="281" r:id="rId17"/>
+    <p:sldId id="275" r:id="rId18"/>
+    <p:sldId id="273" r:id="rId19"/>
+    <p:sldId id="269" r:id="rId20"/>
   </p:sldIdLst>
   <p:sldSz cx="9144000" cy="5143500" type="screen16x9"/>
   <p:notesSz cx="6858000" cy="9144000"/>
@@ -132,16 +134,18 @@
             <p14:sldId id="261"/>
             <p14:sldId id="262"/>
             <p14:sldId id="270"/>
-            <p14:sldId id="271"/>
+            <p14:sldId id="263"/>
+            <p14:sldId id="279"/>
             <p14:sldId id="272"/>
-            <p14:sldId id="263"/>
+            <p14:sldId id="277"/>
+            <p14:sldId id="278"/>
             <p14:sldId id="266"/>
             <p14:sldId id="267"/>
+            <p14:sldId id="280"/>
             <p14:sldId id="264"/>
-            <p14:sldId id="274"/>
+            <p14:sldId id="281"/>
             <p14:sldId id="275"/>
             <p14:sldId id="273"/>
-            <p14:sldId id="260"/>
             <p14:sldId id="269"/>
           </p14:sldIdLst>
         </p14:section>
@@ -4424,6 +4428,273 @@
 </p:notes>
 </file>
 
+<file path=ppt/notesSlides/notesSlide10.xml><?xml version="1.0" encoding="utf-8"?>
+<p:notes xmlns:a="http://schemas.openxmlformats.org/drawingml/2006/main" xmlns:r="http://schemas.openxmlformats.org/officeDocument/2006/relationships" xmlns:p="http://schemas.openxmlformats.org/presentationml/2006/main">
+  <p:cSld>
+    <p:spTree>
+      <p:nvGrpSpPr>
+        <p:cNvPr id="1" name=""/>
+        <p:cNvGrpSpPr/>
+        <p:nvPr/>
+      </p:nvGrpSpPr>
+      <p:grpSpPr>
+        <a:xfrm>
+          <a:off x="0" y="0"/>
+          <a:ext cx="0" cy="0"/>
+          <a:chOff x="0" y="0"/>
+          <a:chExt cx="0" cy="0"/>
+        </a:xfrm>
+      </p:grpSpPr>
+      <p:sp>
+        <p:nvSpPr>
+          <p:cNvPr id="2" name="Slide Image Placeholder 1"/>
+          <p:cNvSpPr>
+            <a:spLocks noGrp="1" noRot="1" noChangeAspect="1"/>
+          </p:cNvSpPr>
+          <p:nvPr>
+            <p:ph type="sldImg"/>
+          </p:nvPr>
+        </p:nvSpPr>
+        <p:spPr/>
+      </p:sp>
+      <p:sp>
+        <p:nvSpPr>
+          <p:cNvPr id="3" name="Notes Placeholder 2"/>
+          <p:cNvSpPr>
+            <a:spLocks noGrp="1"/>
+          </p:cNvSpPr>
+          <p:nvPr>
+            <p:ph type="body" idx="1"/>
+          </p:nvPr>
+        </p:nvSpPr>
+        <p:spPr/>
+        <p:txBody>
+          <a:bodyPr/>
+          <a:lstStyle/>
+          <a:p>
+            <a:endParaRPr lang="en-US" dirty="0"/>
+          </a:p>
+        </p:txBody>
+      </p:sp>
+      <p:sp>
+        <p:nvSpPr>
+          <p:cNvPr id="4" name="Slide Number Placeholder 3"/>
+          <p:cNvSpPr>
+            <a:spLocks noGrp="1"/>
+          </p:cNvSpPr>
+          <p:nvPr>
+            <p:ph type="sldNum" sz="quarter" idx="10"/>
+          </p:nvPr>
+        </p:nvSpPr>
+        <p:spPr/>
+        <p:txBody>
+          <a:bodyPr/>
+          <a:lstStyle/>
+          <a:p>
+            <a:fld id="{15969A98-3306-4886-9F65-59018E21ABE9}" type="slidenum">
+              <a:rPr lang="en-US" smtClean="0"/>
+              <a:t>14</a:t>
+            </a:fld>
+            <a:endParaRPr lang="en-US"/>
+          </a:p>
+        </p:txBody>
+      </p:sp>
+    </p:spTree>
+    <p:extLst>
+      <p:ext uri="{BB962C8B-B14F-4D97-AF65-F5344CB8AC3E}">
+        <p14:creationId xmlns:p14="http://schemas.microsoft.com/office/powerpoint/2010/main" val="535126789"/>
+      </p:ext>
+    </p:extLst>
+  </p:cSld>
+  <p:clrMapOvr>
+    <a:masterClrMapping/>
+  </p:clrMapOvr>
+</p:notes>
+</file>
+
+<file path=ppt/notesSlides/notesSlide11.xml><?xml version="1.0" encoding="utf-8"?>
+<p:notes xmlns:a="http://schemas.openxmlformats.org/drawingml/2006/main" xmlns:r="http://schemas.openxmlformats.org/officeDocument/2006/relationships" xmlns:p="http://schemas.openxmlformats.org/presentationml/2006/main">
+  <p:cSld>
+    <p:spTree>
+      <p:nvGrpSpPr>
+        <p:cNvPr id="1" name=""/>
+        <p:cNvGrpSpPr/>
+        <p:nvPr/>
+      </p:nvGrpSpPr>
+      <p:grpSpPr>
+        <a:xfrm>
+          <a:off x="0" y="0"/>
+          <a:ext cx="0" cy="0"/>
+          <a:chOff x="0" y="0"/>
+          <a:chExt cx="0" cy="0"/>
+        </a:xfrm>
+      </p:grpSpPr>
+      <p:sp>
+        <p:nvSpPr>
+          <p:cNvPr id="2" name="Slide Image Placeholder 1"/>
+          <p:cNvSpPr>
+            <a:spLocks noGrp="1" noRot="1" noChangeAspect="1"/>
+          </p:cNvSpPr>
+          <p:nvPr>
+            <p:ph type="sldImg"/>
+          </p:nvPr>
+        </p:nvSpPr>
+        <p:spPr/>
+      </p:sp>
+      <p:sp>
+        <p:nvSpPr>
+          <p:cNvPr id="3" name="Notes Placeholder 2"/>
+          <p:cNvSpPr>
+            <a:spLocks noGrp="1"/>
+          </p:cNvSpPr>
+          <p:nvPr>
+            <p:ph type="body" idx="1"/>
+          </p:nvPr>
+        </p:nvSpPr>
+        <p:spPr/>
+        <p:txBody>
+          <a:bodyPr/>
+          <a:lstStyle/>
+          <a:p>
+            <a:r>
+              <a:rPr lang="en-US" dirty="0" smtClean="0"/>
+              <a:t>0.96ft</a:t>
+            </a:r>
+            <a:r>
+              <a:rPr lang="en-US" baseline="0" dirty="0" smtClean="0"/>
+              <a:t> /</a:t>
+            </a:r>
+            <a:r>
+              <a:rPr lang="en-US" baseline="0" dirty="0" err="1" smtClean="0"/>
+              <a:t>Michaelfoot</a:t>
+            </a:r>
+            <a:r>
+              <a:rPr lang="en-US" baseline="0" dirty="0" smtClean="0"/>
+              <a:t>  ~150</a:t>
+            </a:r>
+          </a:p>
+        </p:txBody>
+      </p:sp>
+      <p:sp>
+        <p:nvSpPr>
+          <p:cNvPr id="4" name="Slide Number Placeholder 3"/>
+          <p:cNvSpPr>
+            <a:spLocks noGrp="1"/>
+          </p:cNvSpPr>
+          <p:nvPr>
+            <p:ph type="sldNum" sz="quarter" idx="10"/>
+          </p:nvPr>
+        </p:nvSpPr>
+        <p:spPr/>
+        <p:txBody>
+          <a:bodyPr/>
+          <a:lstStyle/>
+          <a:p>
+            <a:fld id="{15969A98-3306-4886-9F65-59018E21ABE9}" type="slidenum">
+              <a:rPr lang="en-US" smtClean="0"/>
+              <a:t>15</a:t>
+            </a:fld>
+            <a:endParaRPr lang="en-US"/>
+          </a:p>
+        </p:txBody>
+      </p:sp>
+    </p:spTree>
+    <p:extLst>
+      <p:ext uri="{BB962C8B-B14F-4D97-AF65-F5344CB8AC3E}">
+        <p14:creationId xmlns:p14="http://schemas.microsoft.com/office/powerpoint/2010/main" val="535126789"/>
+      </p:ext>
+    </p:extLst>
+  </p:cSld>
+  <p:clrMapOvr>
+    <a:masterClrMapping/>
+  </p:clrMapOvr>
+</p:notes>
+</file>
+
+<file path=ppt/notesSlides/notesSlide12.xml><?xml version="1.0" encoding="utf-8"?>
+<p:notes xmlns:a="http://schemas.openxmlformats.org/drawingml/2006/main" xmlns:r="http://schemas.openxmlformats.org/officeDocument/2006/relationships" xmlns:p="http://schemas.openxmlformats.org/presentationml/2006/main">
+  <p:cSld>
+    <p:spTree>
+      <p:nvGrpSpPr>
+        <p:cNvPr id="1" name=""/>
+        <p:cNvGrpSpPr/>
+        <p:nvPr/>
+      </p:nvGrpSpPr>
+      <p:grpSpPr>
+        <a:xfrm>
+          <a:off x="0" y="0"/>
+          <a:ext cx="0" cy="0"/>
+          <a:chOff x="0" y="0"/>
+          <a:chExt cx="0" cy="0"/>
+        </a:xfrm>
+      </p:grpSpPr>
+      <p:sp>
+        <p:nvSpPr>
+          <p:cNvPr id="2" name="Slide Image Placeholder 1"/>
+          <p:cNvSpPr>
+            <a:spLocks noGrp="1" noRot="1" noChangeAspect="1"/>
+          </p:cNvSpPr>
+          <p:nvPr>
+            <p:ph type="sldImg"/>
+          </p:nvPr>
+        </p:nvSpPr>
+        <p:spPr/>
+      </p:sp>
+      <p:sp>
+        <p:nvSpPr>
+          <p:cNvPr id="3" name="Notes Placeholder 2"/>
+          <p:cNvSpPr>
+            <a:spLocks noGrp="1"/>
+          </p:cNvSpPr>
+          <p:nvPr>
+            <p:ph type="body" idx="1"/>
+          </p:nvPr>
+        </p:nvSpPr>
+        <p:spPr/>
+        <p:txBody>
+          <a:bodyPr/>
+          <a:lstStyle/>
+          <a:p>
+            <a:endParaRPr lang="en-US" dirty="0"/>
+          </a:p>
+        </p:txBody>
+      </p:sp>
+      <p:sp>
+        <p:nvSpPr>
+          <p:cNvPr id="4" name="Slide Number Placeholder 3"/>
+          <p:cNvSpPr>
+            <a:spLocks noGrp="1"/>
+          </p:cNvSpPr>
+          <p:nvPr>
+            <p:ph type="sldNum" sz="quarter" idx="10"/>
+          </p:nvPr>
+        </p:nvSpPr>
+        <p:spPr/>
+        <p:txBody>
+          <a:bodyPr/>
+          <a:lstStyle/>
+          <a:p>
+            <a:fld id="{15969A98-3306-4886-9F65-59018E21ABE9}" type="slidenum">
+              <a:rPr lang="en-US" smtClean="0"/>
+              <a:t>16</a:t>
+            </a:fld>
+            <a:endParaRPr lang="en-US"/>
+          </a:p>
+        </p:txBody>
+      </p:sp>
+    </p:spTree>
+    <p:extLst>
+      <p:ext uri="{BB962C8B-B14F-4D97-AF65-F5344CB8AC3E}">
+        <p14:creationId xmlns:p14="http://schemas.microsoft.com/office/powerpoint/2010/main" val="2619526426"/>
+      </p:ext>
+    </p:extLst>
+  </p:cSld>
+  <p:clrMapOvr>
+    <a:masterClrMapping/>
+  </p:clrMapOvr>
+</p:notes>
+</file>
+
 <file path=ppt/notesSlides/notesSlide2.xml><?xml version="1.0" encoding="utf-8"?>
 <p:notes xmlns:a="http://schemas.openxmlformats.org/drawingml/2006/main" xmlns:r="http://schemas.openxmlformats.org/officeDocument/2006/relationships" xmlns:p="http://schemas.openxmlformats.org/presentationml/2006/main">
   <p:cSld>
@@ -4899,16 +5170,42 @@
           <a:p>
             <a:r>
               <a:rPr lang="en-US" b="1" dirty="0" smtClean="0"/>
-              <a:t>Key</a:t>
-            </a:r>
-            <a:r>
-              <a:rPr lang="en-US" b="1" baseline="0" dirty="0" smtClean="0"/>
-              <a:t> Idea:</a:t>
+              <a:t>Key Idea:</a:t>
+            </a:r>
+            <a:r>
+              <a:rPr lang="en-US" b="0" dirty="0" smtClean="0"/>
+              <a:t> Modules</a:t>
             </a:r>
             <a:r>
               <a:rPr lang="en-US" b="0" baseline="0" dirty="0" smtClean="0"/>
-              <a:t> Secondary Features for project</a:t>
-            </a:r>
+              <a:t> that were developed for this system</a:t>
+            </a:r>
+          </a:p>
+          <a:p>
+            <a:endParaRPr lang="en-US" b="0" baseline="0" dirty="0" smtClean="0"/>
+          </a:p>
+          <a:p>
+            <a:pPr lvl="1"/>
+            <a:r>
+              <a:rPr lang="en-US" cap="small" dirty="0" smtClean="0"/>
+              <a:t>Long Operational Lifetime</a:t>
+            </a:r>
+          </a:p>
+          <a:p>
+            <a:pPr lvl="1"/>
+            <a:r>
+              <a:rPr lang="en-US" cap="small" dirty="0" smtClean="0"/>
+              <a:t>2-Way Radio</a:t>
+            </a:r>
+          </a:p>
+          <a:p>
+            <a:pPr lvl="1"/>
+            <a:r>
+              <a:rPr lang="en-US" cap="small" dirty="0" smtClean="0"/>
+              <a:t>ISM Band 915 MHz</a:t>
+            </a:r>
+          </a:p>
+          <a:p>
             <a:endParaRPr lang="en-US" b="1" dirty="0"/>
           </a:p>
         </p:txBody>
@@ -4939,7 +5236,7 @@
     </p:spTree>
     <p:extLst>
       <p:ext uri="{BB962C8B-B14F-4D97-AF65-F5344CB8AC3E}">
-        <p14:creationId xmlns:p14="http://schemas.microsoft.com/office/powerpoint/2010/main" val="2754392852"/>
+        <p14:creationId xmlns:p14="http://schemas.microsoft.com/office/powerpoint/2010/main" val="2283382280"/>
       </p:ext>
     </p:extLst>
   </p:cSld>
@@ -4995,39 +5292,17 @@
           <a:p>
             <a:r>
               <a:rPr lang="en-US" b="1" dirty="0" smtClean="0"/>
-              <a:t>Key</a:t>
-            </a:r>
-            <a:r>
-              <a:rPr lang="en-US" b="1" baseline="0" dirty="0" smtClean="0"/>
-              <a:t> Idea: Functionality</a:t>
-            </a:r>
-          </a:p>
-          <a:p>
-            <a:endParaRPr lang="en-US" b="1" baseline="0" dirty="0" smtClean="0"/>
-          </a:p>
-          <a:p>
-            <a:pPr marL="228600" indent="-228600">
-              <a:buAutoNum type="arabicParenR"/>
-            </a:pPr>
+              <a:t>Key Idea:</a:t>
+            </a:r>
+            <a:r>
+              <a:rPr lang="en-US" b="0" dirty="0" smtClean="0"/>
+              <a:t> Modules</a:t>
+            </a:r>
             <a:r>
               <a:rPr lang="en-US" b="0" baseline="0" dirty="0" smtClean="0"/>
-              <a:t>What are the inputs/outputs</a:t>
-            </a:r>
-          </a:p>
-          <a:p>
-            <a:pPr marL="228600" indent="-228600">
-              <a:buAutoNum type="arabicParenR"/>
-            </a:pPr>
-            <a:r>
-              <a:rPr lang="en-US" b="0" baseline="0" dirty="0" smtClean="0"/>
-              <a:t>How are we transmitting data</a:t>
-            </a:r>
-          </a:p>
-          <a:p>
-            <a:pPr marL="0" indent="0">
-              <a:buNone/>
-            </a:pPr>
-            <a:endParaRPr lang="en-US" b="0" baseline="0" dirty="0" smtClean="0"/>
+              <a:t> that were developed for this system</a:t>
+            </a:r>
+            <a:endParaRPr lang="en-US" b="1" dirty="0"/>
           </a:p>
         </p:txBody>
       </p:sp>
@@ -5057,7 +5332,7 @@
     </p:spTree>
     <p:extLst>
       <p:ext uri="{BB962C8B-B14F-4D97-AF65-F5344CB8AC3E}">
-        <p14:creationId xmlns:p14="http://schemas.microsoft.com/office/powerpoint/2010/main" val="482945857"/>
+        <p14:creationId xmlns:p14="http://schemas.microsoft.com/office/powerpoint/2010/main" val="2283382280"/>
       </p:ext>
     </p:extLst>
   </p:cSld>
@@ -5113,17 +5388,39 @@
           <a:p>
             <a:r>
               <a:rPr lang="en-US" b="1" dirty="0" smtClean="0"/>
-              <a:t>Key Idea:</a:t>
-            </a:r>
-            <a:r>
-              <a:rPr lang="en-US" b="0" dirty="0" smtClean="0"/>
-              <a:t> Modules</a:t>
-            </a:r>
+              <a:t>Key</a:t>
+            </a:r>
+            <a:r>
+              <a:rPr lang="en-US" b="1" baseline="0" dirty="0" smtClean="0"/>
+              <a:t> Idea: Functionality</a:t>
+            </a:r>
+          </a:p>
+          <a:p>
+            <a:endParaRPr lang="en-US" b="1" baseline="0" dirty="0" smtClean="0"/>
+          </a:p>
+          <a:p>
+            <a:pPr marL="228600" indent="-228600">
+              <a:buAutoNum type="arabicParenR"/>
+            </a:pPr>
             <a:r>
               <a:rPr lang="en-US" b="0" baseline="0" dirty="0" smtClean="0"/>
-              <a:t> that were developed for this system</a:t>
-            </a:r>
-            <a:endParaRPr lang="en-US" b="1" dirty="0"/>
+              <a:t>What are the inputs/outputs</a:t>
+            </a:r>
+          </a:p>
+          <a:p>
+            <a:pPr marL="228600" indent="-228600">
+              <a:buAutoNum type="arabicParenR"/>
+            </a:pPr>
+            <a:r>
+              <a:rPr lang="en-US" b="0" baseline="0" dirty="0" smtClean="0"/>
+              <a:t>How are we transmitting data</a:t>
+            </a:r>
+          </a:p>
+          <a:p>
+            <a:pPr marL="0" indent="0">
+              <a:buNone/>
+            </a:pPr>
+            <a:endParaRPr lang="en-US" b="0" baseline="0" dirty="0" smtClean="0"/>
           </a:p>
         </p:txBody>
       </p:sp>
@@ -5145,6 +5442,102 @@
             <a:fld id="{15969A98-3306-4886-9F65-59018E21ABE9}" type="slidenum">
               <a:rPr lang="en-US" smtClean="0"/>
               <a:t>8</a:t>
+            </a:fld>
+            <a:endParaRPr lang="en-US"/>
+          </a:p>
+        </p:txBody>
+      </p:sp>
+    </p:spTree>
+    <p:extLst>
+      <p:ext uri="{BB962C8B-B14F-4D97-AF65-F5344CB8AC3E}">
+        <p14:creationId xmlns:p14="http://schemas.microsoft.com/office/powerpoint/2010/main" val="482945857"/>
+      </p:ext>
+    </p:extLst>
+  </p:cSld>
+  <p:clrMapOvr>
+    <a:masterClrMapping/>
+  </p:clrMapOvr>
+</p:notes>
+</file>
+
+<file path=ppt/notesSlides/notesSlide9.xml><?xml version="1.0" encoding="utf-8"?>
+<p:notes xmlns:a="http://schemas.openxmlformats.org/drawingml/2006/main" xmlns:r="http://schemas.openxmlformats.org/officeDocument/2006/relationships" xmlns:p="http://schemas.openxmlformats.org/presentationml/2006/main">
+  <p:cSld>
+    <p:spTree>
+      <p:nvGrpSpPr>
+        <p:cNvPr id="1" name=""/>
+        <p:cNvGrpSpPr/>
+        <p:nvPr/>
+      </p:nvGrpSpPr>
+      <p:grpSpPr>
+        <a:xfrm>
+          <a:off x="0" y="0"/>
+          <a:ext cx="0" cy="0"/>
+          <a:chOff x="0" y="0"/>
+          <a:chExt cx="0" cy="0"/>
+        </a:xfrm>
+      </p:grpSpPr>
+      <p:sp>
+        <p:nvSpPr>
+          <p:cNvPr id="2" name="Slide Image Placeholder 1"/>
+          <p:cNvSpPr>
+            <a:spLocks noGrp="1" noRot="1" noChangeAspect="1"/>
+          </p:cNvSpPr>
+          <p:nvPr>
+            <p:ph type="sldImg"/>
+          </p:nvPr>
+        </p:nvSpPr>
+        <p:spPr/>
+      </p:sp>
+      <p:sp>
+        <p:nvSpPr>
+          <p:cNvPr id="3" name="Notes Placeholder 2"/>
+          <p:cNvSpPr>
+            <a:spLocks noGrp="1"/>
+          </p:cNvSpPr>
+          <p:nvPr>
+            <p:ph type="body" idx="1"/>
+          </p:nvPr>
+        </p:nvSpPr>
+        <p:spPr/>
+        <p:txBody>
+          <a:bodyPr/>
+          <a:lstStyle/>
+          <a:p>
+            <a:r>
+              <a:rPr lang="en-US" b="1" dirty="0" smtClean="0"/>
+              <a:t>Key Idea:</a:t>
+            </a:r>
+            <a:r>
+              <a:rPr lang="en-US" b="0" dirty="0" smtClean="0"/>
+              <a:t> Modules</a:t>
+            </a:r>
+            <a:r>
+              <a:rPr lang="en-US" b="0" baseline="0" dirty="0" smtClean="0"/>
+              <a:t> that were developed for this system</a:t>
+            </a:r>
+            <a:endParaRPr lang="en-US" b="1" dirty="0"/>
+          </a:p>
+        </p:txBody>
+      </p:sp>
+      <p:sp>
+        <p:nvSpPr>
+          <p:cNvPr id="4" name="Slide Number Placeholder 3"/>
+          <p:cNvSpPr>
+            <a:spLocks noGrp="1"/>
+          </p:cNvSpPr>
+          <p:nvPr>
+            <p:ph type="sldNum" sz="quarter" idx="10"/>
+          </p:nvPr>
+        </p:nvSpPr>
+        <p:spPr/>
+        <p:txBody>
+          <a:bodyPr/>
+          <a:lstStyle/>
+          <a:p>
+            <a:fld id="{15969A98-3306-4886-9F65-59018E21ABE9}" type="slidenum">
+              <a:rPr lang="en-US" smtClean="0"/>
+              <a:t>9</a:t>
             </a:fld>
             <a:endParaRPr lang="en-US"/>
           </a:p>
@@ -8723,6 +9116,1296 @@
         <p:spPr/>
         <p:style>
           <a:lnRef idx="2">
+            <a:schemeClr val="accent4">
+              <a:shade val="50000"/>
+            </a:schemeClr>
+          </a:lnRef>
+          <a:fillRef idx="1">
+            <a:schemeClr val="accent4"/>
+          </a:fillRef>
+          <a:effectRef idx="0">
+            <a:schemeClr val="accent4"/>
+          </a:effectRef>
+          <a:fontRef idx="minor">
+            <a:schemeClr val="lt1"/>
+          </a:fontRef>
+        </p:style>
+        <p:txBody>
+          <a:bodyPr/>
+          <a:lstStyle/>
+          <a:p>
+            <a:r>
+              <a:rPr lang="en-US" dirty="0" smtClean="0"/>
+              <a:t>Python GUI Flow Chart</a:t>
+            </a:r>
+            <a:endParaRPr lang="en-US" dirty="0"/>
+          </a:p>
+        </p:txBody>
+      </p:sp>
+      <p:sp>
+        <p:nvSpPr>
+          <p:cNvPr id="4" name="Flowchart: Process 3"/>
+          <p:cNvSpPr>
+            <a:spLocks noChangeAspect="1"/>
+          </p:cNvSpPr>
+          <p:nvPr/>
+        </p:nvSpPr>
+        <p:spPr>
+          <a:xfrm>
+            <a:off x="130630" y="1733550"/>
+            <a:ext cx="909249" cy="609197"/>
+          </a:xfrm>
+          <a:prstGeom prst="flowChartProcess">
+            <a:avLst/>
+          </a:prstGeom>
+        </p:spPr>
+        <p:style>
+          <a:lnRef idx="2">
+            <a:schemeClr val="accent1">
+              <a:shade val="50000"/>
+            </a:schemeClr>
+          </a:lnRef>
+          <a:fillRef idx="1">
+            <a:schemeClr val="accent1"/>
+          </a:fillRef>
+          <a:effectRef idx="0">
+            <a:schemeClr val="accent1"/>
+          </a:effectRef>
+          <a:fontRef idx="minor">
+            <a:schemeClr val="lt1"/>
+          </a:fontRef>
+        </p:style>
+        <p:txBody>
+          <a:bodyPr rtlCol="0" anchor="ctr"/>
+          <a:lstStyle/>
+          <a:p>
+            <a:pPr algn="ctr"/>
+            <a:r>
+              <a:rPr lang="en-US" sz="1200" cap="small" dirty="0" smtClean="0"/>
+              <a:t>INIT Serial Port</a:t>
+            </a:r>
+            <a:endParaRPr lang="en-US" sz="1200" cap="small" dirty="0"/>
+          </a:p>
+        </p:txBody>
+      </p:sp>
+      <p:sp>
+        <p:nvSpPr>
+          <p:cNvPr id="5" name="Flowchart: Process 4"/>
+          <p:cNvSpPr>
+            <a:spLocks noChangeAspect="1"/>
+          </p:cNvSpPr>
+          <p:nvPr/>
+        </p:nvSpPr>
+        <p:spPr>
+          <a:xfrm>
+            <a:off x="1605351" y="1733550"/>
+            <a:ext cx="985449" cy="609197"/>
+          </a:xfrm>
+          <a:prstGeom prst="flowChartProcess">
+            <a:avLst/>
+          </a:prstGeom>
+        </p:spPr>
+        <p:style>
+          <a:lnRef idx="2">
+            <a:schemeClr val="accent1">
+              <a:shade val="50000"/>
+            </a:schemeClr>
+          </a:lnRef>
+          <a:fillRef idx="1">
+            <a:schemeClr val="accent1"/>
+          </a:fillRef>
+          <a:effectRef idx="0">
+            <a:schemeClr val="accent1"/>
+          </a:effectRef>
+          <a:fontRef idx="minor">
+            <a:schemeClr val="lt1"/>
+          </a:fontRef>
+        </p:style>
+        <p:txBody>
+          <a:bodyPr rtlCol="0" anchor="ctr"/>
+          <a:lstStyle/>
+          <a:p>
+            <a:pPr algn="ctr"/>
+            <a:r>
+              <a:rPr lang="en-US" sz="1200" cap="small" dirty="0" smtClean="0"/>
+              <a:t>Open Excel Workbook</a:t>
+            </a:r>
+            <a:endParaRPr lang="en-US" sz="1200" cap="small" dirty="0"/>
+          </a:p>
+        </p:txBody>
+      </p:sp>
+      <p:sp>
+        <p:nvSpPr>
+          <p:cNvPr id="6" name="Flowchart: Process 5"/>
+          <p:cNvSpPr>
+            <a:spLocks noChangeAspect="1"/>
+          </p:cNvSpPr>
+          <p:nvPr/>
+        </p:nvSpPr>
+        <p:spPr>
+          <a:xfrm>
+            <a:off x="3162007" y="1733550"/>
+            <a:ext cx="909249" cy="609197"/>
+          </a:xfrm>
+          <a:prstGeom prst="flowChartProcess">
+            <a:avLst/>
+          </a:prstGeom>
+        </p:spPr>
+        <p:style>
+          <a:lnRef idx="2">
+            <a:schemeClr val="accent1">
+              <a:shade val="50000"/>
+            </a:schemeClr>
+          </a:lnRef>
+          <a:fillRef idx="1">
+            <a:schemeClr val="accent1"/>
+          </a:fillRef>
+          <a:effectRef idx="0">
+            <a:schemeClr val="accent1"/>
+          </a:effectRef>
+          <a:fontRef idx="minor">
+            <a:schemeClr val="lt1"/>
+          </a:fontRef>
+        </p:style>
+        <p:txBody>
+          <a:bodyPr rtlCol="0" anchor="ctr"/>
+          <a:lstStyle/>
+          <a:p>
+            <a:pPr algn="ctr"/>
+            <a:r>
+              <a:rPr lang="en-US" sz="1200" cap="small" dirty="0" err="1" smtClean="0"/>
+              <a:t>Init</a:t>
+            </a:r>
+            <a:r>
+              <a:rPr lang="en-US" sz="1200" cap="small" dirty="0" smtClean="0"/>
+              <a:t> GUI</a:t>
+            </a:r>
+            <a:endParaRPr lang="en-US" sz="1200" cap="small" dirty="0"/>
+          </a:p>
+        </p:txBody>
+      </p:sp>
+      <p:sp>
+        <p:nvSpPr>
+          <p:cNvPr id="7" name="Flowchart: Process 6"/>
+          <p:cNvSpPr>
+            <a:spLocks noChangeAspect="1"/>
+          </p:cNvSpPr>
+          <p:nvPr/>
+        </p:nvSpPr>
+        <p:spPr>
+          <a:xfrm>
+            <a:off x="3183781" y="2800350"/>
+            <a:ext cx="909249" cy="609197"/>
+          </a:xfrm>
+          <a:prstGeom prst="flowChartProcess">
+            <a:avLst/>
+          </a:prstGeom>
+        </p:spPr>
+        <p:style>
+          <a:lnRef idx="2">
+            <a:schemeClr val="accent1">
+              <a:shade val="50000"/>
+            </a:schemeClr>
+          </a:lnRef>
+          <a:fillRef idx="1">
+            <a:schemeClr val="accent1"/>
+          </a:fillRef>
+          <a:effectRef idx="0">
+            <a:schemeClr val="accent1"/>
+          </a:effectRef>
+          <a:fontRef idx="minor">
+            <a:schemeClr val="lt1"/>
+          </a:fontRef>
+        </p:style>
+        <p:txBody>
+          <a:bodyPr rtlCol="0" anchor="ctr"/>
+          <a:lstStyle/>
+          <a:p>
+            <a:pPr algn="ctr"/>
+            <a:r>
+              <a:rPr lang="en-US" sz="1200" cap="small" dirty="0" smtClean="0"/>
+              <a:t>GUI Main Loop</a:t>
+            </a:r>
+            <a:endParaRPr lang="en-US" sz="1200" cap="small" dirty="0"/>
+          </a:p>
+        </p:txBody>
+      </p:sp>
+      <p:sp>
+        <p:nvSpPr>
+          <p:cNvPr id="8" name="Flowchart: Process 7"/>
+          <p:cNvSpPr>
+            <a:spLocks noChangeAspect="1"/>
+          </p:cNvSpPr>
+          <p:nvPr/>
+        </p:nvSpPr>
+        <p:spPr>
+          <a:xfrm>
+            <a:off x="4653351" y="1733953"/>
+            <a:ext cx="909249" cy="609197"/>
+          </a:xfrm>
+          <a:prstGeom prst="flowChartProcess">
+            <a:avLst/>
+          </a:prstGeom>
+        </p:spPr>
+        <p:style>
+          <a:lnRef idx="2">
+            <a:schemeClr val="accent1">
+              <a:shade val="50000"/>
+            </a:schemeClr>
+          </a:lnRef>
+          <a:fillRef idx="1">
+            <a:schemeClr val="accent1"/>
+          </a:fillRef>
+          <a:effectRef idx="0">
+            <a:schemeClr val="accent1"/>
+          </a:effectRef>
+          <a:fontRef idx="minor">
+            <a:schemeClr val="lt1"/>
+          </a:fontRef>
+        </p:style>
+        <p:txBody>
+          <a:bodyPr rtlCol="0" anchor="ctr"/>
+          <a:lstStyle/>
+          <a:p>
+            <a:pPr algn="ctr"/>
+            <a:r>
+              <a:rPr lang="en-US" sz="1200" cap="small" dirty="0" smtClean="0"/>
+              <a:t>CNT Base</a:t>
+            </a:r>
+            <a:endParaRPr lang="en-US" sz="1200" cap="small" dirty="0"/>
+          </a:p>
+        </p:txBody>
+      </p:sp>
+      <p:sp>
+        <p:nvSpPr>
+          <p:cNvPr id="9" name="Flowchart: Process 8"/>
+          <p:cNvSpPr>
+            <a:spLocks noChangeAspect="1"/>
+          </p:cNvSpPr>
+          <p:nvPr/>
+        </p:nvSpPr>
+        <p:spPr>
+          <a:xfrm>
+            <a:off x="4664237" y="2800753"/>
+            <a:ext cx="909249" cy="609197"/>
+          </a:xfrm>
+          <a:prstGeom prst="flowChartProcess">
+            <a:avLst/>
+          </a:prstGeom>
+        </p:spPr>
+        <p:style>
+          <a:lnRef idx="2">
+            <a:schemeClr val="accent1">
+              <a:shade val="50000"/>
+            </a:schemeClr>
+          </a:lnRef>
+          <a:fillRef idx="1">
+            <a:schemeClr val="accent1"/>
+          </a:fillRef>
+          <a:effectRef idx="0">
+            <a:schemeClr val="accent1"/>
+          </a:effectRef>
+          <a:fontRef idx="minor">
+            <a:schemeClr val="lt1"/>
+          </a:fontRef>
+        </p:style>
+        <p:txBody>
+          <a:bodyPr rtlCol="0" anchor="ctr"/>
+          <a:lstStyle/>
+          <a:p>
+            <a:pPr algn="ctr"/>
+            <a:r>
+              <a:rPr lang="en-US" sz="1200" cap="small" dirty="0" smtClean="0"/>
+              <a:t>Reset Bar Graph</a:t>
+            </a:r>
+            <a:endParaRPr lang="en-US" sz="1200" cap="small" dirty="0"/>
+          </a:p>
+        </p:txBody>
+      </p:sp>
+      <p:sp>
+        <p:nvSpPr>
+          <p:cNvPr id="10" name="Flowchart: Process 9"/>
+          <p:cNvSpPr>
+            <a:spLocks noChangeAspect="1"/>
+          </p:cNvSpPr>
+          <p:nvPr/>
+        </p:nvSpPr>
+        <p:spPr>
+          <a:xfrm>
+            <a:off x="6166461" y="2800753"/>
+            <a:ext cx="1137849" cy="609197"/>
+          </a:xfrm>
+          <a:prstGeom prst="flowChartProcess">
+            <a:avLst/>
+          </a:prstGeom>
+        </p:spPr>
+        <p:style>
+          <a:lnRef idx="2">
+            <a:schemeClr val="accent1">
+              <a:shade val="50000"/>
+            </a:schemeClr>
+          </a:lnRef>
+          <a:fillRef idx="1">
+            <a:schemeClr val="accent1"/>
+          </a:fillRef>
+          <a:effectRef idx="0">
+            <a:schemeClr val="accent1"/>
+          </a:effectRef>
+          <a:fontRef idx="minor">
+            <a:schemeClr val="lt1"/>
+          </a:fontRef>
+        </p:style>
+        <p:txBody>
+          <a:bodyPr rtlCol="0" anchor="ctr"/>
+          <a:lstStyle/>
+          <a:p>
+            <a:pPr algn="ctr"/>
+            <a:r>
+              <a:rPr lang="en-US" sz="1200" cap="small" dirty="0" smtClean="0"/>
+              <a:t>Open Polling Loop &amp; </a:t>
+            </a:r>
+            <a:r>
+              <a:rPr lang="en-US" sz="1200" cap="small" dirty="0" err="1" smtClean="0"/>
+              <a:t>Init</a:t>
+            </a:r>
+            <a:r>
+              <a:rPr lang="en-US" sz="1200" cap="small" dirty="0" smtClean="0"/>
+              <a:t> Count</a:t>
+            </a:r>
+            <a:endParaRPr lang="en-US" sz="1200" cap="small" dirty="0"/>
+          </a:p>
+        </p:txBody>
+      </p:sp>
+      <p:sp>
+        <p:nvSpPr>
+          <p:cNvPr id="11" name="Flowchart: Process 10"/>
+          <p:cNvSpPr>
+            <a:spLocks noChangeAspect="1"/>
+          </p:cNvSpPr>
+          <p:nvPr/>
+        </p:nvSpPr>
+        <p:spPr>
+          <a:xfrm>
+            <a:off x="7815945" y="2764387"/>
+            <a:ext cx="1148735" cy="609197"/>
+          </a:xfrm>
+          <a:prstGeom prst="flowChartProcess">
+            <a:avLst/>
+          </a:prstGeom>
+        </p:spPr>
+        <p:style>
+          <a:lnRef idx="2">
+            <a:schemeClr val="accent1">
+              <a:shade val="50000"/>
+            </a:schemeClr>
+          </a:lnRef>
+          <a:fillRef idx="1">
+            <a:schemeClr val="accent1"/>
+          </a:fillRef>
+          <a:effectRef idx="0">
+            <a:schemeClr val="accent1"/>
+          </a:effectRef>
+          <a:fontRef idx="minor">
+            <a:schemeClr val="lt1"/>
+          </a:fontRef>
+        </p:style>
+        <p:txBody>
+          <a:bodyPr rtlCol="0" anchor="ctr"/>
+          <a:lstStyle/>
+          <a:p>
+            <a:pPr algn="ctr"/>
+            <a:r>
+              <a:rPr lang="en-US" sz="1200" cap="small" dirty="0" smtClean="0"/>
+              <a:t>Close Polling Loop</a:t>
+            </a:r>
+            <a:endParaRPr lang="en-US" sz="1200" cap="small" dirty="0"/>
+          </a:p>
+        </p:txBody>
+      </p:sp>
+      <p:sp>
+        <p:nvSpPr>
+          <p:cNvPr id="12" name="Flowchart: Process 11"/>
+          <p:cNvSpPr>
+            <a:spLocks noChangeAspect="1"/>
+          </p:cNvSpPr>
+          <p:nvPr/>
+        </p:nvSpPr>
+        <p:spPr>
+          <a:xfrm>
+            <a:off x="6471265" y="3921983"/>
+            <a:ext cx="1148735" cy="609197"/>
+          </a:xfrm>
+          <a:prstGeom prst="flowChartProcess">
+            <a:avLst/>
+          </a:prstGeom>
+        </p:spPr>
+        <p:style>
+          <a:lnRef idx="2">
+            <a:schemeClr val="accent1">
+              <a:shade val="50000"/>
+            </a:schemeClr>
+          </a:lnRef>
+          <a:fillRef idx="1">
+            <a:schemeClr val="accent1"/>
+          </a:fillRef>
+          <a:effectRef idx="0">
+            <a:schemeClr val="accent1"/>
+          </a:effectRef>
+          <a:fontRef idx="minor">
+            <a:schemeClr val="lt1"/>
+          </a:fontRef>
+        </p:style>
+        <p:txBody>
+          <a:bodyPr rtlCol="0" anchor="ctr"/>
+          <a:lstStyle/>
+          <a:p>
+            <a:pPr algn="ctr"/>
+            <a:r>
+              <a:rPr lang="en-US" sz="1200" cap="small" dirty="0" smtClean="0"/>
+              <a:t>Count  Answers</a:t>
+            </a:r>
+            <a:endParaRPr lang="en-US" sz="1200" cap="small" dirty="0"/>
+          </a:p>
+        </p:txBody>
+      </p:sp>
+      <p:sp>
+        <p:nvSpPr>
+          <p:cNvPr id="13" name="Flowchart: Process 12"/>
+          <p:cNvSpPr>
+            <a:spLocks noChangeAspect="1"/>
+          </p:cNvSpPr>
+          <p:nvPr/>
+        </p:nvSpPr>
+        <p:spPr>
+          <a:xfrm>
+            <a:off x="4783981" y="3943753"/>
+            <a:ext cx="1148735" cy="609197"/>
+          </a:xfrm>
+          <a:prstGeom prst="flowChartProcess">
+            <a:avLst/>
+          </a:prstGeom>
+        </p:spPr>
+        <p:style>
+          <a:lnRef idx="2">
+            <a:schemeClr val="accent1">
+              <a:shade val="50000"/>
+            </a:schemeClr>
+          </a:lnRef>
+          <a:fillRef idx="1">
+            <a:schemeClr val="accent1"/>
+          </a:fillRef>
+          <a:effectRef idx="0">
+            <a:schemeClr val="accent1"/>
+          </a:effectRef>
+          <a:fontRef idx="minor">
+            <a:schemeClr val="lt1"/>
+          </a:fontRef>
+        </p:style>
+        <p:txBody>
+          <a:bodyPr rtlCol="0" anchor="ctr"/>
+          <a:lstStyle/>
+          <a:p>
+            <a:pPr algn="ctr"/>
+            <a:r>
+              <a:rPr lang="en-US" sz="1200" cap="small" dirty="0" smtClean="0"/>
+              <a:t>Write Totals to Workbook</a:t>
+            </a:r>
+            <a:endParaRPr lang="en-US" sz="1200" cap="small" dirty="0"/>
+          </a:p>
+        </p:txBody>
+      </p:sp>
+      <p:sp>
+        <p:nvSpPr>
+          <p:cNvPr id="14" name="Flowchart: Process 13"/>
+          <p:cNvSpPr>
+            <a:spLocks noChangeAspect="1"/>
+          </p:cNvSpPr>
+          <p:nvPr/>
+        </p:nvSpPr>
+        <p:spPr>
+          <a:xfrm>
+            <a:off x="3107581" y="3943753"/>
+            <a:ext cx="1148735" cy="609197"/>
+          </a:xfrm>
+          <a:prstGeom prst="flowChartProcess">
+            <a:avLst/>
+          </a:prstGeom>
+        </p:spPr>
+        <p:style>
+          <a:lnRef idx="2">
+            <a:schemeClr val="accent1">
+              <a:shade val="50000"/>
+            </a:schemeClr>
+          </a:lnRef>
+          <a:fillRef idx="1">
+            <a:schemeClr val="accent1"/>
+          </a:fillRef>
+          <a:effectRef idx="0">
+            <a:schemeClr val="accent1"/>
+          </a:effectRef>
+          <a:fontRef idx="minor">
+            <a:schemeClr val="lt1"/>
+          </a:fontRef>
+        </p:style>
+        <p:txBody>
+          <a:bodyPr rtlCol="0" anchor="ctr"/>
+          <a:lstStyle/>
+          <a:p>
+            <a:pPr algn="ctr"/>
+            <a:r>
+              <a:rPr lang="en-US" sz="1200" cap="small" dirty="0" smtClean="0"/>
+              <a:t>Display Results</a:t>
+            </a:r>
+            <a:endParaRPr lang="en-US" sz="1200" cap="small" dirty="0"/>
+          </a:p>
+        </p:txBody>
+      </p:sp>
+      <p:sp>
+        <p:nvSpPr>
+          <p:cNvPr id="15" name="Flowchart: Process 14"/>
+          <p:cNvSpPr>
+            <a:spLocks noChangeAspect="1"/>
+          </p:cNvSpPr>
+          <p:nvPr/>
+        </p:nvSpPr>
+        <p:spPr>
+          <a:xfrm>
+            <a:off x="1191695" y="2800350"/>
+            <a:ext cx="1148735" cy="609197"/>
+          </a:xfrm>
+          <a:prstGeom prst="flowChartProcess">
+            <a:avLst/>
+          </a:prstGeom>
+        </p:spPr>
+        <p:style>
+          <a:lnRef idx="2">
+            <a:schemeClr val="accent1">
+              <a:shade val="50000"/>
+            </a:schemeClr>
+          </a:lnRef>
+          <a:fillRef idx="1">
+            <a:schemeClr val="accent1"/>
+          </a:fillRef>
+          <a:effectRef idx="0">
+            <a:schemeClr val="accent1"/>
+          </a:effectRef>
+          <a:fontRef idx="minor">
+            <a:schemeClr val="lt1"/>
+          </a:fontRef>
+        </p:style>
+        <p:txBody>
+          <a:bodyPr rtlCol="0" anchor="ctr"/>
+          <a:lstStyle/>
+          <a:p>
+            <a:pPr algn="ctr"/>
+            <a:r>
+              <a:rPr lang="en-US" sz="1200" cap="small" dirty="0" smtClean="0"/>
+              <a:t>Update Polling Duration</a:t>
+            </a:r>
+            <a:endParaRPr lang="en-US" sz="1200" cap="small" dirty="0"/>
+          </a:p>
+        </p:txBody>
+      </p:sp>
+      <p:cxnSp>
+        <p:nvCxnSpPr>
+          <p:cNvPr id="16" name="Straight Arrow Connector 15"/>
+          <p:cNvCxnSpPr/>
+          <p:nvPr/>
+        </p:nvCxnSpPr>
+        <p:spPr>
+          <a:xfrm>
+            <a:off x="1043107" y="2037257"/>
+            <a:ext cx="535323" cy="1093"/>
+          </a:xfrm>
+          <a:prstGeom prst="straightConnector1">
+            <a:avLst/>
+          </a:prstGeom>
+          <a:ln>
+            <a:tailEnd type="triangle" w="med" len="med"/>
+          </a:ln>
+        </p:spPr>
+        <p:style>
+          <a:lnRef idx="2">
+            <a:schemeClr val="dk1"/>
+          </a:lnRef>
+          <a:fillRef idx="0">
+            <a:schemeClr val="dk1"/>
+          </a:fillRef>
+          <a:effectRef idx="1">
+            <a:schemeClr val="dk1"/>
+          </a:effectRef>
+          <a:fontRef idx="minor">
+            <a:schemeClr val="tx1"/>
+          </a:fontRef>
+        </p:style>
+      </p:cxnSp>
+      <p:cxnSp>
+        <p:nvCxnSpPr>
+          <p:cNvPr id="17" name="Straight Arrow Connector 16"/>
+          <p:cNvCxnSpPr/>
+          <p:nvPr/>
+        </p:nvCxnSpPr>
+        <p:spPr>
+          <a:xfrm>
+            <a:off x="2601688" y="2037257"/>
+            <a:ext cx="535323" cy="1093"/>
+          </a:xfrm>
+          <a:prstGeom prst="straightConnector1">
+            <a:avLst/>
+          </a:prstGeom>
+          <a:ln>
+            <a:tailEnd type="triangle" w="med" len="med"/>
+          </a:ln>
+        </p:spPr>
+        <p:style>
+          <a:lnRef idx="2">
+            <a:schemeClr val="dk1"/>
+          </a:lnRef>
+          <a:fillRef idx="0">
+            <a:schemeClr val="dk1"/>
+          </a:fillRef>
+          <a:effectRef idx="1">
+            <a:schemeClr val="dk1"/>
+          </a:effectRef>
+          <a:fontRef idx="minor">
+            <a:schemeClr val="tx1"/>
+          </a:fontRef>
+        </p:style>
+      </p:cxnSp>
+      <p:cxnSp>
+        <p:nvCxnSpPr>
+          <p:cNvPr id="19" name="Straight Arrow Connector 18"/>
+          <p:cNvCxnSpPr/>
+          <p:nvPr/>
+        </p:nvCxnSpPr>
+        <p:spPr>
+          <a:xfrm flipV="1">
+            <a:off x="3616631" y="2358162"/>
+            <a:ext cx="1" cy="406225"/>
+          </a:xfrm>
+          <a:prstGeom prst="straightConnector1">
+            <a:avLst/>
+          </a:prstGeom>
+          <a:ln>
+            <a:headEnd type="triangle"/>
+            <a:tailEnd type="none" w="med" len="med"/>
+          </a:ln>
+        </p:spPr>
+        <p:style>
+          <a:lnRef idx="2">
+            <a:schemeClr val="dk1"/>
+          </a:lnRef>
+          <a:fillRef idx="0">
+            <a:schemeClr val="dk1"/>
+          </a:fillRef>
+          <a:effectRef idx="1">
+            <a:schemeClr val="dk1"/>
+          </a:effectRef>
+          <a:fontRef idx="minor">
+            <a:schemeClr val="tx1"/>
+          </a:fontRef>
+        </p:style>
+      </p:cxnSp>
+      <p:cxnSp>
+        <p:nvCxnSpPr>
+          <p:cNvPr id="32" name="Straight Arrow Connector 31"/>
+          <p:cNvCxnSpPr/>
+          <p:nvPr/>
+        </p:nvCxnSpPr>
+        <p:spPr>
+          <a:xfrm>
+            <a:off x="4101993" y="3104057"/>
+            <a:ext cx="535323" cy="1093"/>
+          </a:xfrm>
+          <a:prstGeom prst="straightConnector1">
+            <a:avLst/>
+          </a:prstGeom>
+          <a:ln>
+            <a:tailEnd type="triangle" w="med" len="med"/>
+          </a:ln>
+        </p:spPr>
+        <p:style>
+          <a:lnRef idx="2">
+            <a:schemeClr val="dk1"/>
+          </a:lnRef>
+          <a:fillRef idx="0">
+            <a:schemeClr val="dk1"/>
+          </a:fillRef>
+          <a:effectRef idx="1">
+            <a:schemeClr val="dk1"/>
+          </a:effectRef>
+          <a:fontRef idx="minor">
+            <a:schemeClr val="tx1"/>
+          </a:fontRef>
+        </p:style>
+      </p:cxnSp>
+      <p:cxnSp>
+        <p:nvCxnSpPr>
+          <p:cNvPr id="33" name="Straight Arrow Connector 32"/>
+          <p:cNvCxnSpPr/>
+          <p:nvPr/>
+        </p:nvCxnSpPr>
+        <p:spPr>
+          <a:xfrm>
+            <a:off x="5593335" y="3104057"/>
+            <a:ext cx="535323" cy="1093"/>
+          </a:xfrm>
+          <a:prstGeom prst="straightConnector1">
+            <a:avLst/>
+          </a:prstGeom>
+          <a:ln>
+            <a:tailEnd type="triangle" w="med" len="med"/>
+          </a:ln>
+        </p:spPr>
+        <p:style>
+          <a:lnRef idx="2">
+            <a:schemeClr val="dk1"/>
+          </a:lnRef>
+          <a:fillRef idx="0">
+            <a:schemeClr val="dk1"/>
+          </a:fillRef>
+          <a:effectRef idx="1">
+            <a:schemeClr val="dk1"/>
+          </a:effectRef>
+          <a:fontRef idx="minor">
+            <a:schemeClr val="tx1"/>
+          </a:fontRef>
+        </p:style>
+      </p:cxnSp>
+      <p:cxnSp>
+        <p:nvCxnSpPr>
+          <p:cNvPr id="38" name="Straight Arrow Connector 37"/>
+          <p:cNvCxnSpPr/>
+          <p:nvPr/>
+        </p:nvCxnSpPr>
+        <p:spPr>
+          <a:xfrm>
+            <a:off x="5923146" y="4226581"/>
+            <a:ext cx="535323" cy="1093"/>
+          </a:xfrm>
+          <a:prstGeom prst="straightConnector1">
+            <a:avLst/>
+          </a:prstGeom>
+          <a:ln>
+            <a:headEnd type="triangle"/>
+            <a:tailEnd type="none" w="med" len="med"/>
+          </a:ln>
+        </p:spPr>
+        <p:style>
+          <a:lnRef idx="2">
+            <a:schemeClr val="dk1"/>
+          </a:lnRef>
+          <a:fillRef idx="0">
+            <a:schemeClr val="dk1"/>
+          </a:fillRef>
+          <a:effectRef idx="1">
+            <a:schemeClr val="dk1"/>
+          </a:effectRef>
+          <a:fontRef idx="minor">
+            <a:schemeClr val="tx1"/>
+          </a:fontRef>
+        </p:style>
+      </p:cxnSp>
+      <p:cxnSp>
+        <p:nvCxnSpPr>
+          <p:cNvPr id="40" name="Straight Arrow Connector 39"/>
+          <p:cNvCxnSpPr/>
+          <p:nvPr/>
+        </p:nvCxnSpPr>
+        <p:spPr>
+          <a:xfrm>
+            <a:off x="7291507" y="3105150"/>
+            <a:ext cx="535323" cy="1093"/>
+          </a:xfrm>
+          <a:prstGeom prst="straightConnector1">
+            <a:avLst/>
+          </a:prstGeom>
+          <a:ln>
+            <a:tailEnd type="triangle" w="med" len="med"/>
+          </a:ln>
+        </p:spPr>
+        <p:style>
+          <a:lnRef idx="2">
+            <a:schemeClr val="dk1"/>
+          </a:lnRef>
+          <a:fillRef idx="0">
+            <a:schemeClr val="dk1"/>
+          </a:fillRef>
+          <a:effectRef idx="1">
+            <a:schemeClr val="dk1"/>
+          </a:effectRef>
+          <a:fontRef idx="minor">
+            <a:schemeClr val="tx1"/>
+          </a:fontRef>
+        </p:style>
+      </p:cxnSp>
+      <p:cxnSp>
+        <p:nvCxnSpPr>
+          <p:cNvPr id="41" name="Straight Arrow Connector 40"/>
+          <p:cNvCxnSpPr/>
+          <p:nvPr/>
+        </p:nvCxnSpPr>
+        <p:spPr>
+          <a:xfrm flipV="1">
+            <a:off x="8436430" y="3409951"/>
+            <a:ext cx="0" cy="816630"/>
+          </a:xfrm>
+          <a:prstGeom prst="straightConnector1">
+            <a:avLst/>
+          </a:prstGeom>
+          <a:ln>
+            <a:headEnd type="none"/>
+            <a:tailEnd type="none" w="med" len="med"/>
+          </a:ln>
+        </p:spPr>
+        <p:style>
+          <a:lnRef idx="2">
+            <a:schemeClr val="dk1"/>
+          </a:lnRef>
+          <a:fillRef idx="0">
+            <a:schemeClr val="dk1"/>
+          </a:fillRef>
+          <a:effectRef idx="1">
+            <a:schemeClr val="dk1"/>
+          </a:effectRef>
+          <a:fontRef idx="minor">
+            <a:schemeClr val="tx1"/>
+          </a:fontRef>
+        </p:style>
+      </p:cxnSp>
+      <p:cxnSp>
+        <p:nvCxnSpPr>
+          <p:cNvPr id="43" name="Straight Arrow Connector 42"/>
+          <p:cNvCxnSpPr/>
+          <p:nvPr/>
+        </p:nvCxnSpPr>
+        <p:spPr>
+          <a:xfrm>
+            <a:off x="7618077" y="4225285"/>
+            <a:ext cx="818353" cy="2389"/>
+          </a:xfrm>
+          <a:prstGeom prst="straightConnector1">
+            <a:avLst/>
+          </a:prstGeom>
+          <a:ln>
+            <a:headEnd type="triangle"/>
+            <a:tailEnd type="none" w="med" len="med"/>
+          </a:ln>
+        </p:spPr>
+        <p:style>
+          <a:lnRef idx="2">
+            <a:schemeClr val="dk1"/>
+          </a:lnRef>
+          <a:fillRef idx="0">
+            <a:schemeClr val="dk1"/>
+          </a:fillRef>
+          <a:effectRef idx="1">
+            <a:schemeClr val="dk1"/>
+          </a:effectRef>
+          <a:fontRef idx="minor">
+            <a:schemeClr val="tx1"/>
+          </a:fontRef>
+        </p:style>
+      </p:cxnSp>
+      <p:cxnSp>
+        <p:nvCxnSpPr>
+          <p:cNvPr id="46" name="Straight Arrow Connector 45"/>
+          <p:cNvCxnSpPr/>
+          <p:nvPr/>
+        </p:nvCxnSpPr>
+        <p:spPr>
+          <a:xfrm>
+            <a:off x="4245428" y="4226380"/>
+            <a:ext cx="535323" cy="1093"/>
+          </a:xfrm>
+          <a:prstGeom prst="straightConnector1">
+            <a:avLst/>
+          </a:prstGeom>
+          <a:ln>
+            <a:headEnd type="triangle"/>
+            <a:tailEnd type="none" w="med" len="med"/>
+          </a:ln>
+        </p:spPr>
+        <p:style>
+          <a:lnRef idx="2">
+            <a:schemeClr val="dk1"/>
+          </a:lnRef>
+          <a:fillRef idx="0">
+            <a:schemeClr val="dk1"/>
+          </a:fillRef>
+          <a:effectRef idx="1">
+            <a:schemeClr val="dk1"/>
+          </a:effectRef>
+          <a:fontRef idx="minor">
+            <a:schemeClr val="tx1"/>
+          </a:fontRef>
+        </p:style>
+      </p:cxnSp>
+      <p:cxnSp>
+        <p:nvCxnSpPr>
+          <p:cNvPr id="47" name="Straight Arrow Connector 46"/>
+          <p:cNvCxnSpPr/>
+          <p:nvPr/>
+        </p:nvCxnSpPr>
+        <p:spPr>
+          <a:xfrm flipV="1">
+            <a:off x="3635827" y="3471811"/>
+            <a:ext cx="1" cy="406225"/>
+          </a:xfrm>
+          <a:prstGeom prst="straightConnector1">
+            <a:avLst/>
+          </a:prstGeom>
+          <a:ln>
+            <a:headEnd type="none"/>
+            <a:tailEnd type="triangle" w="med" len="med"/>
+          </a:ln>
+        </p:spPr>
+        <p:style>
+          <a:lnRef idx="2">
+            <a:schemeClr val="dk1"/>
+          </a:lnRef>
+          <a:fillRef idx="0">
+            <a:schemeClr val="dk1"/>
+          </a:fillRef>
+          <a:effectRef idx="1">
+            <a:schemeClr val="dk1"/>
+          </a:effectRef>
+          <a:fontRef idx="minor">
+            <a:schemeClr val="tx1"/>
+          </a:fontRef>
+        </p:style>
+      </p:cxnSp>
+      <p:cxnSp>
+        <p:nvCxnSpPr>
+          <p:cNvPr id="48" name="Straight Arrow Connector 47"/>
+          <p:cNvCxnSpPr/>
+          <p:nvPr/>
+        </p:nvCxnSpPr>
+        <p:spPr>
+          <a:xfrm>
+            <a:off x="2438400" y="2952750"/>
+            <a:ext cx="669181" cy="1093"/>
+          </a:xfrm>
+          <a:prstGeom prst="straightConnector1">
+            <a:avLst/>
+          </a:prstGeom>
+          <a:ln>
+            <a:tailEnd type="triangle" w="med" len="med"/>
+          </a:ln>
+        </p:spPr>
+        <p:style>
+          <a:lnRef idx="2">
+            <a:schemeClr val="dk1"/>
+          </a:lnRef>
+          <a:fillRef idx="0">
+            <a:schemeClr val="dk1"/>
+          </a:fillRef>
+          <a:effectRef idx="1">
+            <a:schemeClr val="dk1"/>
+          </a:effectRef>
+          <a:fontRef idx="minor">
+            <a:schemeClr val="tx1"/>
+          </a:fontRef>
+        </p:style>
+      </p:cxnSp>
+      <p:cxnSp>
+        <p:nvCxnSpPr>
+          <p:cNvPr id="50" name="Straight Arrow Connector 49"/>
+          <p:cNvCxnSpPr/>
+          <p:nvPr/>
+        </p:nvCxnSpPr>
+        <p:spPr>
+          <a:xfrm>
+            <a:off x="2438400" y="3180257"/>
+            <a:ext cx="669181" cy="1093"/>
+          </a:xfrm>
+          <a:prstGeom prst="straightConnector1">
+            <a:avLst/>
+          </a:prstGeom>
+          <a:ln>
+            <a:headEnd type="triangle"/>
+            <a:tailEnd type="none" w="med" len="med"/>
+          </a:ln>
+        </p:spPr>
+        <p:style>
+          <a:lnRef idx="2">
+            <a:schemeClr val="dk1"/>
+          </a:lnRef>
+          <a:fillRef idx="0">
+            <a:schemeClr val="dk1"/>
+          </a:fillRef>
+          <a:effectRef idx="1">
+            <a:schemeClr val="dk1"/>
+          </a:effectRef>
+          <a:fontRef idx="minor">
+            <a:schemeClr val="tx1"/>
+          </a:fontRef>
+        </p:style>
+      </p:cxnSp>
+      <p:sp>
+        <p:nvSpPr>
+          <p:cNvPr id="51" name="Flowchart: Process 50"/>
+          <p:cNvSpPr>
+            <a:spLocks noChangeAspect="1"/>
+          </p:cNvSpPr>
+          <p:nvPr/>
+        </p:nvSpPr>
+        <p:spPr>
+          <a:xfrm>
+            <a:off x="1191695" y="3943753"/>
+            <a:ext cx="1246705" cy="609197"/>
+          </a:xfrm>
+          <a:prstGeom prst="flowChartProcess">
+            <a:avLst/>
+          </a:prstGeom>
+        </p:spPr>
+        <p:style>
+          <a:lnRef idx="2">
+            <a:schemeClr val="accent1">
+              <a:shade val="50000"/>
+            </a:schemeClr>
+          </a:lnRef>
+          <a:fillRef idx="1">
+            <a:schemeClr val="accent1"/>
+          </a:fillRef>
+          <a:effectRef idx="0">
+            <a:schemeClr val="accent1"/>
+          </a:effectRef>
+          <a:fontRef idx="minor">
+            <a:schemeClr val="lt1"/>
+          </a:fontRef>
+        </p:style>
+        <p:txBody>
+          <a:bodyPr rtlCol="0" anchor="ctr"/>
+          <a:lstStyle/>
+          <a:p>
+            <a:pPr algn="ctr"/>
+            <a:r>
+              <a:rPr lang="en-US" sz="1200" cap="small" dirty="0" smtClean="0"/>
+              <a:t>Close GUI, Serial Port, &amp; Workbook</a:t>
+            </a:r>
+            <a:endParaRPr lang="en-US" sz="1200" cap="small" dirty="0"/>
+          </a:p>
+        </p:txBody>
+      </p:sp>
+      <p:cxnSp>
+        <p:nvCxnSpPr>
+          <p:cNvPr id="52" name="Straight Arrow Connector 51"/>
+          <p:cNvCxnSpPr/>
+          <p:nvPr/>
+        </p:nvCxnSpPr>
+        <p:spPr>
+          <a:xfrm flipV="1">
+            <a:off x="2438400" y="3409952"/>
+            <a:ext cx="723607" cy="512031"/>
+          </a:xfrm>
+          <a:prstGeom prst="straightConnector1">
+            <a:avLst/>
+          </a:prstGeom>
+          <a:ln>
+            <a:headEnd type="triangle"/>
+            <a:tailEnd type="none" w="med" len="med"/>
+          </a:ln>
+        </p:spPr>
+        <p:style>
+          <a:lnRef idx="2">
+            <a:schemeClr val="dk1"/>
+          </a:lnRef>
+          <a:fillRef idx="0">
+            <a:schemeClr val="dk1"/>
+          </a:fillRef>
+          <a:effectRef idx="1">
+            <a:schemeClr val="dk1"/>
+          </a:effectRef>
+          <a:fontRef idx="minor">
+            <a:schemeClr val="tx1"/>
+          </a:fontRef>
+        </p:style>
+      </p:cxnSp>
+    </p:spTree>
+    <p:extLst>
+      <p:ext uri="{BB962C8B-B14F-4D97-AF65-F5344CB8AC3E}">
+        <p14:creationId xmlns:p14="http://schemas.microsoft.com/office/powerpoint/2010/main" val="4223453233"/>
+      </p:ext>
+    </p:extLst>
+  </p:cSld>
+  <p:clrMapOvr>
+    <a:masterClrMapping/>
+  </p:clrMapOvr>
+  <p:timing>
+    <p:tnLst>
+      <p:par>
+        <p:cTn id="1" dur="indefinite" restart="never" nodeType="tmRoot"/>
+      </p:par>
+    </p:tnLst>
+  </p:timing>
+</p:sld>
+</file>
+
+<file path=ppt/slides/slide11.xml><?xml version="1.0" encoding="utf-8"?>
+<p:sld xmlns:a="http://schemas.openxmlformats.org/drawingml/2006/main" xmlns:r="http://schemas.openxmlformats.org/officeDocument/2006/relationships" xmlns:p="http://schemas.openxmlformats.org/presentationml/2006/main">
+  <p:cSld>
+    <p:spTree>
+      <p:nvGrpSpPr>
+        <p:cNvPr id="1" name=""/>
+        <p:cNvGrpSpPr/>
+        <p:nvPr/>
+      </p:nvGrpSpPr>
+      <p:grpSpPr>
+        <a:xfrm>
+          <a:off x="0" y="0"/>
+          <a:ext cx="0" cy="0"/>
+          <a:chOff x="0" y="0"/>
+          <a:chExt cx="0" cy="0"/>
+        </a:xfrm>
+      </p:grpSpPr>
+      <p:pic>
+        <p:nvPicPr>
+          <p:cNvPr id="4" name="Content Placeholder 3"/>
+          <p:cNvPicPr>
+            <a:picLocks noGrp="1" noChangeAspect="1"/>
+          </p:cNvPicPr>
+          <p:nvPr>
+            <p:ph idx="1"/>
+          </p:nvPr>
+        </p:nvPicPr>
+        <p:blipFill>
+          <a:blip r:embed="rId2">
+            <a:extLst>
+              <a:ext uri="{BEBA8EAE-BF5A-486C-A8C5-ECC9F3942E4B}">
+                <a14:imgProps xmlns:a14="http://schemas.microsoft.com/office/drawing/2010/main">
+                  <a14:imgLayer r:embed="rId3">
+                    <a14:imgEffect>
+                      <a14:sharpenSoften amount="50000"/>
+                    </a14:imgEffect>
+                  </a14:imgLayer>
+                </a14:imgProps>
+              </a:ext>
+              <a:ext uri="{28A0092B-C50C-407E-A947-70E740481C1C}">
+                <a14:useLocalDpi xmlns:a14="http://schemas.microsoft.com/office/drawing/2010/main" val="0"/>
+              </a:ext>
+            </a:extLst>
+          </a:blip>
+          <a:stretch>
+            <a:fillRect/>
+          </a:stretch>
+        </p:blipFill>
+        <p:spPr>
+          <a:xfrm>
+            <a:off x="972722" y="1177528"/>
+            <a:ext cx="7180678" cy="3680222"/>
+          </a:xfrm>
+          <a:prstGeom prst="rect">
+            <a:avLst/>
+          </a:prstGeom>
+          <a:noFill/>
+          <a:ln>
+            <a:noFill/>
+          </a:ln>
+        </p:spPr>
+      </p:pic>
+      <p:sp>
+        <p:nvSpPr>
+          <p:cNvPr id="5" name="Title 1"/>
+          <p:cNvSpPr>
+            <a:spLocks noGrp="1"/>
+          </p:cNvSpPr>
+          <p:nvPr>
+            <p:ph type="title"/>
+          </p:nvPr>
+        </p:nvSpPr>
+        <p:spPr>
+          <a:xfrm>
+            <a:off x="457200" y="205979"/>
+            <a:ext cx="8229600" cy="857250"/>
+          </a:xfrm>
+        </p:spPr>
+        <p:style>
+          <a:lnRef idx="2">
+            <a:schemeClr val="accent6">
+              <a:shade val="50000"/>
+            </a:schemeClr>
+          </a:lnRef>
+          <a:fillRef idx="1">
+            <a:schemeClr val="accent6"/>
+          </a:fillRef>
+          <a:effectRef idx="0">
+            <a:schemeClr val="accent6"/>
+          </a:effectRef>
+          <a:fontRef idx="minor">
+            <a:schemeClr val="lt1"/>
+          </a:fontRef>
+        </p:style>
+        <p:txBody>
+          <a:bodyPr/>
+          <a:lstStyle/>
+          <a:p>
+            <a:r>
+              <a:rPr lang="en-US" dirty="0" smtClean="0"/>
+              <a:t>Schematic</a:t>
+            </a:r>
+            <a:endParaRPr lang="en-US" dirty="0"/>
+          </a:p>
+        </p:txBody>
+      </p:sp>
+    </p:spTree>
+    <p:extLst>
+      <p:ext uri="{BB962C8B-B14F-4D97-AF65-F5344CB8AC3E}">
+        <p14:creationId xmlns:p14="http://schemas.microsoft.com/office/powerpoint/2010/main" val="2371651074"/>
+      </p:ext>
+    </p:extLst>
+  </p:cSld>
+  <p:clrMapOvr>
+    <a:masterClrMapping/>
+  </p:clrMapOvr>
+  <mc:AlternateContent xmlns:mc="http://schemas.openxmlformats.org/markup-compatibility/2006">
+    <mc:Choice xmlns:p14="http://schemas.microsoft.com/office/powerpoint/2010/main" Requires="p14">
+      <p:transition p14:dur="0"/>
+    </mc:Choice>
+    <mc:Fallback>
+      <p:transition/>
+    </mc:Fallback>
+  </mc:AlternateContent>
+  <p:timing>
+    <p:tnLst>
+      <p:par>
+        <p:cTn id="1" dur="indefinite" restart="never" nodeType="tmRoot"/>
+      </p:par>
+    </p:tnLst>
+  </p:timing>
+</p:sld>
+</file>
+
+<file path=ppt/slides/slide12.xml><?xml version="1.0" encoding="utf-8"?>
+<p:sld xmlns:a="http://schemas.openxmlformats.org/drawingml/2006/main" xmlns:r="http://schemas.openxmlformats.org/officeDocument/2006/relationships" xmlns:p="http://schemas.openxmlformats.org/presentationml/2006/main">
+  <p:cSld>
+    <p:spTree>
+      <p:nvGrpSpPr>
+        <p:cNvPr id="1" name=""/>
+        <p:cNvGrpSpPr/>
+        <p:nvPr/>
+      </p:nvGrpSpPr>
+      <p:grpSpPr>
+        <a:xfrm>
+          <a:off x="0" y="0"/>
+          <a:ext cx="0" cy="0"/>
+          <a:chOff x="0" y="0"/>
+          <a:chExt cx="0" cy="0"/>
+        </a:xfrm>
+      </p:grpSpPr>
+      <p:sp>
+        <p:nvSpPr>
+          <p:cNvPr id="2" name="Title 1"/>
+          <p:cNvSpPr>
+            <a:spLocks noGrp="1"/>
+          </p:cNvSpPr>
+          <p:nvPr>
+            <p:ph type="title"/>
+          </p:nvPr>
+        </p:nvSpPr>
+        <p:spPr/>
+        <p:style>
+          <a:lnRef idx="2">
             <a:schemeClr val="accent6">
               <a:shade val="50000"/>
             </a:schemeClr>
@@ -8810,7 +10493,7 @@
 </p:sld>
 </file>
 
-<file path=ppt/slides/slide11.xml><?xml version="1.0" encoding="utf-8"?>
+<file path=ppt/slides/slide13.xml><?xml version="1.0" encoding="utf-8"?>
 <p:sld xmlns:a="http://schemas.openxmlformats.org/drawingml/2006/main" xmlns:r="http://schemas.openxmlformats.org/officeDocument/2006/relationships" xmlns:p="http://schemas.openxmlformats.org/presentationml/2006/main">
   <p:cSld>
     <p:spTree>
@@ -8860,310 +10543,68 @@
           <a:p>
             <a:r>
               <a:rPr lang="en-US" dirty="0" smtClean="0"/>
-              <a:t>Testing Strategy</a:t>
+              <a:t>Board Layout</a:t>
             </a:r>
             <a:endParaRPr lang="en-US" dirty="0"/>
           </a:p>
         </p:txBody>
       </p:sp>
-      <p:sp>
-        <p:nvSpPr>
-          <p:cNvPr id="3" name="Content Placeholder 2"/>
-          <p:cNvSpPr>
-            <a:spLocks noGrp="1"/>
-          </p:cNvSpPr>
+      <p:pic>
+        <p:nvPicPr>
+          <p:cNvPr id="8194" name="Picture 2" descr="C:\Users\Engineer\Documents\GitHub\ECE411\ECE 411 Presentation\Prototype Button.jpg"/>
+          <p:cNvPicPr>
+            <a:picLocks noGrp="1" noChangeAspect="1" noChangeArrowheads="1"/>
+          </p:cNvPicPr>
           <p:nvPr>
             <p:ph idx="1"/>
           </p:nvPr>
-        </p:nvSpPr>
-        <p:spPr/>
-        <p:txBody>
-          <a:bodyPr/>
-          <a:lstStyle/>
-          <a:p>
-            <a:r>
-              <a:rPr lang="en-US" dirty="0" smtClean="0"/>
-              <a:t>Level 1: Unit Testing</a:t>
-            </a:r>
-          </a:p>
-          <a:p>
-            <a:r>
-              <a:rPr lang="en-US" dirty="0" smtClean="0"/>
-              <a:t>Level 2: Integrated Testing</a:t>
-            </a:r>
-          </a:p>
-          <a:p>
-            <a:r>
-              <a:rPr lang="en-US" dirty="0" smtClean="0"/>
-              <a:t>Level 3: System Testing</a:t>
-            </a:r>
-          </a:p>
-          <a:p>
-            <a:r>
-              <a:rPr lang="en-US" dirty="0" smtClean="0"/>
-              <a:t>Level 4: System Level</a:t>
-            </a:r>
-            <a:endParaRPr lang="en-US" dirty="0"/>
-          </a:p>
-        </p:txBody>
-      </p:sp>
+        </p:nvPicPr>
+        <p:blipFill>
+          <a:blip r:embed="rId2">
+            <a:extLst>
+              <a:ext uri="{28A0092B-C50C-407E-A947-70E740481C1C}">
+                <a14:useLocalDpi xmlns:a14="http://schemas.microsoft.com/office/drawing/2010/main" val="0"/>
+              </a:ext>
+            </a:extLst>
+          </a:blip>
+          <a:srcRect/>
+          <a:stretch>
+            <a:fillRect/>
+          </a:stretch>
+        </p:blipFill>
+        <p:spPr bwMode="auto">
+          <a:xfrm>
+            <a:off x="2308320" y="1200150"/>
+            <a:ext cx="4527360" cy="3394075"/>
+          </a:xfrm>
+          <a:prstGeom prst="rect">
+            <a:avLst/>
+          </a:prstGeom>
+          <a:noFill/>
+          <a:extLst>
+            <a:ext uri="{909E8E84-426E-40DD-AFC4-6F175D3DCCD1}">
+              <a14:hiddenFill xmlns:a14="http://schemas.microsoft.com/office/drawing/2010/main">
+                <a:solidFill>
+                  <a:srgbClr val="FFFFFF"/>
+                </a:solidFill>
+              </a14:hiddenFill>
+            </a:ext>
+          </a:extLst>
+        </p:spPr>
+      </p:pic>
     </p:spTree>
     <p:extLst>
       <p:ext uri="{BB962C8B-B14F-4D97-AF65-F5344CB8AC3E}">
-        <p14:creationId xmlns:p14="http://schemas.microsoft.com/office/powerpoint/2010/main" val="3394177055"/>
+        <p14:creationId xmlns:p14="http://schemas.microsoft.com/office/powerpoint/2010/main" val="2699176656"/>
       </p:ext>
     </p:extLst>
   </p:cSld>
   <p:clrMapOvr>
     <a:masterClrMapping/>
   </p:clrMapOvr>
-  <p:timing>
-    <p:tnLst>
-      <p:par>
-        <p:cTn id="1" dur="indefinite" restart="never" nodeType="tmRoot"/>
-      </p:par>
-    </p:tnLst>
-  </p:timing>
-</p:sld>
-</file>
-
-<file path=ppt/slides/slide12.xml><?xml version="1.0" encoding="utf-8"?>
-<p:sld xmlns:a="http://schemas.openxmlformats.org/drawingml/2006/main" xmlns:r="http://schemas.openxmlformats.org/officeDocument/2006/relationships" xmlns:p="http://schemas.openxmlformats.org/presentationml/2006/main">
-  <p:cSld>
-    <p:spTree>
-      <p:nvGrpSpPr>
-        <p:cNvPr id="1" name=""/>
-        <p:cNvGrpSpPr/>
-        <p:nvPr/>
-      </p:nvGrpSpPr>
-      <p:grpSpPr>
-        <a:xfrm>
-          <a:off x="0" y="0"/>
-          <a:ext cx="0" cy="0"/>
-          <a:chOff x="0" y="0"/>
-          <a:chExt cx="0" cy="0"/>
-        </a:xfrm>
-      </p:grpSpPr>
-      <p:sp>
-        <p:nvSpPr>
-          <p:cNvPr id="2" name="Title 1"/>
-          <p:cNvSpPr>
-            <a:spLocks noGrp="1"/>
-          </p:cNvSpPr>
-          <p:nvPr>
-            <p:ph type="title"/>
-          </p:nvPr>
-        </p:nvSpPr>
-        <p:spPr/>
-        <p:style>
-          <a:lnRef idx="2">
-            <a:schemeClr val="accent6">
-              <a:shade val="50000"/>
-            </a:schemeClr>
-          </a:lnRef>
-          <a:fillRef idx="1">
-            <a:schemeClr val="accent6"/>
-          </a:fillRef>
-          <a:effectRef idx="0">
-            <a:schemeClr val="accent6"/>
-          </a:effectRef>
-          <a:fontRef idx="minor">
-            <a:schemeClr val="lt1"/>
-          </a:fontRef>
-        </p:style>
-        <p:txBody>
-          <a:bodyPr/>
-          <a:lstStyle/>
-          <a:p>
-            <a:r>
-              <a:rPr lang="en-US" dirty="0" smtClean="0"/>
-              <a:t>Lessons Learned</a:t>
-            </a:r>
-            <a:endParaRPr lang="en-US" dirty="0"/>
-          </a:p>
-        </p:txBody>
-      </p:sp>
-      <p:sp>
-        <p:nvSpPr>
-          <p:cNvPr id="3" name="Content Placeholder 2"/>
-          <p:cNvSpPr>
-            <a:spLocks noGrp="1"/>
-          </p:cNvSpPr>
-          <p:nvPr>
-            <p:ph idx="1"/>
-          </p:nvPr>
-        </p:nvSpPr>
-        <p:spPr/>
-        <p:txBody>
-          <a:bodyPr/>
-          <a:lstStyle/>
-          <a:p>
-            <a:endParaRPr lang="en-US" dirty="0"/>
-          </a:p>
-        </p:txBody>
-      </p:sp>
-    </p:spTree>
-    <p:extLst>
-      <p:ext uri="{BB962C8B-B14F-4D97-AF65-F5344CB8AC3E}">
-        <p14:creationId xmlns:p14="http://schemas.microsoft.com/office/powerpoint/2010/main" val="82602871"/>
-      </p:ext>
-    </p:extLst>
-  </p:cSld>
-  <p:clrMapOvr>
-    <a:masterClrMapping/>
-  </p:clrMapOvr>
-  <p:timing>
-    <p:tnLst>
-      <p:par>
-        <p:cTn id="1" dur="indefinite" restart="never" nodeType="tmRoot"/>
-      </p:par>
-    </p:tnLst>
-  </p:timing>
-</p:sld>
-</file>
-
-<file path=ppt/slides/slide13.xml><?xml version="1.0" encoding="utf-8"?>
-<p:sld xmlns:a="http://schemas.openxmlformats.org/drawingml/2006/main" xmlns:r="http://schemas.openxmlformats.org/officeDocument/2006/relationships" xmlns:p="http://schemas.openxmlformats.org/presentationml/2006/main">
-  <p:cSld>
-    <p:spTree>
-      <p:nvGrpSpPr>
-        <p:cNvPr id="1" name=""/>
-        <p:cNvGrpSpPr/>
-        <p:nvPr/>
-      </p:nvGrpSpPr>
-      <p:grpSpPr>
-        <a:xfrm>
-          <a:off x="0" y="0"/>
-          <a:ext cx="0" cy="0"/>
-          <a:chOff x="0" y="0"/>
-          <a:chExt cx="0" cy="0"/>
-        </a:xfrm>
-      </p:grpSpPr>
-      <p:sp>
-        <p:nvSpPr>
-          <p:cNvPr id="2" name="Title 1"/>
-          <p:cNvSpPr>
-            <a:spLocks noGrp="1"/>
-          </p:cNvSpPr>
-          <p:nvPr>
-            <p:ph type="title"/>
-          </p:nvPr>
-        </p:nvSpPr>
-        <p:spPr/>
-        <p:style>
-          <a:lnRef idx="2">
-            <a:schemeClr val="accent6">
-              <a:shade val="50000"/>
-            </a:schemeClr>
-          </a:lnRef>
-          <a:fillRef idx="1">
-            <a:schemeClr val="accent6"/>
-          </a:fillRef>
-          <a:effectRef idx="0">
-            <a:schemeClr val="accent6"/>
-          </a:effectRef>
-          <a:fontRef idx="minor">
-            <a:schemeClr val="lt1"/>
-          </a:fontRef>
-        </p:style>
-        <p:txBody>
-          <a:bodyPr/>
-          <a:lstStyle/>
-          <a:p>
-            <a:r>
-              <a:rPr lang="en-US" dirty="0" smtClean="0"/>
-              <a:t>IP and Prior Work</a:t>
-            </a:r>
-            <a:endParaRPr lang="en-US" dirty="0"/>
-          </a:p>
-        </p:txBody>
-      </p:sp>
-      <p:sp>
-        <p:nvSpPr>
-          <p:cNvPr id="3" name="Content Placeholder 2"/>
-          <p:cNvSpPr>
-            <a:spLocks noGrp="1"/>
-          </p:cNvSpPr>
-          <p:nvPr>
-            <p:ph idx="1"/>
-          </p:nvPr>
-        </p:nvSpPr>
-        <p:spPr/>
-        <p:txBody>
-          <a:bodyPr/>
-          <a:lstStyle/>
-          <a:p>
-            <a:r>
-              <a:rPr lang="en-US" dirty="0" smtClean="0"/>
-              <a:t>Python Modules</a:t>
-            </a:r>
-          </a:p>
-          <a:p>
-            <a:pPr lvl="1"/>
-            <a:r>
-              <a:rPr lang="en-US" dirty="0" err="1" smtClean="0"/>
-              <a:t>PySerial</a:t>
-            </a:r>
-            <a:r>
-              <a:rPr lang="en-US" dirty="0" smtClean="0"/>
-              <a:t>, Time, CSV, </a:t>
-            </a:r>
-            <a:r>
-              <a:rPr lang="en-US" dirty="0" err="1" smtClean="0"/>
-              <a:t>TkInter</a:t>
-            </a:r>
-            <a:endParaRPr lang="en-US" dirty="0" smtClean="0"/>
-          </a:p>
-          <a:p>
-            <a:r>
-              <a:rPr lang="en-US" dirty="0" smtClean="0"/>
-              <a:t>MSPExp430F6137Rx User Experience</a:t>
-            </a:r>
-          </a:p>
-          <a:p>
-            <a:r>
-              <a:rPr lang="en-US" dirty="0" smtClean="0"/>
-              <a:t>MSPExp430F5137Rx </a:t>
-            </a:r>
-            <a:r>
-              <a:rPr lang="en-US" dirty="0"/>
-              <a:t>User </a:t>
-            </a:r>
-            <a:r>
-              <a:rPr lang="en-US" dirty="0" smtClean="0"/>
-              <a:t>Experience</a:t>
-            </a:r>
-          </a:p>
-          <a:p>
-            <a:r>
-              <a:rPr lang="en-US" dirty="0" smtClean="0"/>
-              <a:t>Texas Instruments </a:t>
-            </a:r>
-            <a:r>
-              <a:rPr lang="en-US" dirty="0" err="1" smtClean="0"/>
-              <a:t>SimpliciTI</a:t>
-            </a:r>
-            <a:r>
-              <a:rPr lang="en-US" dirty="0" smtClean="0"/>
-              <a:t> Protocol</a:t>
-            </a:r>
-            <a:endParaRPr lang="en-US" dirty="0"/>
-          </a:p>
-          <a:p>
-            <a:endParaRPr lang="en-US" dirty="0"/>
-          </a:p>
-        </p:txBody>
-      </p:sp>
-    </p:spTree>
-    <p:extLst>
-      <p:ext uri="{BB962C8B-B14F-4D97-AF65-F5344CB8AC3E}">
-        <p14:creationId xmlns:p14="http://schemas.microsoft.com/office/powerpoint/2010/main" val="3786068767"/>
-      </p:ext>
-    </p:extLst>
-  </p:cSld>
-  <p:clrMapOvr>
-    <a:masterClrMapping/>
-  </p:clrMapOvr>
+  <p:transition spd="med">
+    <p:push dir="u"/>
+  </p:transition>
   <p:timing>
     <p:tnLst>
       <p:par>
@@ -9224,6 +10665,387 @@
           <a:p>
             <a:r>
               <a:rPr lang="en-US" dirty="0" smtClean="0"/>
+              <a:t>Testing Strategy</a:t>
+            </a:r>
+            <a:endParaRPr lang="en-US" dirty="0"/>
+          </a:p>
+        </p:txBody>
+      </p:sp>
+      <p:sp>
+        <p:nvSpPr>
+          <p:cNvPr id="3" name="Content Placeholder 2"/>
+          <p:cNvSpPr>
+            <a:spLocks noGrp="1"/>
+          </p:cNvSpPr>
+          <p:nvPr>
+            <p:ph idx="1"/>
+          </p:nvPr>
+        </p:nvSpPr>
+        <p:spPr/>
+        <p:txBody>
+          <a:bodyPr/>
+          <a:lstStyle/>
+          <a:p>
+            <a:r>
+              <a:rPr lang="en-US" dirty="0" smtClean="0"/>
+              <a:t>Level 1: Unit Testing</a:t>
+            </a:r>
+          </a:p>
+          <a:p>
+            <a:r>
+              <a:rPr lang="en-US" dirty="0" smtClean="0"/>
+              <a:t>Level 2: Integrated Testing</a:t>
+            </a:r>
+          </a:p>
+          <a:p>
+            <a:r>
+              <a:rPr lang="en-US" dirty="0" smtClean="0"/>
+              <a:t>Level 3: System Testing</a:t>
+            </a:r>
+          </a:p>
+        </p:txBody>
+      </p:sp>
+    </p:spTree>
+    <p:extLst>
+      <p:ext uri="{BB962C8B-B14F-4D97-AF65-F5344CB8AC3E}">
+        <p14:creationId xmlns:p14="http://schemas.microsoft.com/office/powerpoint/2010/main" val="3394177055"/>
+      </p:ext>
+    </p:extLst>
+  </p:cSld>
+  <p:clrMapOvr>
+    <a:masterClrMapping/>
+  </p:clrMapOvr>
+  <p:timing>
+    <p:tnLst>
+      <p:par>
+        <p:cTn id="1" dur="indefinite" restart="never" nodeType="tmRoot"/>
+      </p:par>
+    </p:tnLst>
+  </p:timing>
+</p:sld>
+</file>
+
+<file path=ppt/slides/slide15.xml><?xml version="1.0" encoding="utf-8"?>
+<p:sld xmlns:a="http://schemas.openxmlformats.org/drawingml/2006/main" xmlns:r="http://schemas.openxmlformats.org/officeDocument/2006/relationships" xmlns:p="http://schemas.openxmlformats.org/presentationml/2006/main">
+  <p:cSld>
+    <p:spTree>
+      <p:nvGrpSpPr>
+        <p:cNvPr id="1" name=""/>
+        <p:cNvGrpSpPr/>
+        <p:nvPr/>
+      </p:nvGrpSpPr>
+      <p:grpSpPr>
+        <a:xfrm>
+          <a:off x="0" y="0"/>
+          <a:ext cx="0" cy="0"/>
+          <a:chOff x="0" y="0"/>
+          <a:chExt cx="0" cy="0"/>
+        </a:xfrm>
+      </p:grpSpPr>
+      <p:sp>
+        <p:nvSpPr>
+          <p:cNvPr id="2" name="Title 1"/>
+          <p:cNvSpPr>
+            <a:spLocks noGrp="1"/>
+          </p:cNvSpPr>
+          <p:nvPr>
+            <p:ph type="title"/>
+          </p:nvPr>
+        </p:nvSpPr>
+        <p:spPr/>
+        <p:style>
+          <a:lnRef idx="2">
+            <a:schemeClr val="accent6">
+              <a:shade val="50000"/>
+            </a:schemeClr>
+          </a:lnRef>
+          <a:fillRef idx="1">
+            <a:schemeClr val="accent6"/>
+          </a:fillRef>
+          <a:effectRef idx="0">
+            <a:schemeClr val="accent6"/>
+          </a:effectRef>
+          <a:fontRef idx="minor">
+            <a:schemeClr val="lt1"/>
+          </a:fontRef>
+        </p:style>
+        <p:txBody>
+          <a:bodyPr/>
+          <a:lstStyle/>
+          <a:p>
+            <a:r>
+              <a:rPr lang="en-US" dirty="0" smtClean="0"/>
+              <a:t>Testing Strategy</a:t>
+            </a:r>
+            <a:endParaRPr lang="en-US" dirty="0"/>
+          </a:p>
+        </p:txBody>
+      </p:sp>
+      <p:pic>
+        <p:nvPicPr>
+          <p:cNvPr id="9218" name="Picture 2" descr="C:\Users\Engineer\Downloads\FullSizeRender.jpg"/>
+          <p:cNvPicPr>
+            <a:picLocks noGrp="1" noChangeAspect="1" noChangeArrowheads="1"/>
+          </p:cNvPicPr>
+          <p:nvPr>
+            <p:ph idx="1"/>
+          </p:nvPr>
+        </p:nvPicPr>
+        <p:blipFill>
+          <a:blip r:embed="rId3" cstate="print">
+            <a:extLst>
+              <a:ext uri="{28A0092B-C50C-407E-A947-70E740481C1C}">
+                <a14:useLocalDpi xmlns:a14="http://schemas.microsoft.com/office/drawing/2010/main" val="0"/>
+              </a:ext>
+            </a:extLst>
+          </a:blip>
+          <a:srcRect/>
+          <a:stretch>
+            <a:fillRect/>
+          </a:stretch>
+        </p:blipFill>
+        <p:spPr bwMode="auto">
+          <a:xfrm>
+            <a:off x="2874962" y="1200150"/>
+            <a:ext cx="3394075" cy="3394075"/>
+          </a:xfrm>
+          <a:prstGeom prst="rect">
+            <a:avLst/>
+          </a:prstGeom>
+          <a:noFill/>
+          <a:extLst>
+            <a:ext uri="{909E8E84-426E-40DD-AFC4-6F175D3DCCD1}">
+              <a14:hiddenFill xmlns:a14="http://schemas.microsoft.com/office/drawing/2010/main">
+                <a:solidFill>
+                  <a:srgbClr val="FFFFFF"/>
+                </a:solidFill>
+              </a14:hiddenFill>
+            </a:ext>
+          </a:extLst>
+        </p:spPr>
+      </p:pic>
+    </p:spTree>
+    <p:extLst>
+      <p:ext uri="{BB962C8B-B14F-4D97-AF65-F5344CB8AC3E}">
+        <p14:creationId xmlns:p14="http://schemas.microsoft.com/office/powerpoint/2010/main" val="1168217826"/>
+      </p:ext>
+    </p:extLst>
+  </p:cSld>
+  <p:clrMapOvr>
+    <a:masterClrMapping/>
+  </p:clrMapOvr>
+  <p:timing>
+    <p:tnLst>
+      <p:par>
+        <p:cTn id="1" dur="indefinite" restart="never" nodeType="tmRoot"/>
+      </p:par>
+    </p:tnLst>
+  </p:timing>
+</p:sld>
+</file>
+
+<file path=ppt/slides/slide16.xml><?xml version="1.0" encoding="utf-8"?>
+<p:sld xmlns:a="http://schemas.openxmlformats.org/drawingml/2006/main" xmlns:r="http://schemas.openxmlformats.org/officeDocument/2006/relationships" xmlns:p="http://schemas.openxmlformats.org/presentationml/2006/main">
+  <p:cSld>
+    <p:spTree>
+      <p:nvGrpSpPr>
+        <p:cNvPr id="1" name=""/>
+        <p:cNvGrpSpPr/>
+        <p:nvPr/>
+      </p:nvGrpSpPr>
+      <p:grpSpPr>
+        <a:xfrm>
+          <a:off x="0" y="0"/>
+          <a:ext cx="0" cy="0"/>
+          <a:chOff x="0" y="0"/>
+          <a:chExt cx="0" cy="0"/>
+        </a:xfrm>
+      </p:grpSpPr>
+      <p:sp>
+        <p:nvSpPr>
+          <p:cNvPr id="2" name="Title 1"/>
+          <p:cNvSpPr>
+            <a:spLocks noGrp="1"/>
+          </p:cNvSpPr>
+          <p:nvPr>
+            <p:ph type="title"/>
+          </p:nvPr>
+        </p:nvSpPr>
+        <p:spPr/>
+        <p:style>
+          <a:lnRef idx="2">
+            <a:schemeClr val="accent6">
+              <a:shade val="50000"/>
+            </a:schemeClr>
+          </a:lnRef>
+          <a:fillRef idx="1">
+            <a:schemeClr val="accent6"/>
+          </a:fillRef>
+          <a:effectRef idx="0">
+            <a:schemeClr val="accent6"/>
+          </a:effectRef>
+          <a:fontRef idx="minor">
+            <a:schemeClr val="lt1"/>
+          </a:fontRef>
+        </p:style>
+        <p:txBody>
+          <a:bodyPr/>
+          <a:lstStyle/>
+          <a:p>
+            <a:r>
+              <a:rPr lang="en-US" dirty="0" smtClean="0"/>
+              <a:t>IP and Prior Work</a:t>
+            </a:r>
+            <a:endParaRPr lang="en-US" dirty="0"/>
+          </a:p>
+        </p:txBody>
+      </p:sp>
+      <p:sp>
+        <p:nvSpPr>
+          <p:cNvPr id="3" name="Content Placeholder 2"/>
+          <p:cNvSpPr>
+            <a:spLocks noGrp="1"/>
+          </p:cNvSpPr>
+          <p:nvPr>
+            <p:ph idx="1"/>
+          </p:nvPr>
+        </p:nvSpPr>
+        <p:spPr/>
+        <p:txBody>
+          <a:bodyPr/>
+          <a:lstStyle/>
+          <a:p>
+            <a:r>
+              <a:rPr lang="en-US" dirty="0" smtClean="0"/>
+              <a:t>Python Modules</a:t>
+            </a:r>
+          </a:p>
+          <a:p>
+            <a:pPr lvl="1"/>
+            <a:r>
+              <a:rPr lang="en-US" dirty="0" err="1" smtClean="0"/>
+              <a:t>PySerial</a:t>
+            </a:r>
+            <a:r>
+              <a:rPr lang="en-US" dirty="0" smtClean="0"/>
+              <a:t>, Time, CSV, </a:t>
+            </a:r>
+            <a:r>
+              <a:rPr lang="en-US" dirty="0" err="1" smtClean="0"/>
+              <a:t>TkInter</a:t>
+            </a:r>
+            <a:endParaRPr lang="en-US" dirty="0" smtClean="0"/>
+          </a:p>
+          <a:p>
+            <a:r>
+              <a:rPr lang="en-US" dirty="0" smtClean="0"/>
+              <a:t>MSPExp430F6137Rx User Experience</a:t>
+            </a:r>
+          </a:p>
+          <a:p>
+            <a:r>
+              <a:rPr lang="en-US" dirty="0" smtClean="0"/>
+              <a:t>MSPExp430F5137Rx </a:t>
+            </a:r>
+            <a:r>
+              <a:rPr lang="en-US" dirty="0"/>
+              <a:t>User </a:t>
+            </a:r>
+            <a:r>
+              <a:rPr lang="en-US" dirty="0" smtClean="0"/>
+              <a:t>Experience</a:t>
+            </a:r>
+          </a:p>
+          <a:p>
+            <a:r>
+              <a:rPr lang="en-US" dirty="0" smtClean="0"/>
+              <a:t>Texas Instruments </a:t>
+            </a:r>
+            <a:r>
+              <a:rPr lang="en-US" dirty="0" err="1" smtClean="0"/>
+              <a:t>SimpliciTI</a:t>
+            </a:r>
+            <a:r>
+              <a:rPr lang="en-US" dirty="0" smtClean="0"/>
+              <a:t> Protocol</a:t>
+            </a:r>
+            <a:endParaRPr lang="en-US" dirty="0"/>
+          </a:p>
+          <a:p>
+            <a:endParaRPr lang="en-US" dirty="0"/>
+          </a:p>
+        </p:txBody>
+      </p:sp>
+    </p:spTree>
+    <p:extLst>
+      <p:ext uri="{BB962C8B-B14F-4D97-AF65-F5344CB8AC3E}">
+        <p14:creationId xmlns:p14="http://schemas.microsoft.com/office/powerpoint/2010/main" val="3786068767"/>
+      </p:ext>
+    </p:extLst>
+  </p:cSld>
+  <p:clrMapOvr>
+    <a:masterClrMapping/>
+  </p:clrMapOvr>
+  <p:timing>
+    <p:tnLst>
+      <p:par>
+        <p:cTn id="1" dur="indefinite" restart="never" nodeType="tmRoot"/>
+      </p:par>
+    </p:tnLst>
+  </p:timing>
+</p:sld>
+</file>
+
+<file path=ppt/slides/slide17.xml><?xml version="1.0" encoding="utf-8"?>
+<p:sld xmlns:a="http://schemas.openxmlformats.org/drawingml/2006/main" xmlns:r="http://schemas.openxmlformats.org/officeDocument/2006/relationships" xmlns:p="http://schemas.openxmlformats.org/presentationml/2006/main">
+  <p:cSld>
+    <p:spTree>
+      <p:nvGrpSpPr>
+        <p:cNvPr id="1" name=""/>
+        <p:cNvGrpSpPr/>
+        <p:nvPr/>
+      </p:nvGrpSpPr>
+      <p:grpSpPr>
+        <a:xfrm>
+          <a:off x="0" y="0"/>
+          <a:ext cx="0" cy="0"/>
+          <a:chOff x="0" y="0"/>
+          <a:chExt cx="0" cy="0"/>
+        </a:xfrm>
+      </p:grpSpPr>
+      <p:sp>
+        <p:nvSpPr>
+          <p:cNvPr id="2" name="Title 1"/>
+          <p:cNvSpPr>
+            <a:spLocks noGrp="1"/>
+          </p:cNvSpPr>
+          <p:nvPr>
+            <p:ph type="title"/>
+          </p:nvPr>
+        </p:nvSpPr>
+        <p:spPr/>
+        <p:style>
+          <a:lnRef idx="2">
+            <a:schemeClr val="accent6">
+              <a:shade val="50000"/>
+            </a:schemeClr>
+          </a:lnRef>
+          <a:fillRef idx="1">
+            <a:schemeClr val="accent6"/>
+          </a:fillRef>
+          <a:effectRef idx="0">
+            <a:schemeClr val="accent6"/>
+          </a:effectRef>
+          <a:fontRef idx="minor">
+            <a:schemeClr val="lt1"/>
+          </a:fontRef>
+        </p:style>
+        <p:txBody>
+          <a:bodyPr/>
+          <a:lstStyle/>
+          <a:p>
+            <a:r>
+              <a:rPr lang="en-US" dirty="0" smtClean="0"/>
               <a:t>Contributions</a:t>
             </a:r>
             <a:endParaRPr lang="en-US" dirty="0"/>
@@ -9240,7 +11062,7 @@
             <p:ph idx="1"/>
             <p:extLst>
               <p:ext uri="{D42A27DB-BD31-4B8C-83A1-F6EECF244321}">
-                <p14:modId xmlns:p14="http://schemas.microsoft.com/office/powerpoint/2010/main" val="1548809535"/>
+                <p14:modId xmlns:p14="http://schemas.microsoft.com/office/powerpoint/2010/main" val="2461642236"/>
               </p:ext>
             </p:extLst>
           </p:nvPr>
@@ -9321,6 +11143,16 @@
                       <a:r>
                         <a:rPr lang="en-US" baseline="0" dirty="0" smtClean="0"/>
                         <a:t>Bill of Materials</a:t>
+                      </a:r>
+                    </a:p>
+                    <a:p>
+                      <a:pPr marL="285750" indent="-285750">
+                        <a:buFont typeface="Arial" panose="020B0604020202020204" pitchFamily="34" charset="0"/>
+                        <a:buChar char="•"/>
+                      </a:pPr>
+                      <a:r>
+                        <a:rPr lang="en-US" baseline="0" dirty="0" smtClean="0"/>
+                        <a:t>Documentation Review</a:t>
                       </a:r>
                     </a:p>
                     <a:p>
@@ -9579,7 +11411,7 @@
 </p:sld>
 </file>
 
-<file path=ppt/slides/slide15.xml><?xml version="1.0" encoding="utf-8"?>
+<file path=ppt/slides/slide18.xml><?xml version="1.0" encoding="utf-8"?>
 <p:sld xmlns:a="http://schemas.openxmlformats.org/drawingml/2006/main" xmlns:r="http://schemas.openxmlformats.org/officeDocument/2006/relationships" xmlns:p="http://schemas.openxmlformats.org/presentationml/2006/main">
   <p:cSld>
     <p:spTree>
@@ -9611,27 +11443,61 @@
           <a:bodyPr/>
           <a:lstStyle/>
           <a:p>
+            <a:r>
+              <a:rPr lang="en-US" dirty="0" smtClean="0"/>
+              <a:t>Demonstration</a:t>
+            </a:r>
             <a:endParaRPr lang="en-US" dirty="0"/>
           </a:p>
         </p:txBody>
       </p:sp>
-      <p:pic>
-        <p:nvPicPr>
-          <p:cNvPr id="4" name="Content Placeholder 3"/>
-          <p:cNvPicPr>
-            <a:picLocks noGrp="1" noChangeAspect="1"/>
-          </p:cNvPicPr>
+      <p:sp>
+        <p:nvSpPr>
+          <p:cNvPr id="3" name="Content Placeholder 2"/>
+          <p:cNvSpPr>
+            <a:spLocks noGrp="1"/>
+          </p:cNvSpPr>
           <p:nvPr>
             <p:ph idx="1"/>
           </p:nvPr>
+        </p:nvSpPr>
+        <p:spPr>
+          <a:xfrm>
+            <a:off x="381000" y="1328308"/>
+            <a:ext cx="3657600" cy="3505199"/>
+          </a:xfrm>
+        </p:spPr>
+        <p:txBody>
+          <a:bodyPr/>
+          <a:lstStyle/>
+          <a:p>
+            <a:r>
+              <a:rPr lang="en-US" dirty="0" smtClean="0"/>
+              <a:t>Q1: “</a:t>
+            </a:r>
+            <a:r>
+              <a:rPr lang="en-US" i="1" dirty="0" smtClean="0"/>
+              <a:t>wow, such cheap, much click, very engineer, so antenna, wow!”</a:t>
+            </a:r>
+          </a:p>
+          <a:p>
+            <a:r>
+              <a:rPr lang="en-US" dirty="0" smtClean="0"/>
+              <a:t>Press: A, B, C, or D </a:t>
+            </a:r>
+            <a:endParaRPr lang="en-US" dirty="0"/>
+          </a:p>
+        </p:txBody>
+      </p:sp>
+      <p:pic>
+        <p:nvPicPr>
+          <p:cNvPr id="5" name="Shape 66"/>
+          <p:cNvPicPr preferRelativeResize="0"/>
+          <p:nvPr/>
         </p:nvPicPr>
         <p:blipFill>
           <a:blip r:embed="rId2">
-            <a:extLst>
-              <a:ext uri="{28A0092B-C50C-407E-A947-70E740481C1C}">
-                <a14:useLocalDpi xmlns:a14="http://schemas.microsoft.com/office/drawing/2010/main" val="0"/>
-              </a:ext>
-            </a:extLst>
+            <a:alphaModFix/>
           </a:blip>
           <a:stretch>
             <a:fillRect/>
@@ -9639,102 +11505,18 @@
         </p:blipFill>
         <p:spPr>
           <a:xfrm>
-            <a:off x="1575969" y="1743510"/>
-            <a:ext cx="5992062" cy="2307754"/>
+            <a:off x="4196379" y="1314701"/>
+            <a:ext cx="4925850" cy="3828799"/>
           </a:xfrm>
+          <a:prstGeom prst="rect">
+            <a:avLst/>
+          </a:prstGeom>
+          <a:noFill/>
+          <a:ln>
+            <a:noFill/>
+          </a:ln>
         </p:spPr>
       </p:pic>
-    </p:spTree>
-    <p:extLst>
-      <p:ext uri="{BB962C8B-B14F-4D97-AF65-F5344CB8AC3E}">
-        <p14:creationId xmlns:p14="http://schemas.microsoft.com/office/powerpoint/2010/main" val="3658947294"/>
-      </p:ext>
-    </p:extLst>
-  </p:cSld>
-  <p:clrMapOvr>
-    <a:masterClrMapping/>
-  </p:clrMapOvr>
-  <p:timing>
-    <p:tnLst>
-      <p:par>
-        <p:cTn id="1" dur="indefinite" restart="never" nodeType="tmRoot"/>
-      </p:par>
-    </p:tnLst>
-  </p:timing>
-</p:sld>
-</file>
-
-<file path=ppt/slides/slide16.xml><?xml version="1.0" encoding="utf-8"?>
-<p:sld xmlns:a="http://schemas.openxmlformats.org/drawingml/2006/main" xmlns:r="http://schemas.openxmlformats.org/officeDocument/2006/relationships" xmlns:p="http://schemas.openxmlformats.org/presentationml/2006/main">
-  <p:cSld>
-    <p:spTree>
-      <p:nvGrpSpPr>
-        <p:cNvPr id="1" name=""/>
-        <p:cNvGrpSpPr/>
-        <p:nvPr/>
-      </p:nvGrpSpPr>
-      <p:grpSpPr>
-        <a:xfrm>
-          <a:off x="0" y="0"/>
-          <a:ext cx="0" cy="0"/>
-          <a:chOff x="0" y="0"/>
-          <a:chExt cx="0" cy="0"/>
-        </a:xfrm>
-      </p:grpSpPr>
-      <p:sp>
-        <p:nvSpPr>
-          <p:cNvPr id="2" name="Title 1"/>
-          <p:cNvSpPr>
-            <a:spLocks noGrp="1"/>
-          </p:cNvSpPr>
-          <p:nvPr>
-            <p:ph type="title"/>
-          </p:nvPr>
-        </p:nvSpPr>
-        <p:spPr/>
-        <p:txBody>
-          <a:bodyPr/>
-          <a:lstStyle/>
-          <a:p>
-            <a:r>
-              <a:rPr lang="en-US" dirty="0" smtClean="0"/>
-              <a:t>Demonstration</a:t>
-            </a:r>
-            <a:endParaRPr lang="en-US" dirty="0"/>
-          </a:p>
-        </p:txBody>
-      </p:sp>
-      <p:sp>
-        <p:nvSpPr>
-          <p:cNvPr id="3" name="Content Placeholder 2"/>
-          <p:cNvSpPr>
-            <a:spLocks noGrp="1"/>
-          </p:cNvSpPr>
-          <p:nvPr>
-            <p:ph idx="1"/>
-          </p:nvPr>
-        </p:nvSpPr>
-        <p:spPr/>
-        <p:txBody>
-          <a:bodyPr/>
-          <a:lstStyle/>
-          <a:p>
-            <a:r>
-              <a:rPr lang="en-US" dirty="0" smtClean="0"/>
-              <a:t>Q1: How would you grade this presentation on a scale of A-D?  (A = </a:t>
-            </a:r>
-            <a:r>
-              <a:rPr lang="en-US" dirty="0" err="1" smtClean="0"/>
-              <a:t>Asstastic</a:t>
-            </a:r>
-            <a:r>
-              <a:rPr lang="en-US" dirty="0" smtClean="0"/>
-              <a:t>)</a:t>
-            </a:r>
-            <a:endParaRPr lang="en-US" dirty="0"/>
-          </a:p>
-        </p:txBody>
-      </p:sp>
     </p:spTree>
     <p:extLst>
       <p:ext uri="{BB962C8B-B14F-4D97-AF65-F5344CB8AC3E}">
@@ -10773,9 +12555,8 @@
             </a:r>
           </a:p>
           <a:p>
-            <a:pPr lvl="1">
-              <a:buFont typeface="Arial" panose="020B0604020202020204" pitchFamily="34" charset="0"/>
-              <a:buChar char="•"/>
+            <a:pPr marL="457200" lvl="1" indent="0">
+              <a:buNone/>
             </a:pPr>
             <a:endParaRPr lang="en-US" cap="small" dirty="0"/>
           </a:p>
@@ -11070,6 +12851,92 @@
           </a:p>
         </p:txBody>
       </p:sp>
+      <p:sp>
+        <p:nvSpPr>
+          <p:cNvPr id="16" name="TextBox 15"/>
+          <p:cNvSpPr txBox="1"/>
+          <p:nvPr/>
+        </p:nvSpPr>
+        <p:spPr>
+          <a:xfrm>
+            <a:off x="230744" y="1962150"/>
+            <a:ext cx="2207656" cy="369332"/>
+          </a:xfrm>
+          <a:prstGeom prst="rect">
+            <a:avLst/>
+          </a:prstGeom>
+          <a:noFill/>
+        </p:spPr>
+        <p:txBody>
+          <a:bodyPr wrap="none" rtlCol="0">
+            <a:spAutoFit/>
+          </a:bodyPr>
+          <a:lstStyle/>
+          <a:p>
+            <a:r>
+              <a:rPr lang="en-US" cap="small" dirty="0" err="1" smtClean="0">
+                <a:latin typeface="+mj-lt"/>
+              </a:rPr>
+              <a:t>ResponseCard</a:t>
+            </a:r>
+            <a:r>
+              <a:rPr lang="en-US" cap="small" dirty="0" smtClean="0">
+                <a:latin typeface="+mj-lt"/>
+              </a:rPr>
+              <a:t> NXT</a:t>
+            </a:r>
+            <a:endParaRPr lang="en-US" cap="small" dirty="0">
+              <a:latin typeface="+mj-lt"/>
+            </a:endParaRPr>
+          </a:p>
+        </p:txBody>
+      </p:sp>
+      <p:sp>
+        <p:nvSpPr>
+          <p:cNvPr id="20" name="TextBox 19"/>
+          <p:cNvSpPr txBox="1"/>
+          <p:nvPr/>
+        </p:nvSpPr>
+        <p:spPr>
+          <a:xfrm>
+            <a:off x="2781525" y="1962150"/>
+            <a:ext cx="1241045" cy="369332"/>
+          </a:xfrm>
+          <a:prstGeom prst="rect">
+            <a:avLst/>
+          </a:prstGeom>
+          <a:noFill/>
+        </p:spPr>
+        <p:txBody>
+          <a:bodyPr wrap="none" rtlCol="0">
+            <a:spAutoFit/>
+          </a:bodyPr>
+          <a:lstStyle/>
+          <a:p>
+            <a:r>
+              <a:rPr lang="en-US" cap="small" dirty="0" err="1">
+                <a:latin typeface="+mj-lt"/>
+              </a:rPr>
+              <a:t>i</a:t>
+            </a:r>
+            <a:r>
+              <a:rPr lang="en-US" cap="small" dirty="0" err="1" smtClean="0">
+                <a:latin typeface="+mj-lt"/>
+              </a:rPr>
+              <a:t>clicker</a:t>
+            </a:r>
+            <a:r>
+              <a:rPr lang="en-US" cap="small" dirty="0" smtClean="0">
+                <a:latin typeface="+mj-lt"/>
+              </a:rPr>
+              <a:t> +</a:t>
+            </a:r>
+            <a:endParaRPr lang="en-US" cap="small" dirty="0">
+              <a:latin typeface="+mj-lt"/>
+            </a:endParaRPr>
+          </a:p>
+        </p:txBody>
+      </p:sp>
     </p:spTree>
     <p:extLst>
       <p:ext uri="{BB962C8B-B14F-4D97-AF65-F5344CB8AC3E}">
@@ -11208,6 +13075,33 @@
                                   </p:childTnLst>
                                 </p:cTn>
                               </p:par>
+                              <p:par>
+                                <p:cTn id="11" presetID="1" presetClass="entr" presetSubtype="0" fill="hold" grpId="0" nodeType="withEffect">
+                                  <p:stCondLst>
+                                    <p:cond delay="0"/>
+                                  </p:stCondLst>
+                                  <p:childTnLst>
+                                    <p:set>
+                                      <p:cBhvr>
+                                        <p:cTn id="12" dur="1" fill="hold">
+                                          <p:stCondLst>
+                                            <p:cond delay="0"/>
+                                          </p:stCondLst>
+                                        </p:cTn>
+                                        <p:tgtEl>
+                                          <p:spTgt spid="16"/>
+                                        </p:tgtEl>
+                                        <p:attrNameLst>
+                                          <p:attrName>style.visibility</p:attrName>
+                                        </p:attrNameLst>
+                                      </p:cBhvr>
+                                      <p:to>
+                                        <p:strVal val="visible"/>
+                                      </p:to>
+                                    </p:set>
+                                  </p:childTnLst>
+                                </p:cTn>
+                              </p:par>
                             </p:childTnLst>
                           </p:cTn>
                         </p:par>
@@ -11215,26 +13109,26 @@
                     </p:cTn>
                   </p:par>
                   <p:par>
-                    <p:cTn id="11" fill="hold">
+                    <p:cTn id="13" fill="hold">
                       <p:stCondLst>
                         <p:cond delay="indefinite"/>
                       </p:stCondLst>
                       <p:childTnLst>
                         <p:par>
-                          <p:cTn id="12" fill="hold">
+                          <p:cTn id="14" fill="hold">
                             <p:stCondLst>
                               <p:cond delay="0"/>
                             </p:stCondLst>
                             <p:childTnLst>
                               <p:par>
-                                <p:cTn id="13" presetID="1" presetClass="entr" presetSubtype="0" fill="hold" nodeType="clickEffect">
+                                <p:cTn id="15" presetID="1" presetClass="entr" presetSubtype="0" fill="hold" nodeType="clickEffect">
                                   <p:stCondLst>
                                     <p:cond delay="0"/>
                                   </p:stCondLst>
                                   <p:childTnLst>
                                     <p:set>
                                       <p:cBhvr>
-                                        <p:cTn id="14" dur="1" fill="hold">
+                                        <p:cTn id="16" dur="1" fill="hold">
                                           <p:stCondLst>
                                             <p:cond delay="0"/>
                                           </p:stCondLst>
@@ -11254,14 +13148,14 @@
                                 </p:cTn>
                               </p:par>
                               <p:par>
-                                <p:cTn id="15" presetID="2" presetClass="entr" presetSubtype="4" fill="hold" grpId="0" nodeType="withEffect">
+                                <p:cTn id="17" presetID="2" presetClass="entr" presetSubtype="4" fill="hold" grpId="0" nodeType="withEffect">
                                   <p:stCondLst>
                                     <p:cond delay="0"/>
                                   </p:stCondLst>
                                   <p:childTnLst>
                                     <p:set>
                                       <p:cBhvr>
-                                        <p:cTn id="16" dur="1" fill="hold">
+                                        <p:cTn id="18" dur="1" fill="hold">
                                           <p:stCondLst>
                                             <p:cond delay="0"/>
                                           </p:stCondLst>
@@ -11279,7 +13173,7 @@
                                     </p:set>
                                     <p:anim calcmode="lin" valueType="num">
                                       <p:cBhvr additive="base">
-                                        <p:cTn id="17" dur="500" fill="hold"/>
+                                        <p:cTn id="19" dur="500" fill="hold"/>
                                         <p:tgtEl>
                                           <p:spTgt spid="17"/>
                                         </p:tgtEl>
@@ -11302,7 +13196,7 @@
                                     </p:anim>
                                     <p:anim calcmode="lin" valueType="num">
                                       <p:cBhvr additive="base">
-                                        <p:cTn id="18" dur="500" fill="hold"/>
+                                        <p:cTn id="20" dur="500" fill="hold"/>
                                         <p:tgtEl>
                                           <p:spTgt spid="17"/>
                                         </p:tgtEl>
@@ -11326,6 +13220,33 @@
                                   </p:childTnLst>
                                 </p:cTn>
                               </p:par>
+                              <p:par>
+                                <p:cTn id="21" presetID="1" presetClass="entr" presetSubtype="0" fill="hold" grpId="0" nodeType="withEffect">
+                                  <p:stCondLst>
+                                    <p:cond delay="0"/>
+                                  </p:stCondLst>
+                                  <p:childTnLst>
+                                    <p:set>
+                                      <p:cBhvr>
+                                        <p:cTn id="22" dur="1" fill="hold">
+                                          <p:stCondLst>
+                                            <p:cond delay="0"/>
+                                          </p:stCondLst>
+                                        </p:cTn>
+                                        <p:tgtEl>
+                                          <p:spTgt spid="20"/>
+                                        </p:tgtEl>
+                                        <p:attrNameLst>
+                                          <p:attrName>style.visibility</p:attrName>
+                                        </p:attrNameLst>
+                                      </p:cBhvr>
+                                      <p:to>
+                                        <p:strVal val="visible"/>
+                                      </p:to>
+                                    </p:set>
+                                  </p:childTnLst>
+                                </p:cTn>
+                              </p:par>
                             </p:childTnLst>
                           </p:cTn>
                         </p:par>
@@ -11333,26 +13254,26 @@
                     </p:cTn>
                   </p:par>
                   <p:par>
-                    <p:cTn id="19" fill="hold">
+                    <p:cTn id="23" fill="hold">
                       <p:stCondLst>
                         <p:cond delay="indefinite"/>
                       </p:stCondLst>
                       <p:childTnLst>
                         <p:par>
-                          <p:cTn id="20" fill="hold">
+                          <p:cTn id="24" fill="hold">
                             <p:stCondLst>
                               <p:cond delay="0"/>
                             </p:stCondLst>
                             <p:childTnLst>
                               <p:par>
-                                <p:cTn id="21" presetID="1" presetClass="entr" presetSubtype="0" fill="hold" nodeType="clickEffect">
+                                <p:cTn id="25" presetID="1" presetClass="entr" presetSubtype="0" fill="hold" nodeType="clickEffect">
                                   <p:stCondLst>
                                     <p:cond delay="0"/>
                                   </p:stCondLst>
                                   <p:childTnLst>
                                     <p:set>
                                       <p:cBhvr>
-                                        <p:cTn id="22" dur="1" fill="hold">
+                                        <p:cTn id="26" dur="1" fill="hold">
                                           <p:stCondLst>
                                             <p:cond delay="0"/>
                                           </p:stCondLst>
@@ -11372,14 +13293,14 @@
                                 </p:cTn>
                               </p:par>
                               <p:par>
-                                <p:cTn id="23" presetID="2" presetClass="entr" presetSubtype="4" fill="hold" grpId="0" nodeType="withEffect">
+                                <p:cTn id="27" presetID="2" presetClass="entr" presetSubtype="4" fill="hold" grpId="0" nodeType="withEffect">
                                   <p:stCondLst>
                                     <p:cond delay="0"/>
                                   </p:stCondLst>
                                   <p:childTnLst>
                                     <p:set>
                                       <p:cBhvr>
-                                        <p:cTn id="24" dur="1" fill="hold">
+                                        <p:cTn id="28" dur="1" fill="hold">
                                           <p:stCondLst>
                                             <p:cond delay="0"/>
                                           </p:stCondLst>
@@ -11397,7 +13318,7 @@
                                     </p:set>
                                     <p:anim calcmode="lin" valueType="num">
                                       <p:cBhvr additive="base">
-                                        <p:cTn id="25" dur="500" fill="hold"/>
+                                        <p:cTn id="29" dur="500" fill="hold"/>
                                         <p:tgtEl>
                                           <p:spTgt spid="18"/>
                                         </p:tgtEl>
@@ -11420,7 +13341,7 @@
                                     </p:anim>
                                     <p:anim calcmode="lin" valueType="num">
                                       <p:cBhvr additive="base">
-                                        <p:cTn id="26" dur="500" fill="hold"/>
+                                        <p:cTn id="30" dur="500" fill="hold"/>
                                         <p:tgtEl>
                                           <p:spTgt spid="18"/>
                                         </p:tgtEl>
@@ -11475,6 +13396,8 @@
       <p:bldP spid="15" grpId="0"/>
       <p:bldP spid="17" grpId="0"/>
       <p:bldP spid="18" grpId="0"/>
+      <p:bldP spid="16" grpId="0"/>
+      <p:bldP spid="20" grpId="0"/>
     </p:bldLst>
   </p:timing>
 </p:sld>
@@ -12140,29 +14063,27 @@
         <p:spPr/>
         <p:style>
           <a:lnRef idx="2">
-            <a:schemeClr val="accent3">
+            <a:schemeClr val="accent4">
               <a:shade val="50000"/>
             </a:schemeClr>
           </a:lnRef>
           <a:fillRef idx="1">
-            <a:schemeClr val="accent3"/>
+            <a:schemeClr val="accent4"/>
           </a:fillRef>
           <a:effectRef idx="0">
-            <a:schemeClr val="accent3"/>
+            <a:schemeClr val="accent4"/>
           </a:effectRef>
           <a:fontRef idx="minor">
             <a:schemeClr val="lt1"/>
           </a:fontRef>
         </p:style>
         <p:txBody>
-          <a:bodyPr>
-            <a:normAutofit/>
-          </a:bodyPr>
+          <a:bodyPr/>
           <a:lstStyle/>
           <a:p>
             <a:r>
               <a:rPr lang="en-US" dirty="0" smtClean="0"/>
-              <a:t>Feature List</a:t>
+              <a:t>Implementation</a:t>
             </a:r>
             <a:endParaRPr lang="en-US" dirty="0"/>
           </a:p>
@@ -12170,37 +14091,7 @@
       </p:sp>
       <p:sp>
         <p:nvSpPr>
-          <p:cNvPr id="5" name="TextBox 4"/>
-          <p:cNvSpPr txBox="1"/>
-          <p:nvPr/>
-        </p:nvSpPr>
-        <p:spPr>
-          <a:xfrm>
-            <a:off x="2286000" y="4457700"/>
-            <a:ext cx="242374" cy="369332"/>
-          </a:xfrm>
-          <a:prstGeom prst="rect">
-            <a:avLst/>
-          </a:prstGeom>
-          <a:noFill/>
-        </p:spPr>
-        <p:txBody>
-          <a:bodyPr wrap="none" rtlCol="0">
-            <a:spAutoFit/>
-          </a:bodyPr>
-          <a:lstStyle/>
-          <a:p>
-            <a:r>
-              <a:rPr lang="en-US" dirty="0" smtClean="0"/>
-              <a:t> </a:t>
-            </a:r>
-            <a:endParaRPr lang="en-US" dirty="0"/>
-          </a:p>
-        </p:txBody>
-      </p:sp>
-      <p:sp>
-        <p:nvSpPr>
-          <p:cNvPr id="3" name="Content Placeholder 2"/>
+          <p:cNvPr id="6" name="Content Placeholder 5"/>
           <p:cNvSpPr>
             <a:spLocks noGrp="1"/>
           </p:cNvSpPr>
@@ -12215,55 +14106,60 @@
           <a:p>
             <a:r>
               <a:rPr lang="en-US" cap="small" dirty="0" smtClean="0"/>
-              <a:t>Secondary</a:t>
+              <a:t>Satellite</a:t>
+            </a:r>
+          </a:p>
+          <a:p>
+            <a:r>
+              <a:rPr lang="en-US" cap="small" dirty="0" smtClean="0"/>
+              <a:t>Base Station</a:t>
+            </a:r>
+          </a:p>
+          <a:p>
+            <a:r>
+              <a:rPr lang="en-US" cap="small" dirty="0"/>
+              <a:t>Python </a:t>
+            </a:r>
+            <a:r>
+              <a:rPr lang="en-US" cap="small" dirty="0" smtClean="0"/>
+              <a:t>GUI</a:t>
             </a:r>
           </a:p>
           <a:p>
             <a:pPr lvl="1"/>
             <a:r>
-              <a:rPr lang="en-US" cap="small" dirty="0"/>
-              <a:t>Long Operational Lifetime</a:t>
-            </a:r>
-            <a:endParaRPr lang="en-US" cap="small" dirty="0" smtClean="0"/>
-          </a:p>
-          <a:p>
-            <a:pPr lvl="1"/>
-            <a:r>
               <a:rPr lang="en-US" cap="small" dirty="0" smtClean="0"/>
-              <a:t>2-Way Radio</a:t>
-            </a:r>
-          </a:p>
-          <a:p>
-            <a:pPr lvl="1"/>
-            <a:endParaRPr lang="en-US" cap="small" dirty="0" smtClean="0"/>
-          </a:p>
-          <a:p>
-            <a:pPr marL="457200" lvl="1" indent="0">
-              <a:buNone/>
-            </a:pPr>
-            <a:endParaRPr lang="en-US" cap="small" dirty="0" smtClean="0"/>
-          </a:p>
-          <a:p>
-            <a:pPr marL="457200" lvl="1" indent="0">
-              <a:buNone/>
-            </a:pPr>
-            <a:endParaRPr lang="en-US" cap="small" dirty="0" smtClean="0"/>
-          </a:p>
-          <a:p>
-            <a:endParaRPr lang="en-US" dirty="0"/>
+              <a:t>PC Platform</a:t>
+            </a:r>
+            <a:endParaRPr lang="en-US" cap="small" dirty="0"/>
+          </a:p>
+          <a:p>
+            <a:endParaRPr lang="en-US" cap="small" dirty="0"/>
           </a:p>
         </p:txBody>
       </p:sp>
     </p:spTree>
     <p:extLst>
       <p:ext uri="{BB962C8B-B14F-4D97-AF65-F5344CB8AC3E}">
-        <p14:creationId xmlns:p14="http://schemas.microsoft.com/office/powerpoint/2010/main" val="2602569734"/>
+        <p14:creationId xmlns:p14="http://schemas.microsoft.com/office/powerpoint/2010/main" val="3369555510"/>
       </p:ext>
     </p:extLst>
   </p:cSld>
   <p:clrMapOvr>
     <a:masterClrMapping/>
   </p:clrMapOvr>
+  <mc:AlternateContent xmlns:mc="http://schemas.openxmlformats.org/markup-compatibility/2006">
+    <mc:Choice xmlns:p14="http://schemas.microsoft.com/office/powerpoint/2010/main" Requires="p14">
+      <p:transition spd="slow" p14:dur="3400">
+        <p14:reveal/>
+      </p:transition>
+    </mc:Choice>
+    <mc:Fallback>
+      <p:transition spd="slow">
+        <p:fade/>
+      </p:transition>
+    </mc:Fallback>
+  </mc:AlternateContent>
   <p:timing>
     <p:tnLst>
       <p:par>
@@ -12330,56 +14226,80 @@
           </a:p>
         </p:txBody>
       </p:sp>
-      <p:pic>
-        <p:nvPicPr>
-          <p:cNvPr id="6" name="image09.png"/>
-          <p:cNvPicPr>
-            <a:picLocks noGrp="1"/>
-          </p:cNvPicPr>
+      <p:sp>
+        <p:nvSpPr>
+          <p:cNvPr id="6" name="Content Placeholder 5"/>
+          <p:cNvSpPr>
+            <a:spLocks noGrp="1"/>
+          </p:cNvSpPr>
           <p:nvPr>
             <p:ph idx="1"/>
           </p:nvPr>
-        </p:nvPicPr>
-        <p:blipFill>
-          <a:blip r:embed="rId3">
-            <a:extLst>
-              <a:ext uri="{BEBA8EAE-BF5A-486C-A8C5-ECC9F3942E4B}">
-                <a14:imgProps xmlns:a14="http://schemas.microsoft.com/office/drawing/2010/main">
-                  <a14:imgLayer r:embed="rId4">
-                    <a14:imgEffect>
-                      <a14:sharpenSoften amount="25000"/>
-                    </a14:imgEffect>
-                  </a14:imgLayer>
-                </a14:imgProps>
-              </a:ext>
-            </a:extLst>
-          </a:blip>
-          <a:srcRect/>
-          <a:stretch>
-            <a:fillRect/>
-          </a:stretch>
-        </p:blipFill>
-        <p:spPr>
-          <a:xfrm>
-            <a:off x="457200" y="1951046"/>
-            <a:ext cx="8229600" cy="1892283"/>
-          </a:xfrm>
-          <a:prstGeom prst="rect">
-            <a:avLst/>
-          </a:prstGeom>
-          <a:ln/>
-        </p:spPr>
-      </p:pic>
+        </p:nvSpPr>
+        <p:spPr/>
+        <p:txBody>
+          <a:bodyPr/>
+          <a:lstStyle/>
+          <a:p>
+            <a:r>
+              <a:rPr lang="en-US" b="1" cap="small" dirty="0" smtClean="0">
+                <a:solidFill>
+                  <a:srgbClr val="7030A0"/>
+                </a:solidFill>
+              </a:rPr>
+              <a:t>Satellite</a:t>
+            </a:r>
+          </a:p>
+          <a:p>
+            <a:r>
+              <a:rPr lang="en-US" cap="small" dirty="0" smtClean="0"/>
+              <a:t>Base Station</a:t>
+            </a:r>
+          </a:p>
+          <a:p>
+            <a:r>
+              <a:rPr lang="en-US" cap="small" dirty="0"/>
+              <a:t>Python </a:t>
+            </a:r>
+            <a:r>
+              <a:rPr lang="en-US" cap="small" dirty="0" smtClean="0"/>
+              <a:t>GUI</a:t>
+            </a:r>
+          </a:p>
+          <a:p>
+            <a:pPr lvl="1"/>
+            <a:r>
+              <a:rPr lang="en-US" cap="small" dirty="0" smtClean="0"/>
+              <a:t>PC-Platform</a:t>
+            </a:r>
+          </a:p>
+          <a:p>
+            <a:endParaRPr lang="en-US" cap="small" dirty="0"/>
+          </a:p>
+        </p:txBody>
+      </p:sp>
     </p:spTree>
     <p:extLst>
       <p:ext uri="{BB962C8B-B14F-4D97-AF65-F5344CB8AC3E}">
-        <p14:creationId xmlns:p14="http://schemas.microsoft.com/office/powerpoint/2010/main" val="1242418061"/>
+        <p14:creationId xmlns:p14="http://schemas.microsoft.com/office/powerpoint/2010/main" val="1010608136"/>
       </p:ext>
     </p:extLst>
   </p:cSld>
   <p:clrMapOvr>
     <a:masterClrMapping/>
   </p:clrMapOvr>
+  <mc:AlternateContent xmlns:mc="http://schemas.openxmlformats.org/markup-compatibility/2006">
+    <mc:Choice xmlns:p14="http://schemas.microsoft.com/office/powerpoint/2010/main" Requires="p14">
+      <p:transition spd="slow" p14:dur="900">
+        <p14:warp dir="in"/>
+      </p:transition>
+    </mc:Choice>
+    <mc:Fallback>
+      <p:transition spd="slow">
+        <p:fade/>
+      </p:transition>
+    </mc:Fallback>
+  </mc:AlternateContent>
   <p:timing>
     <p:tnLst>
       <p:par>
@@ -12446,47 +14366,51 @@
           </a:p>
         </p:txBody>
       </p:sp>
-      <p:sp>
-        <p:nvSpPr>
-          <p:cNvPr id="6" name="Content Placeholder 5"/>
-          <p:cNvSpPr>
-            <a:spLocks noGrp="1"/>
-          </p:cNvSpPr>
-          <p:nvPr>
-            <p:ph idx="1"/>
-          </p:nvPr>
-        </p:nvSpPr>
-        <p:spPr/>
-        <p:txBody>
-          <a:bodyPr/>
-          <a:lstStyle/>
-          <a:p>
-            <a:r>
-              <a:rPr lang="en-US" cap="small" dirty="0" smtClean="0"/>
-              <a:t>Satellite</a:t>
-            </a:r>
-          </a:p>
-          <a:p>
-            <a:r>
-              <a:rPr lang="en-US" cap="small" dirty="0" smtClean="0"/>
-              <a:t>Base Station</a:t>
-            </a:r>
-          </a:p>
-          <a:p>
-            <a:r>
-              <a:rPr lang="en-US" cap="small" dirty="0"/>
-              <a:t>Python GUI</a:t>
-            </a:r>
-          </a:p>
-          <a:p>
-            <a:endParaRPr lang="en-US" cap="small" dirty="0"/>
-          </a:p>
-        </p:txBody>
-      </p:sp>
+      <p:pic>
+        <p:nvPicPr>
+          <p:cNvPr id="4100" name="Picture 4" descr="C:\Users\Engineer\Desktop\ece_411_level_0.png"/>
+          <p:cNvPicPr>
+            <a:picLocks noChangeAspect="1" noChangeArrowheads="1"/>
+          </p:cNvPicPr>
+          <p:nvPr/>
+        </p:nvPicPr>
+        <p:blipFill>
+          <a:blip r:embed="rId3">
+            <a:extLst>
+              <a:ext uri="{28A0092B-C50C-407E-A947-70E740481C1C}">
+                <a14:useLocalDpi xmlns:a14="http://schemas.microsoft.com/office/drawing/2010/main" val="0"/>
+              </a:ext>
+            </a:extLst>
+          </a:blip>
+          <a:srcRect/>
+          <a:stretch>
+            <a:fillRect/>
+          </a:stretch>
+        </p:blipFill>
+        <p:spPr bwMode="auto">
+          <a:xfrm>
+            <a:off x="674370" y="2038350"/>
+            <a:ext cx="7848600" cy="1765550"/>
+          </a:xfrm>
+          <a:prstGeom prst="rect">
+            <a:avLst/>
+          </a:prstGeom>
+          <a:noFill/>
+          <a:extLst>
+            <a:ext uri="{909E8E84-426E-40DD-AFC4-6F175D3DCCD1}">
+              <a14:hiddenFill xmlns:a14="http://schemas.microsoft.com/office/drawing/2010/main">
+                <a:solidFill>
+                  <a:srgbClr val="FFFFFF"/>
+                </a:solidFill>
+              </a14:hiddenFill>
+            </a:ext>
+          </a:extLst>
+        </p:spPr>
+      </p:pic>
     </p:spTree>
     <p:extLst>
       <p:ext uri="{BB962C8B-B14F-4D97-AF65-F5344CB8AC3E}">
-        <p14:creationId xmlns:p14="http://schemas.microsoft.com/office/powerpoint/2010/main" val="3369555510"/>
+        <p14:creationId xmlns:p14="http://schemas.microsoft.com/office/powerpoint/2010/main" val="1242418061"/>
       </p:ext>
     </p:extLst>
   </p:cSld>
@@ -12520,66 +14444,68 @@
           <a:chExt cx="0" cy="0"/>
         </a:xfrm>
       </p:grpSpPr>
-      <p:pic>
-        <p:nvPicPr>
-          <p:cNvPr id="4" name="Content Placeholder 3"/>
-          <p:cNvPicPr>
-            <a:picLocks noGrp="1" noChangeAspect="1"/>
-          </p:cNvPicPr>
-          <p:nvPr>
-            <p:ph idx="1"/>
-          </p:nvPr>
-        </p:nvPicPr>
-        <p:blipFill>
-          <a:blip r:embed="rId2">
-            <a:extLst>
-              <a:ext uri="{BEBA8EAE-BF5A-486C-A8C5-ECC9F3942E4B}">
-                <a14:imgProps xmlns:a14="http://schemas.microsoft.com/office/drawing/2010/main">
-                  <a14:imgLayer r:embed="rId3">
-                    <a14:imgEffect>
-                      <a14:sharpenSoften amount="50000"/>
-                    </a14:imgEffect>
-                  </a14:imgLayer>
-                </a14:imgProps>
-              </a:ext>
-              <a:ext uri="{28A0092B-C50C-407E-A947-70E740481C1C}">
-                <a14:useLocalDpi xmlns:a14="http://schemas.microsoft.com/office/drawing/2010/main" val="0"/>
-              </a:ext>
-            </a:extLst>
-          </a:blip>
-          <a:stretch>
-            <a:fillRect/>
-          </a:stretch>
-        </p:blipFill>
+      <p:sp>
+        <p:nvSpPr>
+          <p:cNvPr id="8" name="Flowchart: Process 7"/>
+          <p:cNvSpPr>
+            <a:spLocks noChangeAspect="1"/>
+          </p:cNvSpPr>
+          <p:nvPr/>
+        </p:nvSpPr>
         <p:spPr>
           <a:xfrm>
-            <a:off x="972722" y="1177528"/>
-            <a:ext cx="7180678" cy="3680222"/>
+            <a:off x="5237551" y="1695450"/>
+            <a:ext cx="909249" cy="609197"/>
           </a:xfrm>
-          <a:prstGeom prst="rect">
+          <a:prstGeom prst="flowChartProcess">
             <a:avLst/>
           </a:prstGeom>
-          <a:noFill/>
-          <a:ln>
-            <a:noFill/>
-          </a:ln>
         </p:spPr>
-      </p:pic>
-      <p:sp>
-        <p:nvSpPr>
-          <p:cNvPr id="5" name="Title 1"/>
+        <p:style>
+          <a:lnRef idx="2">
+            <a:schemeClr val="accent1">
+              <a:shade val="50000"/>
+            </a:schemeClr>
+          </a:lnRef>
+          <a:fillRef idx="1">
+            <a:schemeClr val="accent1"/>
+          </a:fillRef>
+          <a:effectRef idx="0">
+            <a:schemeClr val="accent1"/>
+          </a:effectRef>
+          <a:fontRef idx="minor">
+            <a:schemeClr val="lt1"/>
+          </a:fontRef>
+        </p:style>
+        <p:txBody>
+          <a:bodyPr rtlCol="0" anchor="ctr"/>
+          <a:lstStyle/>
+          <a:p>
+            <a:pPr algn="ctr"/>
+            <a:r>
+              <a:rPr lang="en-US" sz="1200" cap="small" dirty="0" smtClean="0"/>
+              <a:t>Flash 4x LED</a:t>
+            </a:r>
+            <a:endParaRPr lang="en-US" sz="1200" cap="small" dirty="0"/>
+          </a:p>
+        </p:txBody>
+      </p:sp>
+      <p:sp>
+        <p:nvSpPr>
+          <p:cNvPr id="11" name="Flowchart: Process 10"/>
           <p:cNvSpPr>
-            <a:spLocks noGrp="1"/>
+            <a:spLocks noChangeAspect="1"/>
           </p:cNvSpPr>
-          <p:nvPr>
-            <p:ph type="title"/>
-          </p:nvPr>
+          <p:nvPr/>
         </p:nvSpPr>
         <p:spPr>
-          <a:xfrm>
-            <a:off x="457200" y="205979"/>
-            <a:ext cx="8229600" cy="857250"/>
+          <a:xfrm rot="2887473">
+            <a:off x="284296" y="3583005"/>
+            <a:ext cx="365518" cy="365518"/>
           </a:xfrm>
+          <a:prstGeom prst="flowChartProcess">
+            <a:avLst/>
+          </a:prstGeom>
         </p:spPr>
         <p:style>
           <a:lnRef idx="2">
@@ -12598,21 +14524,2158 @@
           </a:fontRef>
         </p:style>
         <p:txBody>
+          <a:bodyPr rtlCol="0" anchor="ctr"/>
+          <a:lstStyle/>
+          <a:p>
+            <a:pPr algn="ctr"/>
+            <a:endParaRPr lang="en-US" dirty="0"/>
+          </a:p>
+        </p:txBody>
+      </p:sp>
+      <p:sp>
+        <p:nvSpPr>
+          <p:cNvPr id="16" name="Flowchart: Process 15"/>
+          <p:cNvSpPr>
+            <a:spLocks noChangeAspect="1"/>
+          </p:cNvSpPr>
+          <p:nvPr/>
+        </p:nvSpPr>
+        <p:spPr>
+          <a:xfrm>
+            <a:off x="3559628" y="3468608"/>
+            <a:ext cx="909249" cy="609197"/>
+          </a:xfrm>
+          <a:prstGeom prst="flowChartProcess">
+            <a:avLst/>
+          </a:prstGeom>
+        </p:spPr>
+        <p:style>
+          <a:lnRef idx="2">
+            <a:schemeClr val="accent1">
+              <a:shade val="50000"/>
+            </a:schemeClr>
+          </a:lnRef>
+          <a:fillRef idx="1">
+            <a:schemeClr val="accent1"/>
+          </a:fillRef>
+          <a:effectRef idx="0">
+            <a:schemeClr val="accent1"/>
+          </a:effectRef>
+          <a:fontRef idx="minor">
+            <a:schemeClr val="lt1"/>
+          </a:fontRef>
+        </p:style>
+        <p:txBody>
+          <a:bodyPr rtlCol="0" anchor="ctr"/>
+          <a:lstStyle/>
+          <a:p>
+            <a:pPr algn="ctr"/>
+            <a:r>
+              <a:rPr lang="en-US" sz="1200" cap="small" dirty="0" smtClean="0"/>
+              <a:t>Sleep </a:t>
+            </a:r>
+            <a:r>
+              <a:rPr lang="en-US" sz="1200" cap="small" dirty="0"/>
+              <a:t>Till </a:t>
+            </a:r>
+            <a:r>
+              <a:rPr lang="en-US" sz="1200" cap="small" dirty="0" smtClean="0"/>
+              <a:t>Button Press</a:t>
+            </a:r>
+            <a:endParaRPr lang="en-US" sz="1200" cap="small" dirty="0"/>
+          </a:p>
+        </p:txBody>
+      </p:sp>
+      <p:sp>
+        <p:nvSpPr>
+          <p:cNvPr id="18" name="Flowchart: Process 17"/>
+          <p:cNvSpPr>
+            <a:spLocks noChangeAspect="1"/>
+          </p:cNvSpPr>
+          <p:nvPr/>
+        </p:nvSpPr>
+        <p:spPr>
+          <a:xfrm>
+            <a:off x="2519752" y="1695450"/>
+            <a:ext cx="833048" cy="609197"/>
+          </a:xfrm>
+          <a:prstGeom prst="flowChartProcess">
+            <a:avLst/>
+          </a:prstGeom>
+        </p:spPr>
+        <p:style>
+          <a:lnRef idx="2">
+            <a:schemeClr val="accent1">
+              <a:shade val="50000"/>
+            </a:schemeClr>
+          </a:lnRef>
+          <a:fillRef idx="1">
+            <a:schemeClr val="accent1"/>
+          </a:fillRef>
+          <a:effectRef idx="0">
+            <a:schemeClr val="accent1"/>
+          </a:effectRef>
+          <a:fontRef idx="minor">
+            <a:schemeClr val="lt1"/>
+          </a:fontRef>
+        </p:style>
+        <p:txBody>
+          <a:bodyPr rtlCol="0" anchor="ctr"/>
+          <a:lstStyle/>
+          <a:p>
+            <a:pPr algn="ctr"/>
+            <a:r>
+              <a:rPr lang="en-US" sz="1200" cap="small" dirty="0" smtClean="0">
+                <a:latin typeface="+mj-lt"/>
+              </a:rPr>
+              <a:t>Flash All LED</a:t>
+            </a:r>
+            <a:endParaRPr lang="en-US" sz="1200" cap="small" dirty="0">
+              <a:latin typeface="+mj-lt"/>
+            </a:endParaRPr>
+          </a:p>
+        </p:txBody>
+      </p:sp>
+      <p:sp>
+        <p:nvSpPr>
+          <p:cNvPr id="21" name="Flowchart: Process 20"/>
+          <p:cNvSpPr>
+            <a:spLocks noChangeAspect="1"/>
+          </p:cNvSpPr>
+          <p:nvPr/>
+        </p:nvSpPr>
+        <p:spPr>
+          <a:xfrm>
+            <a:off x="1260455" y="1695450"/>
+            <a:ext cx="909249" cy="609197"/>
+          </a:xfrm>
+          <a:prstGeom prst="flowChartProcess">
+            <a:avLst/>
+          </a:prstGeom>
+        </p:spPr>
+        <p:style>
+          <a:lnRef idx="2">
+            <a:schemeClr val="accent1">
+              <a:shade val="50000"/>
+            </a:schemeClr>
+          </a:lnRef>
+          <a:fillRef idx="1">
+            <a:schemeClr val="accent1"/>
+          </a:fillRef>
+          <a:effectRef idx="0">
+            <a:schemeClr val="accent1"/>
+          </a:effectRef>
+          <a:fontRef idx="minor">
+            <a:schemeClr val="lt1"/>
+          </a:fontRef>
+        </p:style>
+        <p:txBody>
+          <a:bodyPr rtlCol="0" anchor="ctr"/>
+          <a:lstStyle/>
+          <a:p>
+            <a:pPr algn="ctr"/>
+            <a:r>
+              <a:rPr lang="en-US" sz="1200" cap="small" dirty="0"/>
+              <a:t>Sleep Till Button Press</a:t>
+            </a:r>
+            <a:endParaRPr lang="en-US" sz="1200" cap="small" dirty="0"/>
+          </a:p>
+        </p:txBody>
+      </p:sp>
+      <p:sp>
+        <p:nvSpPr>
+          <p:cNvPr id="22" name="Flowchart: Process 21"/>
+          <p:cNvSpPr>
+            <a:spLocks noChangeAspect="1"/>
+          </p:cNvSpPr>
+          <p:nvPr/>
+        </p:nvSpPr>
+        <p:spPr>
+          <a:xfrm>
+            <a:off x="5146655" y="3468608"/>
+            <a:ext cx="909249" cy="609197"/>
+          </a:xfrm>
+          <a:prstGeom prst="flowChartProcess">
+            <a:avLst/>
+          </a:prstGeom>
+        </p:spPr>
+        <p:style>
+          <a:lnRef idx="2">
+            <a:schemeClr val="accent1">
+              <a:shade val="50000"/>
+            </a:schemeClr>
+          </a:lnRef>
+          <a:fillRef idx="1">
+            <a:schemeClr val="accent1"/>
+          </a:fillRef>
+          <a:effectRef idx="0">
+            <a:schemeClr val="accent1"/>
+          </a:effectRef>
+          <a:fontRef idx="minor">
+            <a:schemeClr val="lt1"/>
+          </a:fontRef>
+        </p:style>
+        <p:txBody>
+          <a:bodyPr rtlCol="0" anchor="ctr"/>
+          <a:lstStyle/>
+          <a:p>
+            <a:pPr algn="ctr"/>
+            <a:r>
+              <a:rPr lang="en-US" sz="1200" cap="small" dirty="0" smtClean="0"/>
+              <a:t>Form Packet</a:t>
+            </a:r>
+            <a:endParaRPr lang="en-US" sz="1200" cap="small" dirty="0"/>
+          </a:p>
+        </p:txBody>
+      </p:sp>
+      <p:sp>
+        <p:nvSpPr>
+          <p:cNvPr id="23" name="Flowchart: Process 22"/>
+          <p:cNvSpPr>
+            <a:spLocks noChangeAspect="1"/>
+          </p:cNvSpPr>
+          <p:nvPr/>
+        </p:nvSpPr>
+        <p:spPr>
+          <a:xfrm>
+            <a:off x="1260455" y="3468608"/>
+            <a:ext cx="909249" cy="609197"/>
+          </a:xfrm>
+          <a:prstGeom prst="flowChartProcess">
+            <a:avLst/>
+          </a:prstGeom>
+        </p:spPr>
+        <p:style>
+          <a:lnRef idx="2">
+            <a:schemeClr val="accent1">
+              <a:shade val="50000"/>
+            </a:schemeClr>
+          </a:lnRef>
+          <a:fillRef idx="1">
+            <a:schemeClr val="accent1"/>
+          </a:fillRef>
+          <a:effectRef idx="0">
+            <a:schemeClr val="accent1"/>
+          </a:effectRef>
+          <a:fontRef idx="minor">
+            <a:schemeClr val="lt1"/>
+          </a:fontRef>
+        </p:style>
+        <p:txBody>
+          <a:bodyPr rtlCol="0" anchor="ctr"/>
+          <a:lstStyle/>
+          <a:p>
+            <a:pPr algn="ctr"/>
+            <a:r>
+              <a:rPr lang="en-US" sz="1200" cap="small" dirty="0" smtClean="0"/>
+              <a:t>CNT Base</a:t>
+            </a:r>
+            <a:endParaRPr lang="en-US" sz="1200" cap="small" dirty="0"/>
+          </a:p>
+        </p:txBody>
+      </p:sp>
+      <p:sp>
+        <p:nvSpPr>
+          <p:cNvPr id="24" name="Flowchart: Process 23"/>
+          <p:cNvSpPr>
+            <a:spLocks noChangeAspect="1"/>
+          </p:cNvSpPr>
+          <p:nvPr/>
+        </p:nvSpPr>
+        <p:spPr>
+          <a:xfrm rot="2887473">
+            <a:off x="7907827" y="3611581"/>
+            <a:ext cx="365518" cy="365518"/>
+          </a:xfrm>
+          <a:prstGeom prst="flowChartProcess">
+            <a:avLst/>
+          </a:prstGeom>
+        </p:spPr>
+        <p:style>
+          <a:lnRef idx="2">
+            <a:schemeClr val="accent6">
+              <a:shade val="50000"/>
+            </a:schemeClr>
+          </a:lnRef>
+          <a:fillRef idx="1">
+            <a:schemeClr val="accent6"/>
+          </a:fillRef>
+          <a:effectRef idx="0">
+            <a:schemeClr val="accent6"/>
+          </a:effectRef>
+          <a:fontRef idx="minor">
+            <a:schemeClr val="lt1"/>
+          </a:fontRef>
+        </p:style>
+        <p:txBody>
+          <a:bodyPr rtlCol="0" anchor="ctr"/>
+          <a:lstStyle/>
+          <a:p>
+            <a:pPr algn="ctr"/>
+            <a:endParaRPr lang="en-US" dirty="0"/>
+          </a:p>
+        </p:txBody>
+      </p:sp>
+      <p:sp>
+        <p:nvSpPr>
+          <p:cNvPr id="25" name="Flowchart: Process 24"/>
+          <p:cNvSpPr>
+            <a:spLocks noChangeAspect="1"/>
+          </p:cNvSpPr>
+          <p:nvPr/>
+        </p:nvSpPr>
+        <p:spPr>
+          <a:xfrm>
+            <a:off x="6482151" y="3468608"/>
+            <a:ext cx="909249" cy="609197"/>
+          </a:xfrm>
+          <a:prstGeom prst="flowChartProcess">
+            <a:avLst/>
+          </a:prstGeom>
+        </p:spPr>
+        <p:style>
+          <a:lnRef idx="2">
+            <a:schemeClr val="accent1">
+              <a:shade val="50000"/>
+            </a:schemeClr>
+          </a:lnRef>
+          <a:fillRef idx="1">
+            <a:schemeClr val="accent1"/>
+          </a:fillRef>
+          <a:effectRef idx="0">
+            <a:schemeClr val="accent1"/>
+          </a:effectRef>
+          <a:fontRef idx="minor">
+            <a:schemeClr val="lt1"/>
+          </a:fontRef>
+        </p:style>
+        <p:txBody>
+          <a:bodyPr rtlCol="0" anchor="ctr"/>
+          <a:lstStyle/>
+          <a:p>
+            <a:pPr algn="ctr"/>
+            <a:r>
+              <a:rPr lang="en-US" sz="1200" cap="small" dirty="0" smtClean="0"/>
+              <a:t>Send Packet</a:t>
+            </a:r>
+            <a:endParaRPr lang="en-US" sz="1200" cap="small" dirty="0"/>
+          </a:p>
+        </p:txBody>
+      </p:sp>
+      <p:sp>
+        <p:nvSpPr>
+          <p:cNvPr id="27" name="Flowchart: Process 26"/>
+          <p:cNvSpPr>
+            <a:spLocks noChangeAspect="1"/>
+          </p:cNvSpPr>
+          <p:nvPr/>
+        </p:nvSpPr>
+        <p:spPr>
+          <a:xfrm>
+            <a:off x="5146655" y="4400953"/>
+            <a:ext cx="909249" cy="609197"/>
+          </a:xfrm>
+          <a:prstGeom prst="flowChartProcess">
+            <a:avLst/>
+          </a:prstGeom>
+        </p:spPr>
+        <p:style>
+          <a:lnRef idx="2">
+            <a:schemeClr val="accent1">
+              <a:shade val="50000"/>
+            </a:schemeClr>
+          </a:lnRef>
+          <a:fillRef idx="1">
+            <a:schemeClr val="accent1"/>
+          </a:fillRef>
+          <a:effectRef idx="0">
+            <a:schemeClr val="accent1"/>
+          </a:effectRef>
+          <a:fontRef idx="minor">
+            <a:schemeClr val="lt1"/>
+          </a:fontRef>
+        </p:style>
+        <p:txBody>
+          <a:bodyPr rtlCol="0" anchor="ctr"/>
+          <a:lstStyle/>
+          <a:p>
+            <a:pPr algn="ctr"/>
+            <a:r>
+              <a:rPr lang="en-US" sz="1200" cap="small" dirty="0" smtClean="0"/>
+              <a:t>Button LED 2x</a:t>
+            </a:r>
+            <a:endParaRPr lang="en-US" sz="1200" cap="small" dirty="0"/>
+          </a:p>
+        </p:txBody>
+      </p:sp>
+      <p:sp>
+        <p:nvSpPr>
+          <p:cNvPr id="28" name="Flowchart: Process 27"/>
+          <p:cNvSpPr>
+            <a:spLocks noChangeAspect="1"/>
+          </p:cNvSpPr>
+          <p:nvPr/>
+        </p:nvSpPr>
+        <p:spPr>
+          <a:xfrm>
+            <a:off x="6464300" y="1695450"/>
+            <a:ext cx="1066800" cy="609197"/>
+          </a:xfrm>
+          <a:prstGeom prst="flowChartProcess">
+            <a:avLst/>
+          </a:prstGeom>
+        </p:spPr>
+        <p:style>
+          <a:lnRef idx="2">
+            <a:schemeClr val="accent1">
+              <a:shade val="50000"/>
+            </a:schemeClr>
+          </a:lnRef>
+          <a:fillRef idx="1">
+            <a:schemeClr val="accent1"/>
+          </a:fillRef>
+          <a:effectRef idx="0">
+            <a:schemeClr val="accent1"/>
+          </a:effectRef>
+          <a:fontRef idx="minor">
+            <a:schemeClr val="lt1"/>
+          </a:fontRef>
+        </p:style>
+        <p:txBody>
+          <a:bodyPr rtlCol="0" anchor="ctr"/>
+          <a:lstStyle/>
+          <a:p>
+            <a:pPr algn="ctr"/>
+            <a:r>
+              <a:rPr lang="en-US" sz="1200" cap="small" dirty="0" smtClean="0">
+                <a:latin typeface="Garamond" panose="02020404030301010803" pitchFamily="18" charset="0"/>
+              </a:rPr>
+              <a:t>Attempt Reconnect</a:t>
+            </a:r>
+            <a:endParaRPr lang="en-US" sz="1200" cap="small" dirty="0">
+              <a:latin typeface="Garamond" panose="02020404030301010803" pitchFamily="18" charset="0"/>
+            </a:endParaRPr>
+          </a:p>
+        </p:txBody>
+      </p:sp>
+      <p:sp>
+        <p:nvSpPr>
+          <p:cNvPr id="31" name="Title 1"/>
+          <p:cNvSpPr>
+            <a:spLocks noGrp="1"/>
+          </p:cNvSpPr>
+          <p:nvPr>
+            <p:ph type="title"/>
+          </p:nvPr>
+        </p:nvSpPr>
+        <p:spPr/>
+        <p:style>
+          <a:lnRef idx="2">
+            <a:schemeClr val="accent4">
+              <a:shade val="50000"/>
+            </a:schemeClr>
+          </a:lnRef>
+          <a:fillRef idx="1">
+            <a:schemeClr val="accent4"/>
+          </a:fillRef>
+          <a:effectRef idx="0">
+            <a:schemeClr val="accent4"/>
+          </a:effectRef>
+          <a:fontRef idx="minor">
+            <a:schemeClr val="lt1"/>
+          </a:fontRef>
+        </p:style>
+        <p:txBody>
           <a:bodyPr/>
           <a:lstStyle/>
           <a:p>
             <a:r>
               <a:rPr lang="en-US" dirty="0" smtClean="0"/>
-              <a:t>Schematic</a:t>
+              <a:t>Satellite Flow Chart</a:t>
             </a:r>
             <a:endParaRPr lang="en-US" dirty="0"/>
+          </a:p>
+        </p:txBody>
+      </p:sp>
+      <p:sp>
+        <p:nvSpPr>
+          <p:cNvPr id="4" name="TextBox 3"/>
+          <p:cNvSpPr txBox="1"/>
+          <p:nvPr/>
+        </p:nvSpPr>
+        <p:spPr>
+          <a:xfrm>
+            <a:off x="0" y="4045047"/>
+            <a:ext cx="1356462" cy="369332"/>
+          </a:xfrm>
+          <a:prstGeom prst="rect">
+            <a:avLst/>
+          </a:prstGeom>
+          <a:noFill/>
+        </p:spPr>
+        <p:txBody>
+          <a:bodyPr wrap="none" rtlCol="0">
+            <a:spAutoFit/>
+          </a:bodyPr>
+          <a:lstStyle/>
+          <a:p>
+            <a:r>
+              <a:rPr lang="en-US" cap="small" dirty="0" err="1" smtClean="0"/>
+              <a:t>Init</a:t>
+            </a:r>
+            <a:r>
+              <a:rPr lang="en-US" cap="small" dirty="0" smtClean="0"/>
+              <a:t> Syste</a:t>
+            </a:r>
+            <a:r>
+              <a:rPr lang="en-US" cap="small" dirty="0"/>
+              <a:t>m</a:t>
+            </a:r>
+          </a:p>
+        </p:txBody>
+      </p:sp>
+      <p:sp>
+        <p:nvSpPr>
+          <p:cNvPr id="32" name="TextBox 31"/>
+          <p:cNvSpPr txBox="1"/>
+          <p:nvPr/>
+        </p:nvSpPr>
+        <p:spPr>
+          <a:xfrm>
+            <a:off x="2247626" y="4059549"/>
+            <a:ext cx="1377300" cy="369332"/>
+          </a:xfrm>
+          <a:prstGeom prst="rect">
+            <a:avLst/>
+          </a:prstGeom>
+          <a:noFill/>
+        </p:spPr>
+        <p:txBody>
+          <a:bodyPr wrap="none" rtlCol="0">
+            <a:spAutoFit/>
+          </a:bodyPr>
+          <a:lstStyle/>
+          <a:p>
+            <a:r>
+              <a:rPr lang="en-US" cap="small" dirty="0" smtClean="0">
+                <a:latin typeface="+mj-lt"/>
+              </a:rPr>
+              <a:t>Connected</a:t>
+            </a:r>
+            <a:endParaRPr lang="en-US" cap="small" dirty="0">
+              <a:latin typeface="+mj-lt"/>
+            </a:endParaRPr>
+          </a:p>
+        </p:txBody>
+      </p:sp>
+      <p:sp>
+        <p:nvSpPr>
+          <p:cNvPr id="33" name="TextBox 32"/>
+          <p:cNvSpPr txBox="1"/>
+          <p:nvPr/>
+        </p:nvSpPr>
+        <p:spPr>
+          <a:xfrm rot="5400000">
+            <a:off x="8001432" y="3709911"/>
+            <a:ext cx="1121654" cy="369332"/>
+          </a:xfrm>
+          <a:prstGeom prst="rect">
+            <a:avLst/>
+          </a:prstGeom>
+          <a:noFill/>
+        </p:spPr>
+        <p:txBody>
+          <a:bodyPr wrap="none" rtlCol="0">
+            <a:spAutoFit/>
+          </a:bodyPr>
+          <a:lstStyle/>
+          <a:p>
+            <a:r>
+              <a:rPr lang="en-US" cap="small" dirty="0" smtClean="0"/>
+              <a:t>Get ACK</a:t>
+            </a:r>
+            <a:endParaRPr lang="en-US" cap="small" dirty="0"/>
+          </a:p>
+        </p:txBody>
+      </p:sp>
+      <p:cxnSp>
+        <p:nvCxnSpPr>
+          <p:cNvPr id="6" name="Straight Arrow Connector 5"/>
+          <p:cNvCxnSpPr/>
+          <p:nvPr/>
+        </p:nvCxnSpPr>
+        <p:spPr>
+          <a:xfrm>
+            <a:off x="725132" y="3772114"/>
+            <a:ext cx="535323" cy="1093"/>
+          </a:xfrm>
+          <a:prstGeom prst="straightConnector1">
+            <a:avLst/>
+          </a:prstGeom>
+          <a:ln>
+            <a:tailEnd type="triangle" w="med" len="med"/>
+          </a:ln>
+        </p:spPr>
+        <p:style>
+          <a:lnRef idx="2">
+            <a:schemeClr val="dk1"/>
+          </a:lnRef>
+          <a:fillRef idx="0">
+            <a:schemeClr val="dk1"/>
+          </a:fillRef>
+          <a:effectRef idx="1">
+            <a:schemeClr val="dk1"/>
+          </a:effectRef>
+          <a:fontRef idx="minor">
+            <a:schemeClr val="tx1"/>
+          </a:fontRef>
+        </p:style>
+      </p:cxnSp>
+      <p:cxnSp>
+        <p:nvCxnSpPr>
+          <p:cNvPr id="36" name="Straight Arrow Connector 35"/>
+          <p:cNvCxnSpPr>
+            <a:stCxn id="21" idx="2"/>
+            <a:endCxn id="23" idx="0"/>
+          </p:cNvCxnSpPr>
+          <p:nvPr/>
+        </p:nvCxnSpPr>
+        <p:spPr>
+          <a:xfrm>
+            <a:off x="1715080" y="2304647"/>
+            <a:ext cx="0" cy="1163961"/>
+          </a:xfrm>
+          <a:prstGeom prst="straightConnector1">
+            <a:avLst/>
+          </a:prstGeom>
+          <a:ln>
+            <a:tailEnd type="triangle" w="med" len="med"/>
+          </a:ln>
+        </p:spPr>
+        <p:style>
+          <a:lnRef idx="2">
+            <a:schemeClr val="dk1"/>
+          </a:lnRef>
+          <a:fillRef idx="0">
+            <a:schemeClr val="dk1"/>
+          </a:fillRef>
+          <a:effectRef idx="1">
+            <a:schemeClr val="dk1"/>
+          </a:effectRef>
+          <a:fontRef idx="minor">
+            <a:schemeClr val="tx1"/>
+          </a:fontRef>
+        </p:style>
+      </p:cxnSp>
+      <p:cxnSp>
+        <p:nvCxnSpPr>
+          <p:cNvPr id="37" name="Straight Arrow Connector 36"/>
+          <p:cNvCxnSpPr/>
+          <p:nvPr/>
+        </p:nvCxnSpPr>
+        <p:spPr>
+          <a:xfrm>
+            <a:off x="2131677" y="3763577"/>
+            <a:ext cx="535323" cy="1093"/>
+          </a:xfrm>
+          <a:prstGeom prst="straightConnector1">
+            <a:avLst/>
+          </a:prstGeom>
+          <a:ln>
+            <a:tailEnd type="triangle" w="med" len="med"/>
+          </a:ln>
+        </p:spPr>
+        <p:style>
+          <a:lnRef idx="2">
+            <a:schemeClr val="dk1"/>
+          </a:lnRef>
+          <a:fillRef idx="0">
+            <a:schemeClr val="dk1"/>
+          </a:fillRef>
+          <a:effectRef idx="1">
+            <a:schemeClr val="dk1"/>
+          </a:effectRef>
+          <a:fontRef idx="minor">
+            <a:schemeClr val="tx1"/>
+          </a:fontRef>
+        </p:style>
+      </p:cxnSp>
+      <p:sp>
+        <p:nvSpPr>
+          <p:cNvPr id="38" name="Flowchart: Process 37"/>
+          <p:cNvSpPr>
+            <a:spLocks noChangeAspect="1"/>
+          </p:cNvSpPr>
+          <p:nvPr/>
+        </p:nvSpPr>
+        <p:spPr>
+          <a:xfrm rot="2887473">
+            <a:off x="2742316" y="3589354"/>
+            <a:ext cx="365518" cy="365518"/>
+          </a:xfrm>
+          <a:prstGeom prst="flowChartProcess">
+            <a:avLst/>
+          </a:prstGeom>
+        </p:spPr>
+        <p:style>
+          <a:lnRef idx="2">
+            <a:schemeClr val="accent6">
+              <a:shade val="50000"/>
+            </a:schemeClr>
+          </a:lnRef>
+          <a:fillRef idx="1">
+            <a:schemeClr val="accent6"/>
+          </a:fillRef>
+          <a:effectRef idx="0">
+            <a:schemeClr val="accent6"/>
+          </a:effectRef>
+          <a:fontRef idx="minor">
+            <a:schemeClr val="lt1"/>
+          </a:fontRef>
+        </p:style>
+        <p:txBody>
+          <a:bodyPr rtlCol="0" anchor="ctr"/>
+          <a:lstStyle/>
+          <a:p>
+            <a:pPr algn="ctr"/>
+            <a:endParaRPr lang="en-US" dirty="0"/>
+          </a:p>
+        </p:txBody>
+      </p:sp>
+      <p:cxnSp>
+        <p:nvCxnSpPr>
+          <p:cNvPr id="39" name="Straight Arrow Connector 38"/>
+          <p:cNvCxnSpPr>
+            <a:endCxn id="16" idx="1"/>
+          </p:cNvCxnSpPr>
+          <p:nvPr/>
+        </p:nvCxnSpPr>
+        <p:spPr>
+          <a:xfrm flipV="1">
+            <a:off x="3176705" y="3773207"/>
+            <a:ext cx="382923" cy="924"/>
+          </a:xfrm>
+          <a:prstGeom prst="straightConnector1">
+            <a:avLst/>
+          </a:prstGeom>
+          <a:ln>
+            <a:tailEnd type="triangle" w="med" len="med"/>
+          </a:ln>
+        </p:spPr>
+        <p:style>
+          <a:lnRef idx="2">
+            <a:schemeClr val="dk1"/>
+          </a:lnRef>
+          <a:fillRef idx="0">
+            <a:schemeClr val="dk1"/>
+          </a:fillRef>
+          <a:effectRef idx="1">
+            <a:schemeClr val="dk1"/>
+          </a:effectRef>
+          <a:fontRef idx="minor">
+            <a:schemeClr val="tx1"/>
+          </a:fontRef>
+        </p:style>
+      </p:cxnSp>
+      <p:cxnSp>
+        <p:nvCxnSpPr>
+          <p:cNvPr id="40" name="Straight Arrow Connector 39"/>
+          <p:cNvCxnSpPr/>
+          <p:nvPr/>
+        </p:nvCxnSpPr>
+        <p:spPr>
+          <a:xfrm>
+            <a:off x="4495800" y="3764670"/>
+            <a:ext cx="647741" cy="1093"/>
+          </a:xfrm>
+          <a:prstGeom prst="straightConnector1">
+            <a:avLst/>
+          </a:prstGeom>
+          <a:ln>
+            <a:tailEnd type="triangle" w="med" len="med"/>
+          </a:ln>
+        </p:spPr>
+        <p:style>
+          <a:lnRef idx="2">
+            <a:schemeClr val="dk1"/>
+          </a:lnRef>
+          <a:fillRef idx="0">
+            <a:schemeClr val="dk1"/>
+          </a:fillRef>
+          <a:effectRef idx="1">
+            <a:schemeClr val="dk1"/>
+          </a:effectRef>
+          <a:fontRef idx="minor">
+            <a:schemeClr val="tx1"/>
+          </a:fontRef>
+        </p:style>
+      </p:cxnSp>
+      <p:cxnSp>
+        <p:nvCxnSpPr>
+          <p:cNvPr id="41" name="Straight Arrow Connector 40"/>
+          <p:cNvCxnSpPr/>
+          <p:nvPr/>
+        </p:nvCxnSpPr>
+        <p:spPr>
+          <a:xfrm flipV="1">
+            <a:off x="6052458" y="3773207"/>
+            <a:ext cx="426881" cy="924"/>
+          </a:xfrm>
+          <a:prstGeom prst="straightConnector1">
+            <a:avLst/>
+          </a:prstGeom>
+          <a:ln>
+            <a:tailEnd type="triangle" w="med" len="med"/>
+          </a:ln>
+        </p:spPr>
+        <p:style>
+          <a:lnRef idx="2">
+            <a:schemeClr val="dk1"/>
+          </a:lnRef>
+          <a:fillRef idx="0">
+            <a:schemeClr val="dk1"/>
+          </a:fillRef>
+          <a:effectRef idx="1">
+            <a:schemeClr val="dk1"/>
+          </a:effectRef>
+          <a:fontRef idx="minor">
+            <a:schemeClr val="tx1"/>
+          </a:fontRef>
+        </p:style>
+      </p:cxnSp>
+      <p:cxnSp>
+        <p:nvCxnSpPr>
+          <p:cNvPr id="43" name="Straight Arrow Connector 42"/>
+          <p:cNvCxnSpPr/>
+          <p:nvPr/>
+        </p:nvCxnSpPr>
+        <p:spPr>
+          <a:xfrm flipV="1">
+            <a:off x="7393498" y="3774131"/>
+            <a:ext cx="426881" cy="924"/>
+          </a:xfrm>
+          <a:prstGeom prst="straightConnector1">
+            <a:avLst/>
+          </a:prstGeom>
+          <a:ln>
+            <a:tailEnd type="triangle" w="med" len="med"/>
+          </a:ln>
+        </p:spPr>
+        <p:style>
+          <a:lnRef idx="2">
+            <a:schemeClr val="dk1"/>
+          </a:lnRef>
+          <a:fillRef idx="0">
+            <a:schemeClr val="dk1"/>
+          </a:fillRef>
+          <a:effectRef idx="1">
+            <a:schemeClr val="dk1"/>
+          </a:effectRef>
+          <a:fontRef idx="minor">
+            <a:schemeClr val="tx1"/>
+          </a:fontRef>
+        </p:style>
+      </p:cxnSp>
+      <p:cxnSp>
+        <p:nvCxnSpPr>
+          <p:cNvPr id="44" name="Straight Arrow Connector 43"/>
+          <p:cNvCxnSpPr/>
+          <p:nvPr/>
+        </p:nvCxnSpPr>
+        <p:spPr>
+          <a:xfrm flipV="1">
+            <a:off x="2939144" y="2288722"/>
+            <a:ext cx="11201" cy="1231616"/>
+          </a:xfrm>
+          <a:prstGeom prst="straightConnector1">
+            <a:avLst/>
+          </a:prstGeom>
+          <a:ln>
+            <a:tailEnd type="triangle" w="med" len="med"/>
+          </a:ln>
+        </p:spPr>
+        <p:style>
+          <a:lnRef idx="2">
+            <a:schemeClr val="dk1"/>
+          </a:lnRef>
+          <a:fillRef idx="0">
+            <a:schemeClr val="dk1"/>
+          </a:fillRef>
+          <a:effectRef idx="1">
+            <a:schemeClr val="dk1"/>
+          </a:effectRef>
+          <a:fontRef idx="minor">
+            <a:schemeClr val="tx1"/>
+          </a:fontRef>
+        </p:style>
+      </p:cxnSp>
+      <p:cxnSp>
+        <p:nvCxnSpPr>
+          <p:cNvPr id="47" name="Straight Arrow Connector 46"/>
+          <p:cNvCxnSpPr/>
+          <p:nvPr/>
+        </p:nvCxnSpPr>
+        <p:spPr>
+          <a:xfrm flipH="1">
+            <a:off x="2168995" y="2000250"/>
+            <a:ext cx="323870" cy="0"/>
+          </a:xfrm>
+          <a:prstGeom prst="straightConnector1">
+            <a:avLst/>
+          </a:prstGeom>
+          <a:ln>
+            <a:tailEnd type="triangle" w="med" len="med"/>
+          </a:ln>
+        </p:spPr>
+        <p:style>
+          <a:lnRef idx="2">
+            <a:schemeClr val="dk1"/>
+          </a:lnRef>
+          <a:fillRef idx="0">
+            <a:schemeClr val="dk1"/>
+          </a:fillRef>
+          <a:effectRef idx="1">
+            <a:schemeClr val="dk1"/>
+          </a:effectRef>
+          <a:fontRef idx="minor">
+            <a:schemeClr val="tx1"/>
+          </a:fontRef>
+        </p:style>
+      </p:cxnSp>
+      <p:cxnSp>
+        <p:nvCxnSpPr>
+          <p:cNvPr id="50" name="Straight Arrow Connector 49"/>
+          <p:cNvCxnSpPr>
+            <a:endCxn id="16" idx="0"/>
+          </p:cNvCxnSpPr>
+          <p:nvPr/>
+        </p:nvCxnSpPr>
+        <p:spPr>
+          <a:xfrm>
+            <a:off x="4014252" y="2211604"/>
+            <a:ext cx="1" cy="1257004"/>
+          </a:xfrm>
+          <a:prstGeom prst="straightConnector1">
+            <a:avLst/>
+          </a:prstGeom>
+          <a:ln>
+            <a:tailEnd type="triangle" w="med" len="med"/>
+          </a:ln>
+        </p:spPr>
+        <p:style>
+          <a:lnRef idx="2">
+            <a:schemeClr val="dk1"/>
+          </a:lnRef>
+          <a:fillRef idx="0">
+            <a:schemeClr val="dk1"/>
+          </a:fillRef>
+          <a:effectRef idx="1">
+            <a:schemeClr val="dk1"/>
+          </a:effectRef>
+          <a:fontRef idx="minor">
+            <a:schemeClr val="tx1"/>
+          </a:fontRef>
+        </p:style>
+      </p:cxnSp>
+      <p:sp>
+        <p:nvSpPr>
+          <p:cNvPr id="51" name="Flowchart: Process 50"/>
+          <p:cNvSpPr>
+            <a:spLocks noChangeAspect="1"/>
+          </p:cNvSpPr>
+          <p:nvPr/>
+        </p:nvSpPr>
+        <p:spPr>
+          <a:xfrm rot="2887473">
+            <a:off x="3847368" y="1770768"/>
+            <a:ext cx="365518" cy="365518"/>
+          </a:xfrm>
+          <a:prstGeom prst="flowChartProcess">
+            <a:avLst/>
+          </a:prstGeom>
+        </p:spPr>
+        <p:style>
+          <a:lnRef idx="2">
+            <a:schemeClr val="accent6">
+              <a:shade val="50000"/>
+            </a:schemeClr>
+          </a:lnRef>
+          <a:fillRef idx="1">
+            <a:schemeClr val="accent6"/>
+          </a:fillRef>
+          <a:effectRef idx="0">
+            <a:schemeClr val="accent6"/>
+          </a:effectRef>
+          <a:fontRef idx="minor">
+            <a:schemeClr val="lt1"/>
+          </a:fontRef>
+        </p:style>
+        <p:txBody>
+          <a:bodyPr rtlCol="0" anchor="ctr"/>
+          <a:lstStyle/>
+          <a:p>
+            <a:pPr algn="ctr"/>
+            <a:endParaRPr lang="en-US" dirty="0"/>
+          </a:p>
+        </p:txBody>
+      </p:sp>
+      <p:cxnSp>
+        <p:nvCxnSpPr>
+          <p:cNvPr id="53" name="Straight Arrow Connector 52"/>
+          <p:cNvCxnSpPr/>
+          <p:nvPr/>
+        </p:nvCxnSpPr>
+        <p:spPr>
+          <a:xfrm flipH="1" flipV="1">
+            <a:off x="4014252" y="4705551"/>
+            <a:ext cx="1132404" cy="2"/>
+          </a:xfrm>
+          <a:prstGeom prst="straightConnector1">
+            <a:avLst/>
+          </a:prstGeom>
+          <a:ln>
+            <a:tailEnd type="none" w="med" len="med"/>
+          </a:ln>
+        </p:spPr>
+        <p:style>
+          <a:lnRef idx="2">
+            <a:schemeClr val="dk1"/>
+          </a:lnRef>
+          <a:fillRef idx="0">
+            <a:schemeClr val="dk1"/>
+          </a:fillRef>
+          <a:effectRef idx="1">
+            <a:schemeClr val="dk1"/>
+          </a:effectRef>
+          <a:fontRef idx="minor">
+            <a:schemeClr val="tx1"/>
+          </a:fontRef>
+        </p:style>
+      </p:cxnSp>
+      <p:cxnSp>
+        <p:nvCxnSpPr>
+          <p:cNvPr id="55" name="Straight Arrow Connector 54"/>
+          <p:cNvCxnSpPr>
+            <a:endCxn id="16" idx="2"/>
+          </p:cNvCxnSpPr>
+          <p:nvPr/>
+        </p:nvCxnSpPr>
+        <p:spPr>
+          <a:xfrm flipV="1">
+            <a:off x="4014252" y="4077805"/>
+            <a:ext cx="1" cy="627749"/>
+          </a:xfrm>
+          <a:prstGeom prst="straightConnector1">
+            <a:avLst/>
+          </a:prstGeom>
+          <a:ln>
+            <a:tailEnd type="triangle" w="med" len="med"/>
+          </a:ln>
+        </p:spPr>
+        <p:style>
+          <a:lnRef idx="2">
+            <a:schemeClr val="dk1"/>
+          </a:lnRef>
+          <a:fillRef idx="0">
+            <a:schemeClr val="dk1"/>
+          </a:fillRef>
+          <a:effectRef idx="1">
+            <a:schemeClr val="dk1"/>
+          </a:effectRef>
+          <a:fontRef idx="minor">
+            <a:schemeClr val="tx1"/>
+          </a:fontRef>
+        </p:style>
+      </p:cxnSp>
+      <p:cxnSp>
+        <p:nvCxnSpPr>
+          <p:cNvPr id="65" name="Straight Arrow Connector 64"/>
+          <p:cNvCxnSpPr/>
+          <p:nvPr/>
+        </p:nvCxnSpPr>
+        <p:spPr>
+          <a:xfrm flipH="1">
+            <a:off x="6055905" y="4705552"/>
+            <a:ext cx="2029917" cy="0"/>
+          </a:xfrm>
+          <a:prstGeom prst="straightConnector1">
+            <a:avLst/>
+          </a:prstGeom>
+          <a:ln>
+            <a:tailEnd type="triangle" w="med" len="med"/>
+          </a:ln>
+        </p:spPr>
+        <p:style>
+          <a:lnRef idx="2">
+            <a:schemeClr val="dk1"/>
+          </a:lnRef>
+          <a:fillRef idx="0">
+            <a:schemeClr val="dk1"/>
+          </a:fillRef>
+          <a:effectRef idx="1">
+            <a:schemeClr val="dk1"/>
+          </a:effectRef>
+          <a:fontRef idx="minor">
+            <a:schemeClr val="tx1"/>
+          </a:fontRef>
+        </p:style>
+      </p:cxnSp>
+      <p:cxnSp>
+        <p:nvCxnSpPr>
+          <p:cNvPr id="72" name="Straight Arrow Connector 71"/>
+          <p:cNvCxnSpPr/>
+          <p:nvPr/>
+        </p:nvCxnSpPr>
+        <p:spPr>
+          <a:xfrm>
+            <a:off x="8075761" y="4052417"/>
+            <a:ext cx="1" cy="662298"/>
+          </a:xfrm>
+          <a:prstGeom prst="straightConnector1">
+            <a:avLst/>
+          </a:prstGeom>
+          <a:ln>
+            <a:tailEnd type="none" w="med" len="med"/>
+          </a:ln>
+        </p:spPr>
+        <p:style>
+          <a:lnRef idx="2">
+            <a:schemeClr val="dk1"/>
+          </a:lnRef>
+          <a:fillRef idx="0">
+            <a:schemeClr val="dk1"/>
+          </a:fillRef>
+          <a:effectRef idx="1">
+            <a:schemeClr val="dk1"/>
+          </a:effectRef>
+          <a:fontRef idx="minor">
+            <a:schemeClr val="tx1"/>
+          </a:fontRef>
+        </p:style>
+      </p:cxnSp>
+      <p:sp>
+        <p:nvSpPr>
+          <p:cNvPr id="74" name="Flowchart: Process 73"/>
+          <p:cNvSpPr>
+            <a:spLocks noChangeAspect="1"/>
+          </p:cNvSpPr>
+          <p:nvPr/>
+        </p:nvSpPr>
+        <p:spPr>
+          <a:xfrm>
+            <a:off x="7635961" y="2724553"/>
+            <a:ext cx="909249" cy="609197"/>
+          </a:xfrm>
+          <a:prstGeom prst="flowChartProcess">
+            <a:avLst/>
+          </a:prstGeom>
+        </p:spPr>
+        <p:style>
+          <a:lnRef idx="2">
+            <a:schemeClr val="accent1">
+              <a:shade val="50000"/>
+            </a:schemeClr>
+          </a:lnRef>
+          <a:fillRef idx="1">
+            <a:schemeClr val="accent1"/>
+          </a:fillRef>
+          <a:effectRef idx="0">
+            <a:schemeClr val="accent1"/>
+          </a:effectRef>
+          <a:fontRef idx="minor">
+            <a:schemeClr val="lt1"/>
+          </a:fontRef>
+        </p:style>
+        <p:txBody>
+          <a:bodyPr rtlCol="0" anchor="ctr"/>
+          <a:lstStyle/>
+          <a:p>
+            <a:pPr algn="ctr"/>
+            <a:r>
+              <a:rPr lang="en-US" sz="1200" cap="small" dirty="0" smtClean="0"/>
+              <a:t>Send Packet</a:t>
+            </a:r>
+            <a:endParaRPr lang="en-US" sz="1200" cap="small" dirty="0"/>
+          </a:p>
+        </p:txBody>
+      </p:sp>
+      <p:cxnSp>
+        <p:nvCxnSpPr>
+          <p:cNvPr id="77" name="Straight Arrow Connector 76"/>
+          <p:cNvCxnSpPr/>
+          <p:nvPr/>
+        </p:nvCxnSpPr>
+        <p:spPr>
+          <a:xfrm flipV="1">
+            <a:off x="8101672" y="3329171"/>
+            <a:ext cx="0" cy="199528"/>
+          </a:xfrm>
+          <a:prstGeom prst="straightConnector1">
+            <a:avLst/>
+          </a:prstGeom>
+          <a:ln>
+            <a:tailEnd type="triangle" w="med" len="med"/>
+          </a:ln>
+        </p:spPr>
+        <p:style>
+          <a:lnRef idx="2">
+            <a:schemeClr val="dk1"/>
+          </a:lnRef>
+          <a:fillRef idx="0">
+            <a:schemeClr val="dk1"/>
+          </a:fillRef>
+          <a:effectRef idx="1">
+            <a:schemeClr val="dk1"/>
+          </a:effectRef>
+          <a:fontRef idx="minor">
+            <a:schemeClr val="tx1"/>
+          </a:fontRef>
+        </p:style>
+      </p:cxnSp>
+      <p:cxnSp>
+        <p:nvCxnSpPr>
+          <p:cNvPr id="80" name="Straight Arrow Connector 79"/>
+          <p:cNvCxnSpPr/>
+          <p:nvPr/>
+        </p:nvCxnSpPr>
+        <p:spPr>
+          <a:xfrm flipV="1">
+            <a:off x="8066313" y="2242962"/>
+            <a:ext cx="1" cy="470302"/>
+          </a:xfrm>
+          <a:prstGeom prst="straightConnector1">
+            <a:avLst/>
+          </a:prstGeom>
+          <a:ln>
+            <a:tailEnd type="triangle" w="med" len="med"/>
+          </a:ln>
+        </p:spPr>
+        <p:style>
+          <a:lnRef idx="2">
+            <a:schemeClr val="dk1"/>
+          </a:lnRef>
+          <a:fillRef idx="0">
+            <a:schemeClr val="dk1"/>
+          </a:fillRef>
+          <a:effectRef idx="1">
+            <a:schemeClr val="dk1"/>
+          </a:effectRef>
+          <a:fontRef idx="minor">
+            <a:schemeClr val="tx1"/>
+          </a:fontRef>
+        </p:style>
+      </p:cxnSp>
+      <p:sp>
+        <p:nvSpPr>
+          <p:cNvPr id="83" name="Flowchart: Process 82"/>
+          <p:cNvSpPr>
+            <a:spLocks noChangeAspect="1"/>
+          </p:cNvSpPr>
+          <p:nvPr/>
+        </p:nvSpPr>
+        <p:spPr>
+          <a:xfrm rot="2887473">
+            <a:off x="7903064" y="1813414"/>
+            <a:ext cx="365518" cy="365518"/>
+          </a:xfrm>
+          <a:prstGeom prst="flowChartProcess">
+            <a:avLst/>
+          </a:prstGeom>
+        </p:spPr>
+        <p:style>
+          <a:lnRef idx="2">
+            <a:schemeClr val="accent6">
+              <a:shade val="50000"/>
+            </a:schemeClr>
+          </a:lnRef>
+          <a:fillRef idx="1">
+            <a:schemeClr val="accent6"/>
+          </a:fillRef>
+          <a:effectRef idx="0">
+            <a:schemeClr val="accent6"/>
+          </a:effectRef>
+          <a:fontRef idx="minor">
+            <a:schemeClr val="lt1"/>
+          </a:fontRef>
+        </p:style>
+        <p:txBody>
+          <a:bodyPr rtlCol="0" anchor="ctr"/>
+          <a:lstStyle/>
+          <a:p>
+            <a:pPr algn="ctr"/>
+            <a:endParaRPr lang="en-US" dirty="0"/>
+          </a:p>
+        </p:txBody>
+      </p:sp>
+      <p:sp>
+        <p:nvSpPr>
+          <p:cNvPr id="87" name="Flowchart: Process 86"/>
+          <p:cNvSpPr>
+            <a:spLocks noChangeAspect="1"/>
+          </p:cNvSpPr>
+          <p:nvPr/>
+        </p:nvSpPr>
+        <p:spPr>
+          <a:xfrm rot="2887473">
+            <a:off x="4571118" y="1783468"/>
+            <a:ext cx="365518" cy="365518"/>
+          </a:xfrm>
+          <a:prstGeom prst="flowChartProcess">
+            <a:avLst/>
+          </a:prstGeom>
+        </p:spPr>
+        <p:style>
+          <a:lnRef idx="2">
+            <a:schemeClr val="accent6">
+              <a:shade val="50000"/>
+            </a:schemeClr>
+          </a:lnRef>
+          <a:fillRef idx="1">
+            <a:schemeClr val="accent6"/>
+          </a:fillRef>
+          <a:effectRef idx="0">
+            <a:schemeClr val="accent6"/>
+          </a:effectRef>
+          <a:fontRef idx="minor">
+            <a:schemeClr val="lt1"/>
+          </a:fontRef>
+        </p:style>
+        <p:txBody>
+          <a:bodyPr rtlCol="0" anchor="ctr"/>
+          <a:lstStyle/>
+          <a:p>
+            <a:pPr algn="ctr"/>
+            <a:endParaRPr lang="en-US" dirty="0"/>
+          </a:p>
+        </p:txBody>
+      </p:sp>
+      <p:cxnSp>
+        <p:nvCxnSpPr>
+          <p:cNvPr id="88" name="Straight Arrow Connector 87"/>
+          <p:cNvCxnSpPr/>
+          <p:nvPr/>
+        </p:nvCxnSpPr>
+        <p:spPr>
+          <a:xfrm flipV="1">
+            <a:off x="6921500" y="2903097"/>
+            <a:ext cx="0" cy="551058"/>
+          </a:xfrm>
+          <a:prstGeom prst="straightConnector1">
+            <a:avLst/>
+          </a:prstGeom>
+          <a:ln>
+            <a:headEnd type="triangle"/>
+            <a:tailEnd type="none" w="med" len="med"/>
+          </a:ln>
+        </p:spPr>
+        <p:style>
+          <a:lnRef idx="2">
+            <a:schemeClr val="dk1"/>
+          </a:lnRef>
+          <a:fillRef idx="0">
+            <a:schemeClr val="dk1"/>
+          </a:fillRef>
+          <a:effectRef idx="1">
+            <a:schemeClr val="dk1"/>
+          </a:effectRef>
+          <a:fontRef idx="minor">
+            <a:schemeClr val="tx1"/>
+          </a:fontRef>
+        </p:style>
+      </p:cxnSp>
+      <p:cxnSp>
+        <p:nvCxnSpPr>
+          <p:cNvPr id="90" name="Straight Arrow Connector 89"/>
+          <p:cNvCxnSpPr/>
+          <p:nvPr/>
+        </p:nvCxnSpPr>
+        <p:spPr>
+          <a:xfrm flipV="1">
+            <a:off x="4742991" y="2222491"/>
+            <a:ext cx="1" cy="679404"/>
+          </a:xfrm>
+          <a:prstGeom prst="straightConnector1">
+            <a:avLst/>
+          </a:prstGeom>
+          <a:ln>
+            <a:headEnd type="none"/>
+            <a:tailEnd type="none" w="med" len="med"/>
+          </a:ln>
+        </p:spPr>
+        <p:style>
+          <a:lnRef idx="2">
+            <a:schemeClr val="dk1"/>
+          </a:lnRef>
+          <a:fillRef idx="0">
+            <a:schemeClr val="dk1"/>
+          </a:fillRef>
+          <a:effectRef idx="1">
+            <a:schemeClr val="dk1"/>
+          </a:effectRef>
+          <a:fontRef idx="minor">
+            <a:schemeClr val="tx1"/>
+          </a:fontRef>
+        </p:style>
+      </p:cxnSp>
+      <p:cxnSp>
+        <p:nvCxnSpPr>
+          <p:cNvPr id="91" name="Straight Arrow Connector 90"/>
+          <p:cNvCxnSpPr/>
+          <p:nvPr/>
+        </p:nvCxnSpPr>
+        <p:spPr>
+          <a:xfrm>
+            <a:off x="4754912" y="2901895"/>
+            <a:ext cx="2181863" cy="0"/>
+          </a:xfrm>
+          <a:prstGeom prst="straightConnector1">
+            <a:avLst/>
+          </a:prstGeom>
+          <a:ln>
+            <a:tailEnd type="none" w="med" len="med"/>
+          </a:ln>
+        </p:spPr>
+        <p:style>
+          <a:lnRef idx="2">
+            <a:schemeClr val="dk1"/>
+          </a:lnRef>
+          <a:fillRef idx="0">
+            <a:schemeClr val="dk1"/>
+          </a:fillRef>
+          <a:effectRef idx="1">
+            <a:schemeClr val="dk1"/>
+          </a:effectRef>
+          <a:fontRef idx="minor">
+            <a:schemeClr val="tx1"/>
+          </a:fontRef>
+        </p:style>
+      </p:cxnSp>
+      <p:cxnSp>
+        <p:nvCxnSpPr>
+          <p:cNvPr id="93" name="Straight Arrow Connector 92"/>
+          <p:cNvCxnSpPr/>
+          <p:nvPr/>
+        </p:nvCxnSpPr>
+        <p:spPr>
+          <a:xfrm flipH="1">
+            <a:off x="7528773" y="1977123"/>
+            <a:ext cx="294427" cy="0"/>
+          </a:xfrm>
+          <a:prstGeom prst="straightConnector1">
+            <a:avLst/>
+          </a:prstGeom>
+          <a:ln>
+            <a:tailEnd type="triangle" w="med" len="med"/>
+          </a:ln>
+        </p:spPr>
+        <p:style>
+          <a:lnRef idx="2">
+            <a:schemeClr val="dk1"/>
+          </a:lnRef>
+          <a:fillRef idx="0">
+            <a:schemeClr val="dk1"/>
+          </a:fillRef>
+          <a:effectRef idx="1">
+            <a:schemeClr val="dk1"/>
+          </a:effectRef>
+          <a:fontRef idx="minor">
+            <a:schemeClr val="tx1"/>
+          </a:fontRef>
+        </p:style>
+      </p:cxnSp>
+      <p:cxnSp>
+        <p:nvCxnSpPr>
+          <p:cNvPr id="94" name="Straight Arrow Connector 93"/>
+          <p:cNvCxnSpPr/>
+          <p:nvPr/>
+        </p:nvCxnSpPr>
+        <p:spPr>
+          <a:xfrm flipH="1">
+            <a:off x="6146800" y="1974850"/>
+            <a:ext cx="294427" cy="0"/>
+          </a:xfrm>
+          <a:prstGeom prst="straightConnector1">
+            <a:avLst/>
+          </a:prstGeom>
+          <a:ln>
+            <a:tailEnd type="triangle" w="med" len="med"/>
+          </a:ln>
+        </p:spPr>
+        <p:style>
+          <a:lnRef idx="2">
+            <a:schemeClr val="dk1"/>
+          </a:lnRef>
+          <a:fillRef idx="0">
+            <a:schemeClr val="dk1"/>
+          </a:fillRef>
+          <a:effectRef idx="1">
+            <a:schemeClr val="dk1"/>
+          </a:effectRef>
+          <a:fontRef idx="minor">
+            <a:schemeClr val="tx1"/>
+          </a:fontRef>
+        </p:style>
+      </p:cxnSp>
+      <p:cxnSp>
+        <p:nvCxnSpPr>
+          <p:cNvPr id="95" name="Straight Arrow Connector 94"/>
+          <p:cNvCxnSpPr/>
+          <p:nvPr/>
+        </p:nvCxnSpPr>
+        <p:spPr>
+          <a:xfrm flipV="1">
+            <a:off x="8348819" y="2000250"/>
+            <a:ext cx="426881" cy="924"/>
+          </a:xfrm>
+          <a:prstGeom prst="straightConnector1">
+            <a:avLst/>
+          </a:prstGeom>
+          <a:ln>
+            <a:tailEnd type="none" w="med" len="med"/>
+          </a:ln>
+        </p:spPr>
+        <p:style>
+          <a:lnRef idx="2">
+            <a:schemeClr val="dk1"/>
+          </a:lnRef>
+          <a:fillRef idx="0">
+            <a:schemeClr val="dk1"/>
+          </a:fillRef>
+          <a:effectRef idx="1">
+            <a:schemeClr val="dk1"/>
+          </a:effectRef>
+          <a:fontRef idx="minor">
+            <a:schemeClr val="tx1"/>
+          </a:fontRef>
+        </p:style>
+      </p:cxnSp>
+      <p:cxnSp>
+        <p:nvCxnSpPr>
+          <p:cNvPr id="96" name="Straight Arrow Connector 95"/>
+          <p:cNvCxnSpPr/>
+          <p:nvPr/>
+        </p:nvCxnSpPr>
+        <p:spPr>
+          <a:xfrm flipH="1">
+            <a:off x="8775700" y="1989823"/>
+            <a:ext cx="1006" cy="2705842"/>
+          </a:xfrm>
+          <a:prstGeom prst="straightConnector1">
+            <a:avLst/>
+          </a:prstGeom>
+          <a:ln>
+            <a:tailEnd type="none" w="med" len="med"/>
+          </a:ln>
+        </p:spPr>
+        <p:style>
+          <a:lnRef idx="2">
+            <a:schemeClr val="dk1"/>
+          </a:lnRef>
+          <a:fillRef idx="0">
+            <a:schemeClr val="dk1"/>
+          </a:fillRef>
+          <a:effectRef idx="1">
+            <a:schemeClr val="dk1"/>
+          </a:effectRef>
+          <a:fontRef idx="minor">
+            <a:schemeClr val="tx1"/>
+          </a:fontRef>
+        </p:style>
+      </p:cxnSp>
+      <p:cxnSp>
+        <p:nvCxnSpPr>
+          <p:cNvPr id="98" name="Straight Arrow Connector 97"/>
+          <p:cNvCxnSpPr/>
+          <p:nvPr/>
+        </p:nvCxnSpPr>
+        <p:spPr>
+          <a:xfrm flipH="1">
+            <a:off x="8077200" y="4695665"/>
+            <a:ext cx="694245" cy="0"/>
+          </a:xfrm>
+          <a:prstGeom prst="straightConnector1">
+            <a:avLst/>
+          </a:prstGeom>
+          <a:ln>
+            <a:tailEnd type="triangle" w="med" len="med"/>
+          </a:ln>
+        </p:spPr>
+        <p:style>
+          <a:lnRef idx="2">
+            <a:schemeClr val="dk1"/>
+          </a:lnRef>
+          <a:fillRef idx="0">
+            <a:schemeClr val="dk1"/>
+          </a:fillRef>
+          <a:effectRef idx="1">
+            <a:schemeClr val="dk1"/>
+          </a:effectRef>
+          <a:fontRef idx="minor">
+            <a:schemeClr val="tx1"/>
+          </a:fontRef>
+        </p:style>
+      </p:cxnSp>
+      <p:sp>
+        <p:nvSpPr>
+          <p:cNvPr id="100" name="TextBox 99"/>
+          <p:cNvSpPr txBox="1"/>
+          <p:nvPr/>
+        </p:nvSpPr>
+        <p:spPr>
+          <a:xfrm>
+            <a:off x="4071258" y="1341664"/>
+            <a:ext cx="1377300" cy="369332"/>
+          </a:xfrm>
+          <a:prstGeom prst="rect">
+            <a:avLst/>
+          </a:prstGeom>
+          <a:noFill/>
+        </p:spPr>
+        <p:txBody>
+          <a:bodyPr wrap="none" rtlCol="0">
+            <a:spAutoFit/>
+          </a:bodyPr>
+          <a:lstStyle/>
+          <a:p>
+            <a:r>
+              <a:rPr lang="en-US" cap="small" dirty="0" smtClean="0"/>
+              <a:t>Connected</a:t>
+            </a:r>
+            <a:endParaRPr lang="en-US" cap="small" dirty="0"/>
+          </a:p>
+        </p:txBody>
+      </p:sp>
+      <p:cxnSp>
+        <p:nvCxnSpPr>
+          <p:cNvPr id="105" name="Straight Arrow Connector 104"/>
+          <p:cNvCxnSpPr/>
+          <p:nvPr/>
+        </p:nvCxnSpPr>
+        <p:spPr>
+          <a:xfrm flipH="1">
+            <a:off x="5012365" y="1974850"/>
+            <a:ext cx="201097" cy="0"/>
+          </a:xfrm>
+          <a:prstGeom prst="straightConnector1">
+            <a:avLst/>
+          </a:prstGeom>
+          <a:ln>
+            <a:tailEnd type="triangle" w="med" len="med"/>
+          </a:ln>
+        </p:spPr>
+        <p:style>
+          <a:lnRef idx="2">
+            <a:schemeClr val="dk1"/>
+          </a:lnRef>
+          <a:fillRef idx="0">
+            <a:schemeClr val="dk1"/>
+          </a:fillRef>
+          <a:effectRef idx="1">
+            <a:schemeClr val="dk1"/>
+          </a:effectRef>
+          <a:fontRef idx="minor">
+            <a:schemeClr val="tx1"/>
+          </a:fontRef>
+        </p:style>
+      </p:cxnSp>
+      <p:cxnSp>
+        <p:nvCxnSpPr>
+          <p:cNvPr id="106" name="Straight Arrow Connector 105"/>
+          <p:cNvCxnSpPr/>
+          <p:nvPr/>
+        </p:nvCxnSpPr>
+        <p:spPr>
+          <a:xfrm flipH="1">
+            <a:off x="4279900" y="1955800"/>
+            <a:ext cx="201097" cy="0"/>
+          </a:xfrm>
+          <a:prstGeom prst="straightConnector1">
+            <a:avLst/>
+          </a:prstGeom>
+          <a:ln>
+            <a:tailEnd type="triangle" w="med" len="med"/>
+          </a:ln>
+        </p:spPr>
+        <p:style>
+          <a:lnRef idx="2">
+            <a:schemeClr val="dk1"/>
+          </a:lnRef>
+          <a:fillRef idx="0">
+            <a:schemeClr val="dk1"/>
+          </a:fillRef>
+          <a:effectRef idx="1">
+            <a:schemeClr val="dk1"/>
+          </a:effectRef>
+          <a:fontRef idx="minor">
+            <a:schemeClr val="tx1"/>
+          </a:fontRef>
+        </p:style>
+      </p:cxnSp>
+      <p:cxnSp>
+        <p:nvCxnSpPr>
+          <p:cNvPr id="107" name="Straight Arrow Connector 106"/>
+          <p:cNvCxnSpPr/>
+          <p:nvPr/>
+        </p:nvCxnSpPr>
+        <p:spPr>
+          <a:xfrm flipH="1">
+            <a:off x="4039198" y="1352550"/>
+            <a:ext cx="2958504" cy="0"/>
+          </a:xfrm>
+          <a:prstGeom prst="straightConnector1">
+            <a:avLst/>
+          </a:prstGeom>
+          <a:ln>
+            <a:tailEnd type="none" w="med" len="med"/>
+          </a:ln>
+        </p:spPr>
+        <p:style>
+          <a:lnRef idx="2">
+            <a:schemeClr val="dk1"/>
+          </a:lnRef>
+          <a:fillRef idx="0">
+            <a:schemeClr val="dk1"/>
+          </a:fillRef>
+          <a:effectRef idx="1">
+            <a:schemeClr val="dk1"/>
+          </a:effectRef>
+          <a:fontRef idx="minor">
+            <a:schemeClr val="tx1"/>
+          </a:fontRef>
+        </p:style>
+      </p:cxnSp>
+      <p:cxnSp>
+        <p:nvCxnSpPr>
+          <p:cNvPr id="111" name="Straight Arrow Connector 110"/>
+          <p:cNvCxnSpPr/>
+          <p:nvPr/>
+        </p:nvCxnSpPr>
+        <p:spPr>
+          <a:xfrm flipV="1">
+            <a:off x="4039198" y="1346771"/>
+            <a:ext cx="0" cy="366616"/>
+          </a:xfrm>
+          <a:prstGeom prst="straightConnector1">
+            <a:avLst/>
+          </a:prstGeom>
+          <a:ln>
+            <a:headEnd type="none"/>
+            <a:tailEnd type="none" w="med" len="med"/>
+          </a:ln>
+        </p:spPr>
+        <p:style>
+          <a:lnRef idx="2">
+            <a:schemeClr val="dk1"/>
+          </a:lnRef>
+          <a:fillRef idx="0">
+            <a:schemeClr val="dk1"/>
+          </a:fillRef>
+          <a:effectRef idx="1">
+            <a:schemeClr val="dk1"/>
+          </a:effectRef>
+          <a:fontRef idx="minor">
+            <a:schemeClr val="tx1"/>
+          </a:fontRef>
+        </p:style>
+      </p:cxnSp>
+      <p:cxnSp>
+        <p:nvCxnSpPr>
+          <p:cNvPr id="113" name="Straight Arrow Connector 112"/>
+          <p:cNvCxnSpPr/>
+          <p:nvPr/>
+        </p:nvCxnSpPr>
+        <p:spPr>
+          <a:xfrm flipV="1">
+            <a:off x="6997700" y="1341664"/>
+            <a:ext cx="0" cy="333287"/>
+          </a:xfrm>
+          <a:prstGeom prst="straightConnector1">
+            <a:avLst/>
+          </a:prstGeom>
+          <a:ln>
+            <a:headEnd type="triangle"/>
+            <a:tailEnd type="none" w="med" len="med"/>
+          </a:ln>
+        </p:spPr>
+        <p:style>
+          <a:lnRef idx="2">
+            <a:schemeClr val="dk1"/>
+          </a:lnRef>
+          <a:fillRef idx="0">
+            <a:schemeClr val="dk1"/>
+          </a:fillRef>
+          <a:effectRef idx="1">
+            <a:schemeClr val="dk1"/>
+          </a:effectRef>
+          <a:fontRef idx="minor">
+            <a:schemeClr val="tx1"/>
+          </a:fontRef>
+        </p:style>
+      </p:cxnSp>
+      <p:sp>
+        <p:nvSpPr>
+          <p:cNvPr id="120" name="TextBox 119"/>
+          <p:cNvSpPr txBox="1"/>
+          <p:nvPr/>
+        </p:nvSpPr>
+        <p:spPr>
+          <a:xfrm>
+            <a:off x="7565146" y="1363436"/>
+            <a:ext cx="1121654" cy="369332"/>
+          </a:xfrm>
+          <a:prstGeom prst="rect">
+            <a:avLst/>
+          </a:prstGeom>
+          <a:noFill/>
+        </p:spPr>
+        <p:txBody>
+          <a:bodyPr wrap="none" rtlCol="0">
+            <a:spAutoFit/>
+          </a:bodyPr>
+          <a:lstStyle/>
+          <a:p>
+            <a:r>
+              <a:rPr lang="en-US" cap="small" dirty="0" smtClean="0"/>
+              <a:t>Get ACK</a:t>
+            </a:r>
+            <a:endParaRPr lang="en-US" cap="small" dirty="0"/>
+          </a:p>
+        </p:txBody>
+      </p:sp>
+      <p:sp>
+        <p:nvSpPr>
+          <p:cNvPr id="122" name="TextBox 121"/>
+          <p:cNvSpPr txBox="1"/>
+          <p:nvPr/>
+        </p:nvSpPr>
+        <p:spPr>
+          <a:xfrm>
+            <a:off x="3176705" y="3421618"/>
+            <a:ext cx="306494" cy="369332"/>
+          </a:xfrm>
+          <a:prstGeom prst="rect">
+            <a:avLst/>
+          </a:prstGeom>
+          <a:noFill/>
+        </p:spPr>
+        <p:txBody>
+          <a:bodyPr wrap="none" rtlCol="0">
+            <a:spAutoFit/>
+          </a:bodyPr>
+          <a:lstStyle/>
+          <a:p>
+            <a:r>
+              <a:rPr lang="en-US" cap="small" dirty="0" smtClean="0"/>
+              <a:t>y</a:t>
+            </a:r>
+            <a:endParaRPr lang="en-US" cap="small" dirty="0"/>
+          </a:p>
+        </p:txBody>
+      </p:sp>
+      <p:sp>
+        <p:nvSpPr>
+          <p:cNvPr id="123" name="TextBox 122"/>
+          <p:cNvSpPr txBox="1"/>
+          <p:nvPr/>
+        </p:nvSpPr>
+        <p:spPr>
+          <a:xfrm>
+            <a:off x="2590800" y="3193018"/>
+            <a:ext cx="327334" cy="369332"/>
+          </a:xfrm>
+          <a:prstGeom prst="rect">
+            <a:avLst/>
+          </a:prstGeom>
+          <a:noFill/>
+        </p:spPr>
+        <p:txBody>
+          <a:bodyPr wrap="none" rtlCol="0">
+            <a:spAutoFit/>
+          </a:bodyPr>
+          <a:lstStyle/>
+          <a:p>
+            <a:r>
+              <a:rPr lang="en-US" cap="small" dirty="0" smtClean="0"/>
+              <a:t>n</a:t>
+            </a:r>
+            <a:endParaRPr lang="en-US" cap="small" dirty="0"/>
+          </a:p>
+        </p:txBody>
+      </p:sp>
+      <p:sp>
+        <p:nvSpPr>
+          <p:cNvPr id="124" name="TextBox 123"/>
+          <p:cNvSpPr txBox="1"/>
+          <p:nvPr/>
+        </p:nvSpPr>
+        <p:spPr>
+          <a:xfrm>
+            <a:off x="4705460" y="2170152"/>
+            <a:ext cx="306494" cy="369332"/>
+          </a:xfrm>
+          <a:prstGeom prst="rect">
+            <a:avLst/>
+          </a:prstGeom>
+          <a:noFill/>
+        </p:spPr>
+        <p:txBody>
+          <a:bodyPr wrap="none" rtlCol="0">
+            <a:spAutoFit/>
+          </a:bodyPr>
+          <a:lstStyle/>
+          <a:p>
+            <a:r>
+              <a:rPr lang="en-US" cap="small" dirty="0" smtClean="0"/>
+              <a:t>y</a:t>
+            </a:r>
+            <a:endParaRPr lang="en-US" cap="small" dirty="0"/>
+          </a:p>
+        </p:txBody>
+      </p:sp>
+      <p:sp>
+        <p:nvSpPr>
+          <p:cNvPr id="127" name="TextBox 126"/>
+          <p:cNvSpPr txBox="1"/>
+          <p:nvPr/>
+        </p:nvSpPr>
+        <p:spPr>
+          <a:xfrm>
+            <a:off x="3154740" y="2354818"/>
+            <a:ext cx="1569660" cy="369332"/>
+          </a:xfrm>
+          <a:prstGeom prst="rect">
+            <a:avLst/>
+          </a:prstGeom>
+          <a:noFill/>
+        </p:spPr>
+        <p:txBody>
+          <a:bodyPr wrap="none" rtlCol="0">
+            <a:spAutoFit/>
+          </a:bodyPr>
+          <a:lstStyle/>
+          <a:p>
+            <a:r>
+              <a:rPr lang="en-US" cap="small" dirty="0" smtClean="0"/>
+              <a:t>Tried 5 Times</a:t>
+            </a:r>
+            <a:endParaRPr lang="en-US" cap="small" dirty="0"/>
+          </a:p>
+        </p:txBody>
+      </p:sp>
+      <p:sp>
+        <p:nvSpPr>
+          <p:cNvPr id="128" name="TextBox 127"/>
+          <p:cNvSpPr txBox="1"/>
+          <p:nvPr/>
+        </p:nvSpPr>
+        <p:spPr>
+          <a:xfrm>
+            <a:off x="4005944" y="3105150"/>
+            <a:ext cx="306494" cy="369332"/>
+          </a:xfrm>
+          <a:prstGeom prst="rect">
+            <a:avLst/>
+          </a:prstGeom>
+          <a:noFill/>
+        </p:spPr>
+        <p:txBody>
+          <a:bodyPr wrap="none" rtlCol="0">
+            <a:spAutoFit/>
+          </a:bodyPr>
+          <a:lstStyle/>
+          <a:p>
+            <a:r>
+              <a:rPr lang="en-US" cap="small" dirty="0" smtClean="0"/>
+              <a:t>y</a:t>
+            </a:r>
+            <a:endParaRPr lang="en-US" cap="small" dirty="0"/>
+          </a:p>
+        </p:txBody>
+      </p:sp>
+      <p:sp>
+        <p:nvSpPr>
+          <p:cNvPr id="129" name="TextBox 128"/>
+          <p:cNvSpPr txBox="1"/>
+          <p:nvPr/>
+        </p:nvSpPr>
+        <p:spPr>
+          <a:xfrm>
+            <a:off x="4236674" y="1626841"/>
+            <a:ext cx="327334" cy="369332"/>
+          </a:xfrm>
+          <a:prstGeom prst="rect">
+            <a:avLst/>
+          </a:prstGeom>
+          <a:noFill/>
+        </p:spPr>
+        <p:txBody>
+          <a:bodyPr wrap="none" rtlCol="0">
+            <a:spAutoFit/>
+          </a:bodyPr>
+          <a:lstStyle/>
+          <a:p>
+            <a:r>
+              <a:rPr lang="en-US" cap="small" dirty="0" smtClean="0"/>
+              <a:t>n</a:t>
+            </a:r>
+            <a:endParaRPr lang="en-US" cap="small" dirty="0"/>
+          </a:p>
+        </p:txBody>
+      </p:sp>
+      <p:sp>
+        <p:nvSpPr>
+          <p:cNvPr id="130" name="TextBox 129"/>
+          <p:cNvSpPr txBox="1"/>
+          <p:nvPr/>
+        </p:nvSpPr>
+        <p:spPr>
+          <a:xfrm>
+            <a:off x="3754808" y="1447044"/>
+            <a:ext cx="327334" cy="369332"/>
+          </a:xfrm>
+          <a:prstGeom prst="rect">
+            <a:avLst/>
+          </a:prstGeom>
+          <a:noFill/>
+        </p:spPr>
+        <p:txBody>
+          <a:bodyPr wrap="none" rtlCol="0">
+            <a:spAutoFit/>
+          </a:bodyPr>
+          <a:lstStyle/>
+          <a:p>
+            <a:r>
+              <a:rPr lang="en-US" cap="small" dirty="0" smtClean="0"/>
+              <a:t>n</a:t>
+            </a:r>
+            <a:endParaRPr lang="en-US" cap="small" dirty="0"/>
+          </a:p>
+        </p:txBody>
+      </p:sp>
+      <p:sp>
+        <p:nvSpPr>
+          <p:cNvPr id="131" name="TextBox 130"/>
+          <p:cNvSpPr txBox="1"/>
+          <p:nvPr/>
+        </p:nvSpPr>
+        <p:spPr>
+          <a:xfrm>
+            <a:off x="8282334" y="1679120"/>
+            <a:ext cx="306494" cy="369332"/>
+          </a:xfrm>
+          <a:prstGeom prst="rect">
+            <a:avLst/>
+          </a:prstGeom>
+          <a:noFill/>
+        </p:spPr>
+        <p:txBody>
+          <a:bodyPr wrap="none" rtlCol="0">
+            <a:spAutoFit/>
+          </a:bodyPr>
+          <a:lstStyle/>
+          <a:p>
+            <a:r>
+              <a:rPr lang="en-US" cap="small" dirty="0" smtClean="0"/>
+              <a:t>y</a:t>
+            </a:r>
+            <a:endParaRPr lang="en-US" cap="small" dirty="0"/>
+          </a:p>
+        </p:txBody>
+      </p:sp>
+      <p:sp>
+        <p:nvSpPr>
+          <p:cNvPr id="132" name="TextBox 131"/>
+          <p:cNvSpPr txBox="1"/>
+          <p:nvPr/>
+        </p:nvSpPr>
+        <p:spPr>
+          <a:xfrm>
+            <a:off x="7597466" y="1669018"/>
+            <a:ext cx="327334" cy="369332"/>
+          </a:xfrm>
+          <a:prstGeom prst="rect">
+            <a:avLst/>
+          </a:prstGeom>
+          <a:noFill/>
+        </p:spPr>
+        <p:txBody>
+          <a:bodyPr wrap="none" rtlCol="0">
+            <a:spAutoFit/>
+          </a:bodyPr>
+          <a:lstStyle/>
+          <a:p>
+            <a:r>
+              <a:rPr lang="en-US" cap="small" dirty="0" smtClean="0"/>
+              <a:t>n</a:t>
+            </a:r>
+            <a:endParaRPr lang="en-US" cap="small" dirty="0"/>
+          </a:p>
+        </p:txBody>
+      </p:sp>
+      <p:sp>
+        <p:nvSpPr>
+          <p:cNvPr id="139" name="TextBox 138"/>
+          <p:cNvSpPr txBox="1"/>
+          <p:nvPr/>
+        </p:nvSpPr>
+        <p:spPr>
+          <a:xfrm>
+            <a:off x="7749866" y="3269218"/>
+            <a:ext cx="327334" cy="369332"/>
+          </a:xfrm>
+          <a:prstGeom prst="rect">
+            <a:avLst/>
+          </a:prstGeom>
+          <a:noFill/>
+        </p:spPr>
+        <p:txBody>
+          <a:bodyPr wrap="none" rtlCol="0">
+            <a:spAutoFit/>
+          </a:bodyPr>
+          <a:lstStyle/>
+          <a:p>
+            <a:r>
+              <a:rPr lang="en-US" cap="small" dirty="0" smtClean="0"/>
+              <a:t>n</a:t>
+            </a:r>
+            <a:endParaRPr lang="en-US" cap="small" dirty="0"/>
+          </a:p>
+        </p:txBody>
+      </p:sp>
+      <p:sp>
+        <p:nvSpPr>
+          <p:cNvPr id="140" name="TextBox 139"/>
+          <p:cNvSpPr txBox="1"/>
+          <p:nvPr/>
+        </p:nvSpPr>
+        <p:spPr>
+          <a:xfrm>
+            <a:off x="7770706" y="4031218"/>
+            <a:ext cx="306494" cy="369332"/>
+          </a:xfrm>
+          <a:prstGeom prst="rect">
+            <a:avLst/>
+          </a:prstGeom>
+          <a:noFill/>
+        </p:spPr>
+        <p:txBody>
+          <a:bodyPr wrap="none" rtlCol="0">
+            <a:spAutoFit/>
+          </a:bodyPr>
+          <a:lstStyle/>
+          <a:p>
+            <a:r>
+              <a:rPr lang="en-US" cap="small" dirty="0" smtClean="0"/>
+              <a:t>y</a:t>
+            </a:r>
+            <a:endParaRPr lang="en-US" cap="small" dirty="0"/>
           </a:p>
         </p:txBody>
       </p:sp>
     </p:spTree>
     <p:extLst>
       <p:ext uri="{BB962C8B-B14F-4D97-AF65-F5344CB8AC3E}">
-        <p14:creationId xmlns:p14="http://schemas.microsoft.com/office/powerpoint/2010/main" val="2371651074"/>
+        <p14:creationId xmlns:p14="http://schemas.microsoft.com/office/powerpoint/2010/main" val="1505295153"/>
       </p:ext>
     </p:extLst>
   </p:cSld>
@@ -12621,10 +16684,14 @@
   </p:clrMapOvr>
   <mc:AlternateContent xmlns:mc="http://schemas.openxmlformats.org/markup-compatibility/2006">
     <mc:Choice xmlns:p14="http://schemas.microsoft.com/office/powerpoint/2010/main" Requires="p14">
-      <p:transition p14:dur="0"/>
+      <p:transition spd="slow" p14:dur="4000">
+        <p14:vortex dir="r"/>
+      </p:transition>
     </mc:Choice>
     <mc:Fallback>
-      <p:transition/>
+      <p:transition spd="slow">
+        <p:fade/>
+      </p:transition>
     </mc:Fallback>
   </mc:AlternateContent>
   <p:timing>
@@ -12921,7 +16988,56 @@
       </a:bgFillStyleLst>
     </a:fmtScheme>
   </a:themeElements>
-  <a:objectDefaults/>
+  <a:objectDefaults>
+    <a:spDef>
+      <a:spPr/>
+      <a:bodyPr rtlCol="0" anchor="ctr"/>
+      <a:lstStyle>
+        <a:defPPr algn="ctr">
+          <a:defRPr/>
+        </a:defPPr>
+      </a:lstStyle>
+      <a:style>
+        <a:lnRef idx="2">
+          <a:schemeClr val="accent1">
+            <a:shade val="50000"/>
+          </a:schemeClr>
+        </a:lnRef>
+        <a:fillRef idx="1">
+          <a:schemeClr val="accent1"/>
+        </a:fillRef>
+        <a:effectRef idx="0">
+          <a:schemeClr val="accent1"/>
+        </a:effectRef>
+        <a:fontRef idx="minor">
+          <a:schemeClr val="lt1"/>
+        </a:fontRef>
+      </a:style>
+    </a:spDef>
+    <a:lnDef>
+      <a:spPr>
+        <a:ln w="31750">
+          <a:tailEnd type="triangle" w="med" len="med"/>
+        </a:ln>
+      </a:spPr>
+      <a:bodyPr/>
+      <a:lstStyle/>
+      <a:style>
+        <a:lnRef idx="1">
+          <a:schemeClr val="accent1"/>
+        </a:lnRef>
+        <a:fillRef idx="0">
+          <a:schemeClr val="accent1"/>
+        </a:fillRef>
+        <a:effectRef idx="0">
+          <a:schemeClr val="accent1"/>
+        </a:effectRef>
+        <a:fontRef idx="minor">
+          <a:schemeClr val="tx1"/>
+        </a:fontRef>
+      </a:style>
+    </a:lnDef>
+  </a:objectDefaults>
   <a:extraClrSchemeLst/>
 </a:theme>
 </file>
